--- a/Presentation/Personal Library.pptx
+++ b/Presentation/Personal Library.pptx
@@ -9,31 +9,32 @@
     <p:sldId id="257" r:id="rId3"/>
     <p:sldId id="258" r:id="rId4"/>
     <p:sldId id="259" r:id="rId5"/>
-    <p:sldId id="260" r:id="rId6"/>
-    <p:sldId id="261" r:id="rId7"/>
-    <p:sldId id="262" r:id="rId8"/>
-    <p:sldId id="263" r:id="rId9"/>
-    <p:sldId id="264" r:id="rId10"/>
-    <p:sldId id="265" r:id="rId11"/>
-    <p:sldId id="266" r:id="rId12"/>
-    <p:sldId id="267" r:id="rId13"/>
-    <p:sldId id="269" r:id="rId14"/>
-    <p:sldId id="268" r:id="rId15"/>
-    <p:sldId id="270" r:id="rId16"/>
-    <p:sldId id="271" r:id="rId17"/>
-    <p:sldId id="273" r:id="rId18"/>
-    <p:sldId id="274" r:id="rId19"/>
-    <p:sldId id="280" r:id="rId20"/>
-    <p:sldId id="272" r:id="rId21"/>
-    <p:sldId id="281" r:id="rId22"/>
-    <p:sldId id="275" r:id="rId23"/>
-    <p:sldId id="282" r:id="rId24"/>
+    <p:sldId id="292" r:id="rId6"/>
+    <p:sldId id="268" r:id="rId7"/>
+    <p:sldId id="269" r:id="rId8"/>
+    <p:sldId id="293" r:id="rId9"/>
+    <p:sldId id="270" r:id="rId10"/>
+    <p:sldId id="271" r:id="rId11"/>
+    <p:sldId id="287" r:id="rId12"/>
+    <p:sldId id="286" r:id="rId13"/>
+    <p:sldId id="288" r:id="rId14"/>
+    <p:sldId id="280" r:id="rId15"/>
+    <p:sldId id="291" r:id="rId16"/>
+    <p:sldId id="273" r:id="rId17"/>
+    <p:sldId id="274" r:id="rId18"/>
+    <p:sldId id="290" r:id="rId19"/>
+    <p:sldId id="272" r:id="rId20"/>
+    <p:sldId id="281" r:id="rId21"/>
+    <p:sldId id="275" r:id="rId22"/>
+    <p:sldId id="282" r:id="rId23"/>
+    <p:sldId id="294" r:id="rId24"/>
     <p:sldId id="276" r:id="rId25"/>
     <p:sldId id="283" r:id="rId26"/>
     <p:sldId id="277" r:id="rId27"/>
     <p:sldId id="284" r:id="rId28"/>
     <p:sldId id="278" r:id="rId29"/>
-    <p:sldId id="285" r:id="rId30"/>
+    <p:sldId id="295" r:id="rId30"/>
+    <p:sldId id="285" r:id="rId31"/>
   </p:sldIdLst>
   <p:sldSz cx="12192000" cy="6858000"/>
   <p:notesSz cx="6858000" cy="9144000"/>
@@ -2623,7 +2624,7 @@
             <a:fld id="{5586B75A-687E-405C-8A0B-8D00578BA2C3}" type="datetimeFigureOut">
               <a:rPr lang="en-US" dirty="0"/>
               <a:pPr/>
-              <a:t>4/12/2020</a:t>
+              <a:t>4/14/2020</a:t>
             </a:fld>
             <a:endParaRPr lang="en-US"/>
           </a:p>
@@ -2793,7 +2794,7 @@
             <a:fld id="{5586B75A-687E-405C-8A0B-8D00578BA2C3}" type="datetimeFigureOut">
               <a:rPr lang="en-US" dirty="0"/>
               <a:pPr/>
-              <a:t>4/12/2020</a:t>
+              <a:t>4/14/2020</a:t>
             </a:fld>
             <a:endParaRPr lang="en-US"/>
           </a:p>
@@ -2973,7 +2974,7 @@
             <a:fld id="{5586B75A-687E-405C-8A0B-8D00578BA2C3}" type="datetimeFigureOut">
               <a:rPr lang="en-US" dirty="0"/>
               <a:pPr/>
-              <a:t>4/12/2020</a:t>
+              <a:t>4/14/2020</a:t>
             </a:fld>
             <a:endParaRPr lang="en-US"/>
           </a:p>
@@ -3143,7 +3144,7 @@
             <a:fld id="{5586B75A-687E-405C-8A0B-8D00578BA2C3}" type="datetimeFigureOut">
               <a:rPr lang="en-US" dirty="0"/>
               <a:pPr/>
-              <a:t>4/12/2020</a:t>
+              <a:t>4/14/2020</a:t>
             </a:fld>
             <a:endParaRPr lang="en-US"/>
           </a:p>
@@ -3402,7 +3403,7 @@
             <a:fld id="{5586B75A-687E-405C-8A0B-8D00578BA2C3}" type="datetimeFigureOut">
               <a:rPr lang="en-US" dirty="0"/>
               <a:pPr/>
-              <a:t>4/12/2020</a:t>
+              <a:t>4/14/2020</a:t>
             </a:fld>
             <a:endParaRPr lang="en-US"/>
           </a:p>
@@ -3689,7 +3690,7 @@
             <a:fld id="{5586B75A-687E-405C-8A0B-8D00578BA2C3}" type="datetimeFigureOut">
               <a:rPr lang="en-US" dirty="0"/>
               <a:pPr/>
-              <a:t>4/12/2020</a:t>
+              <a:t>4/14/2020</a:t>
             </a:fld>
             <a:endParaRPr lang="en-US"/>
           </a:p>
@@ -4130,7 +4131,7 @@
             <a:fld id="{5586B75A-687E-405C-8A0B-8D00578BA2C3}" type="datetimeFigureOut">
               <a:rPr lang="en-US" dirty="0"/>
               <a:pPr/>
-              <a:t>4/12/2020</a:t>
+              <a:t>4/14/2020</a:t>
             </a:fld>
             <a:endParaRPr lang="en-US"/>
           </a:p>
@@ -4249,7 +4250,7 @@
             <a:fld id="{5586B75A-687E-405C-8A0B-8D00578BA2C3}" type="datetimeFigureOut">
               <a:rPr lang="en-US" dirty="0"/>
               <a:pPr/>
-              <a:t>4/12/2020</a:t>
+              <a:t>4/14/2020</a:t>
             </a:fld>
             <a:endParaRPr lang="en-US"/>
           </a:p>
@@ -4346,7 +4347,7 @@
             <a:fld id="{5586B75A-687E-405C-8A0B-8D00578BA2C3}" type="datetimeFigureOut">
               <a:rPr lang="en-US" dirty="0"/>
               <a:pPr/>
-              <a:t>4/12/2020</a:t>
+              <a:t>4/14/2020</a:t>
             </a:fld>
             <a:endParaRPr lang="en-US"/>
           </a:p>
@@ -4634,7 +4635,7 @@
             <a:fld id="{5586B75A-687E-405C-8A0B-8D00578BA2C3}" type="datetimeFigureOut">
               <a:rPr lang="en-US" dirty="0"/>
               <a:pPr/>
-              <a:t>4/12/2020</a:t>
+              <a:t>4/14/2020</a:t>
             </a:fld>
             <a:endParaRPr lang="en-US"/>
           </a:p>
@@ -4904,7 +4905,7 @@
             <a:fld id="{5586B75A-687E-405C-8A0B-8D00578BA2C3}" type="datetimeFigureOut">
               <a:rPr lang="en-US" dirty="0"/>
               <a:pPr/>
-              <a:t>4/12/2020</a:t>
+              <a:t>4/14/2020</a:t>
             </a:fld>
             <a:endParaRPr lang="en-US"/>
           </a:p>
@@ -5201,7 +5202,7 @@
             <a:fld id="{5586B75A-687E-405C-8A0B-8D00578BA2C3}" type="datetimeFigureOut">
               <a:rPr lang="en-US" dirty="0"/>
               <a:pPr/>
-              <a:t>4/12/2020</a:t>
+              <a:t>4/14/2020</a:t>
             </a:fld>
             <a:endParaRPr lang="en-US"/>
           </a:p>
@@ -5730,11 +5731,11 @@
           <a:p>
             <a:pPr algn="ctr"/>
             <a:r>
-              <a:rPr lang="en-GB" sz="7200" b="1">
+              <a:rPr lang="en-GB" sz="7200" b="1" dirty="0">
                 <a:latin typeface="Arial"/>
                 <a:cs typeface="Arial"/>
               </a:rPr>
-              <a:t>Personal Library</a:t>
+              <a:t>SOCIAL BOOKS</a:t>
             </a:r>
           </a:p>
         </p:txBody>
@@ -5768,6 +5769,9 @@
             </a:pPr>
             <a:r>
               <a:rPr lang="en-GB" sz="3200" b="1" dirty="0">
+                <a:solidFill>
+                  <a:schemeClr val="tx2"/>
+                </a:solidFill>
                 <a:latin typeface="Arial"/>
                 <a:cs typeface="Arial"/>
               </a:rPr>
@@ -5778,6 +5782,9 @@
             <a:pPr algn="ctr"/>
             <a:r>
               <a:rPr lang="en-GB" sz="3200" b="1" dirty="0" err="1">
+                <a:solidFill>
+                  <a:schemeClr val="tx2"/>
+                </a:solidFill>
                 <a:latin typeface="Arial"/>
                 <a:cs typeface="Arial"/>
               </a:rPr>
@@ -5785,6 +5792,9 @@
             </a:r>
             <a:r>
               <a:rPr lang="en-GB" sz="3200" b="1" dirty="0">
+                <a:solidFill>
+                  <a:schemeClr val="tx2"/>
+                </a:solidFill>
                 <a:latin typeface="Arial"/>
                 <a:cs typeface="Arial"/>
               </a:rPr>
@@ -5799,6 +5809,9 @@
             </a:pPr>
             <a:r>
               <a:rPr lang="en-GB" sz="3200" b="1" dirty="0">
+                <a:solidFill>
+                  <a:schemeClr val="tx2"/>
+                </a:solidFill>
                 <a:latin typeface="Arial"/>
                 <a:cs typeface="Arial"/>
               </a:rPr>
@@ -5806,12 +5819,18 @@
             </a:r>
             <a:r>
               <a:rPr lang="en-GB" sz="3200" b="1" dirty="0" err="1">
+                <a:solidFill>
+                  <a:schemeClr val="tx2"/>
+                </a:solidFill>
                 <a:latin typeface="Arial"/>
                 <a:cs typeface="Arial"/>
               </a:rPr>
               <a:t>Pandi</a:t>
             </a:r>
             <a:endParaRPr lang="en-GB" sz="3200" b="1" dirty="0">
+              <a:solidFill>
+                <a:schemeClr val="tx2"/>
+              </a:solidFill>
               <a:latin typeface="Arial"/>
               <a:cs typeface="Arial"/>
             </a:endParaRPr>
@@ -5824,6 +5843,9 @@
             </a:pPr>
             <a:r>
               <a:rPr lang="en-GB" sz="3200" b="1" dirty="0">
+                <a:solidFill>
+                  <a:schemeClr val="tx2"/>
+                </a:solidFill>
                 <a:latin typeface="Arial"/>
                 <a:cs typeface="Arial"/>
               </a:rPr>
@@ -5848,17 +5870,6 @@
 <file path=ppt/slides/slide10.xml><?xml version="1.0" encoding="utf-8"?>
 <p:sld xmlns:a="http://schemas.openxmlformats.org/drawingml/2006/main" xmlns:r="http://schemas.openxmlformats.org/officeDocument/2006/relationships" xmlns:p="http://schemas.openxmlformats.org/presentationml/2006/main">
   <p:cSld>
-    <p:bg>
-      <p:bgPr>
-        <a:blipFill>
-          <a:blip r:embed="rId2"/>
-          <a:stretch>
-            <a:fillRect t="-17000" b="-17000"/>
-          </a:stretch>
-        </a:blipFill>
-        <a:effectLst/>
-      </p:bgPr>
-    </p:bg>
     <p:spTree>
       <p:nvGrpSpPr>
         <p:cNvPr id="1" name=""/>
@@ -5873,10 +5884,40 @@
           <a:chExt cx="0" cy="0"/>
         </a:xfrm>
       </p:grpSpPr>
+      <p:pic>
+        <p:nvPicPr>
+          <p:cNvPr id="3" name="Picture 3" descr="A picture containing drawing&#10;&#10;Description generated with very high confidence">
+            <a:extLst>
+              <a:ext uri="{FF2B5EF4-FFF2-40B4-BE49-F238E27FC236}">
+                <a16:creationId xmlns:a16="http://schemas.microsoft.com/office/drawing/2014/main" id="{2AF526E7-FADF-460F-9B6A-ABF076776F05}"/>
+              </a:ext>
+            </a:extLst>
+          </p:cNvPr>
+          <p:cNvPicPr>
+            <a:picLocks noChangeAspect="1"/>
+          </p:cNvPicPr>
+          <p:nvPr/>
+        </p:nvPicPr>
+        <p:blipFill>
+          <a:blip r:embed="rId2"/>
+          <a:stretch>
+            <a:fillRect/>
+          </a:stretch>
+        </p:blipFill>
+        <p:spPr>
+          <a:xfrm>
+            <a:off x="1302590" y="1386727"/>
+            <a:ext cx="8810445" cy="2344889"/>
+          </a:xfrm>
+          <a:prstGeom prst="rect">
+            <a:avLst/>
+          </a:prstGeom>
+        </p:spPr>
+      </p:pic>
     </p:spTree>
     <p:extLst>
       <p:ext uri="{BB962C8B-B14F-4D97-AF65-F5344CB8AC3E}">
-        <p14:creationId xmlns:p14="http://schemas.microsoft.com/office/powerpoint/2010/main" val="2578644616"/>
+        <p14:creationId xmlns:p14="http://schemas.microsoft.com/office/powerpoint/2010/main" val="3280029823"/>
       </p:ext>
     </p:extLst>
   </p:cSld>
@@ -5887,88 +5928,6 @@
 </file>
 
 <file path=ppt/slides/slide11.xml><?xml version="1.0" encoding="utf-8"?>
-<p:sld xmlns:a="http://schemas.openxmlformats.org/drawingml/2006/main" xmlns:r="http://schemas.openxmlformats.org/officeDocument/2006/relationships" xmlns:p="http://schemas.openxmlformats.org/presentationml/2006/main">
-  <p:cSld>
-    <p:bg>
-      <p:bgPr>
-        <a:blipFill>
-          <a:blip r:embed="rId2"/>
-          <a:stretch>
-            <a:fillRect t="-39000" b="-39000"/>
-          </a:stretch>
-        </a:blipFill>
-        <a:effectLst/>
-      </p:bgPr>
-    </p:bg>
-    <p:spTree>
-      <p:nvGrpSpPr>
-        <p:cNvPr id="1" name=""/>
-        <p:cNvGrpSpPr/>
-        <p:nvPr/>
-      </p:nvGrpSpPr>
-      <p:grpSpPr>
-        <a:xfrm>
-          <a:off x="0" y="0"/>
-          <a:ext cx="0" cy="0"/>
-          <a:chOff x="0" y="0"/>
-          <a:chExt cx="0" cy="0"/>
-        </a:xfrm>
-      </p:grpSpPr>
-    </p:spTree>
-    <p:extLst>
-      <p:ext uri="{BB962C8B-B14F-4D97-AF65-F5344CB8AC3E}">
-        <p14:creationId xmlns:p14="http://schemas.microsoft.com/office/powerpoint/2010/main" val="290565916"/>
-      </p:ext>
-    </p:extLst>
-  </p:cSld>
-  <p:clrMapOvr>
-    <a:masterClrMapping/>
-  </p:clrMapOvr>
-</p:sld>
-</file>
-
-<file path=ppt/slides/slide12.xml><?xml version="1.0" encoding="utf-8"?>
-<p:sld xmlns:a="http://schemas.openxmlformats.org/drawingml/2006/main" xmlns:r="http://schemas.openxmlformats.org/officeDocument/2006/relationships" xmlns:p="http://schemas.openxmlformats.org/presentationml/2006/main">
-  <p:cSld>
-    <p:bg>
-      <p:bgPr>
-        <a:blipFill>
-          <a:blip r:embed="rId2"/>
-          <a:stretch>
-            <a:fillRect t="-17000" b="-17000"/>
-          </a:stretch>
-        </a:blipFill>
-        <a:effectLst/>
-      </p:bgPr>
-    </p:bg>
-    <p:spTree>
-      <p:nvGrpSpPr>
-        <p:cNvPr id="1" name=""/>
-        <p:cNvGrpSpPr/>
-        <p:nvPr/>
-      </p:nvGrpSpPr>
-      <p:grpSpPr>
-        <a:xfrm>
-          <a:off x="0" y="0"/>
-          <a:ext cx="0" cy="0"/>
-          <a:chOff x="0" y="0"/>
-          <a:chExt cx="0" cy="0"/>
-        </a:xfrm>
-      </p:grpSpPr>
-    </p:spTree>
-    <p:extLst>
-      <p:ext uri="{BB962C8B-B14F-4D97-AF65-F5344CB8AC3E}">
-        <p14:creationId xmlns:p14="http://schemas.microsoft.com/office/powerpoint/2010/main" val="684670481"/>
-      </p:ext>
-    </p:extLst>
-  </p:cSld>
-  <p:clrMapOvr>
-    <a:masterClrMapping/>
-  </p:clrMapOvr>
-</p:sld>
-</file>
-
-<file path=ppt/slides/slide13.xml><?xml version="1.0" encoding="utf-8"?>
 <p:sld xmlns:a="http://schemas.openxmlformats.org/drawingml/2006/main" xmlns:r="http://schemas.openxmlformats.org/officeDocument/2006/relationships" xmlns:p="http://schemas.openxmlformats.org/presentationml/2006/main">
   <p:cSld>
     <p:bg>
@@ -6383,21 +6342,20 @@
           <a:p>
             <a:pPr algn="r"/>
             <a:r>
-              <a:rPr lang="en-US" sz="5900" b="1" spc="-100">
+              <a:rPr lang="en-US" sz="5900" b="1" spc="-100" dirty="0">
                 <a:solidFill>
                   <a:srgbClr val="C00000"/>
                 </a:solidFill>
               </a:rPr>
-              <a:t>BACK END</a:t>
+              <a:t>WEB HOSTING</a:t>
             </a:r>
-            <a:endParaRPr lang="en-US"/>
           </a:p>
         </p:txBody>
       </p:sp>
     </p:spTree>
     <p:extLst>
       <p:ext uri="{BB962C8B-B14F-4D97-AF65-F5344CB8AC3E}">
-        <p14:creationId xmlns:p14="http://schemas.microsoft.com/office/powerpoint/2010/main" val="2306954017"/>
+        <p14:creationId xmlns:p14="http://schemas.microsoft.com/office/powerpoint/2010/main" val="2342647416"/>
       </p:ext>
     </p:extLst>
   </p:cSld>
@@ -6407,7 +6365,7 @@
 </p:sld>
 </file>
 
-<file path=ppt/slides/slide14.xml><?xml version="1.0" encoding="utf-8"?>
+<file path=ppt/slides/slide12.xml><?xml version="1.0" encoding="utf-8"?>
 <p:sld xmlns:a="http://schemas.openxmlformats.org/drawingml/2006/main" xmlns:r="http://schemas.openxmlformats.org/officeDocument/2006/relationships" xmlns:p="http://schemas.openxmlformats.org/presentationml/2006/main">
   <p:cSld>
     <p:spTree>
@@ -6426,38 +6384,1105 @@
       </p:grpSpPr>
       <p:pic>
         <p:nvPicPr>
-          <p:cNvPr id="2" name="Picture 2" descr="A picture containing table&#10;&#10;Description generated with very high confidence">
+          <p:cNvPr id="1026" name="Picture 2" descr="Klarna signs deal with AWS | FinTech Alliance">
             <a:extLst>
               <a:ext uri="{FF2B5EF4-FFF2-40B4-BE49-F238E27FC236}">
-                <a16:creationId xmlns:a16="http://schemas.microsoft.com/office/drawing/2014/main" id="{0819182D-280D-4D69-A0C7-B6228BEE8279}"/>
+                <a16:creationId xmlns:a16="http://schemas.microsoft.com/office/drawing/2014/main" id="{F6AAF0AD-49C3-4E4F-BC81-73A22F966EDC}"/>
               </a:ext>
             </a:extLst>
           </p:cNvPr>
           <p:cNvPicPr>
-            <a:picLocks noChangeAspect="1"/>
+            <a:picLocks noChangeAspect="1" noChangeArrowheads="1"/>
           </p:cNvPicPr>
           <p:nvPr/>
         </p:nvPicPr>
         <p:blipFill>
-          <a:blip r:embed="rId2"/>
+          <a:blip r:embed="rId2">
+            <a:extLst>
+              <a:ext uri="{28A0092B-C50C-407E-A947-70E740481C1C}">
+                <a14:useLocalDpi xmlns:a14="http://schemas.microsoft.com/office/drawing/2010/main" val="0"/>
+              </a:ext>
+            </a:extLst>
+          </a:blip>
+          <a:srcRect/>
           <a:stretch>
             <a:fillRect/>
           </a:stretch>
         </p:blipFill>
-        <p:spPr>
-          <a:xfrm>
-            <a:off x="2882212" y="-449"/>
-            <a:ext cx="6226294" cy="6197540"/>
+        <p:spPr bwMode="auto">
+          <a:xfrm>
+            <a:off x="2358499" y="1109769"/>
+            <a:ext cx="6771616" cy="4112742"/>
           </a:xfrm>
           <a:prstGeom prst="rect">
             <a:avLst/>
           </a:prstGeom>
+          <a:noFill/>
+          <a:extLst>
+            <a:ext uri="{909E8E84-426E-40DD-AFC4-6F175D3DCCD1}">
+              <a14:hiddenFill xmlns:a14="http://schemas.microsoft.com/office/drawing/2010/main">
+                <a:solidFill>
+                  <a:srgbClr val="FFFFFF"/>
+                </a:solidFill>
+              </a14:hiddenFill>
+            </a:ext>
+          </a:extLst>
         </p:spPr>
       </p:pic>
     </p:spTree>
     <p:extLst>
       <p:ext uri="{BB962C8B-B14F-4D97-AF65-F5344CB8AC3E}">
-        <p14:creationId xmlns:p14="http://schemas.microsoft.com/office/powerpoint/2010/main" val="1828339671"/>
+        <p14:creationId xmlns:p14="http://schemas.microsoft.com/office/powerpoint/2010/main" val="110182204"/>
+      </p:ext>
+    </p:extLst>
+  </p:cSld>
+  <p:clrMapOvr>
+    <a:masterClrMapping/>
+  </p:clrMapOvr>
+</p:sld>
+</file>
+
+<file path=ppt/slides/slide13.xml><?xml version="1.0" encoding="utf-8"?>
+<p:sld xmlns:a="http://schemas.openxmlformats.org/drawingml/2006/main" xmlns:r="http://schemas.openxmlformats.org/officeDocument/2006/relationships" xmlns:p="http://schemas.openxmlformats.org/presentationml/2006/main">
+  <p:cSld>
+    <p:bg>
+      <p:bgPr>
+        <a:solidFill>
+          <a:schemeClr val="bg1"/>
+        </a:solidFill>
+        <a:effectLst/>
+      </p:bgPr>
+    </p:bg>
+    <p:spTree>
+      <p:nvGrpSpPr>
+        <p:cNvPr id="1" name=""/>
+        <p:cNvGrpSpPr/>
+        <p:nvPr/>
+      </p:nvGrpSpPr>
+      <p:grpSpPr>
+        <a:xfrm>
+          <a:off x="0" y="0"/>
+          <a:ext cx="0" cy="0"/>
+          <a:chOff x="0" y="0"/>
+          <a:chExt cx="0" cy="0"/>
+        </a:xfrm>
+      </p:grpSpPr>
+      <p:sp useBgFill="1">
+        <p:nvSpPr>
+          <p:cNvPr id="5" name="Rectangle 7">
+            <a:extLst>
+              <a:ext uri="{FF2B5EF4-FFF2-40B4-BE49-F238E27FC236}">
+                <a16:creationId xmlns:a16="http://schemas.microsoft.com/office/drawing/2014/main" id="{29DC5A77-10C9-4ECF-B7EB-8D917F36A9EE}"/>
+              </a:ext>
+              <a:ext uri="{C183D7F6-B498-43B3-948B-1728B52AA6E4}">
+                <adec:decorative xmlns:adec="http://schemas.microsoft.com/office/drawing/2017/decorative" val="1"/>
+              </a:ext>
+            </a:extLst>
+          </p:cNvPr>
+          <p:cNvSpPr>
+            <a:spLocks noGrp="1" noRot="1" noChangeAspect="1" noMove="1" noResize="1" noEditPoints="1" noAdjustHandles="1" noChangeArrowheads="1" noChangeShapeType="1" noTextEdit="1"/>
+          </p:cNvSpPr>
+          <p:nvPr>
+            <p:extLst>
+              <p:ext uri="{386F3935-93C4-4BCD-93E2-E3B085C9AB24}">
+                <p16:designElem xmlns:p16="http://schemas.microsoft.com/office/powerpoint/2015/main" val="1"/>
+              </p:ext>
+            </p:extLst>
+          </p:nvPr>
+        </p:nvSpPr>
+        <p:spPr>
+          <a:xfrm>
+            <a:off x="0" y="0"/>
+            <a:ext cx="12192000" cy="6858000"/>
+          </a:xfrm>
+          <a:prstGeom prst="rect">
+            <a:avLst/>
+          </a:prstGeom>
+          <a:ln>
+            <a:noFill/>
+          </a:ln>
+        </p:spPr>
+        <p:style>
+          <a:lnRef idx="2">
+            <a:schemeClr val="accent1">
+              <a:shade val="50000"/>
+            </a:schemeClr>
+          </a:lnRef>
+          <a:fillRef idx="1">
+            <a:schemeClr val="accent1"/>
+          </a:fillRef>
+          <a:effectRef idx="0">
+            <a:schemeClr val="accent1"/>
+          </a:effectRef>
+          <a:fontRef idx="minor">
+            <a:schemeClr val="lt1"/>
+          </a:fontRef>
+        </p:style>
+        <p:txBody>
+          <a:bodyPr rtlCol="0" anchor="ctr"/>
+          <a:lstStyle/>
+          <a:p>
+            <a:pPr algn="ctr"/>
+            <a:endParaRPr lang="en-US"/>
+          </a:p>
+        </p:txBody>
+      </p:sp>
+      <p:sp>
+        <p:nvSpPr>
+          <p:cNvPr id="6" name="Rectangle 9">
+            <a:extLst>
+              <a:ext uri="{FF2B5EF4-FFF2-40B4-BE49-F238E27FC236}">
+                <a16:creationId xmlns:a16="http://schemas.microsoft.com/office/drawing/2014/main" id="{2FFE28B5-FB16-49A9-B851-3C35FAC0CACB}"/>
+              </a:ext>
+              <a:ext uri="{C183D7F6-B498-43B3-948B-1728B52AA6E4}">
+                <adec:decorative xmlns:adec="http://schemas.microsoft.com/office/drawing/2017/decorative" val="1"/>
+              </a:ext>
+            </a:extLst>
+          </p:cNvPr>
+          <p:cNvSpPr>
+            <a:spLocks noGrp="1" noRot="1" noChangeAspect="1" noMove="1" noResize="1" noEditPoints="1" noAdjustHandles="1" noChangeArrowheads="1" noChangeShapeType="1" noTextEdit="1"/>
+          </p:cNvSpPr>
+          <p:nvPr>
+            <p:extLst>
+              <p:ext uri="{386F3935-93C4-4BCD-93E2-E3B085C9AB24}">
+                <p16:designElem xmlns:p16="http://schemas.microsoft.com/office/powerpoint/2015/main" val="1"/>
+              </p:ext>
+            </p:extLst>
+          </p:nvPr>
+        </p:nvSpPr>
+        <p:spPr>
+          <a:xfrm>
+            <a:off x="1" y="758952"/>
+            <a:ext cx="10905976" cy="1651133"/>
+          </a:xfrm>
+          <a:prstGeom prst="rect">
+            <a:avLst/>
+          </a:prstGeom>
+          <a:solidFill>
+            <a:schemeClr val="accent1"/>
+          </a:solidFill>
+          <a:ln>
+            <a:noFill/>
+          </a:ln>
+        </p:spPr>
+        <p:style>
+          <a:lnRef idx="2">
+            <a:schemeClr val="accent1">
+              <a:shade val="50000"/>
+            </a:schemeClr>
+          </a:lnRef>
+          <a:fillRef idx="1">
+            <a:schemeClr val="accent1"/>
+          </a:fillRef>
+          <a:effectRef idx="0">
+            <a:schemeClr val="accent1"/>
+          </a:effectRef>
+          <a:fontRef idx="minor">
+            <a:schemeClr val="lt1"/>
+          </a:fontRef>
+        </p:style>
+        <p:txBody>
+          <a:bodyPr/>
+          <a:lstStyle/>
+          <a:p>
+            <a:endParaRPr lang="en-US" dirty="0"/>
+          </a:p>
+        </p:txBody>
+      </p:sp>
+      <p:sp>
+        <p:nvSpPr>
+          <p:cNvPr id="2" name="Title 1">
+            <a:extLst>
+              <a:ext uri="{FF2B5EF4-FFF2-40B4-BE49-F238E27FC236}">
+                <a16:creationId xmlns:a16="http://schemas.microsoft.com/office/drawing/2014/main" id="{42CA5B38-EBAF-4C64-91A1-6E5300D607D5}"/>
+              </a:ext>
+            </a:extLst>
+          </p:cNvPr>
+          <p:cNvSpPr>
+            <a:spLocks noGrp="1"/>
+          </p:cNvSpPr>
+          <p:nvPr>
+            <p:ph type="title"/>
+          </p:nvPr>
+        </p:nvSpPr>
+        <p:spPr>
+          <a:xfrm>
+            <a:off x="1600754" y="1087374"/>
+            <a:ext cx="8983489" cy="1000978"/>
+          </a:xfrm>
+        </p:spPr>
+        <p:txBody>
+          <a:bodyPr vert="horz" lIns="91440" tIns="45720" rIns="91440" bIns="45720" rtlCol="0">
+            <a:normAutofit/>
+          </a:bodyPr>
+          <a:lstStyle/>
+          <a:p>
+            <a:r>
+              <a:rPr lang="en-US" b="1" spc="-100" dirty="0"/>
+              <a:t>            ADVANTAGES OF USING AWS</a:t>
+            </a:r>
+            <a:endParaRPr lang="en-US" dirty="0"/>
+          </a:p>
+        </p:txBody>
+      </p:sp>
+      <p:sp>
+        <p:nvSpPr>
+          <p:cNvPr id="7" name="Rectangle 11">
+            <a:extLst>
+              <a:ext uri="{FF2B5EF4-FFF2-40B4-BE49-F238E27FC236}">
+                <a16:creationId xmlns:a16="http://schemas.microsoft.com/office/drawing/2014/main" id="{01014442-855A-4E0F-8D09-C314661A48B9}"/>
+              </a:ext>
+              <a:ext uri="{C183D7F6-B498-43B3-948B-1728B52AA6E4}">
+                <adec:decorative xmlns:adec="http://schemas.microsoft.com/office/drawing/2017/decorative" val="1"/>
+              </a:ext>
+            </a:extLst>
+          </p:cNvPr>
+          <p:cNvSpPr>
+            <a:spLocks noGrp="1" noRot="1" noChangeAspect="1" noMove="1" noResize="1" noEditPoints="1" noAdjustHandles="1" noChangeArrowheads="1" noChangeShapeType="1" noTextEdit="1"/>
+          </p:cNvSpPr>
+          <p:nvPr>
+            <p:extLst>
+              <p:ext uri="{386F3935-93C4-4BCD-93E2-E3B085C9AB24}">
+                <p16:designElem xmlns:p16="http://schemas.microsoft.com/office/powerpoint/2015/main" val="1"/>
+              </p:ext>
+            </p:extLst>
+          </p:nvPr>
+        </p:nvSpPr>
+        <p:spPr>
+          <a:xfrm>
+            <a:off x="11014533" y="758952"/>
+            <a:ext cx="1185379" cy="1651133"/>
+          </a:xfrm>
+          <a:prstGeom prst="rect">
+            <a:avLst/>
+          </a:prstGeom>
+          <a:solidFill>
+            <a:srgbClr val="C8C8C8">
+              <a:alpha val="49804"/>
+            </a:srgbClr>
+          </a:solidFill>
+          <a:ln>
+            <a:noFill/>
+          </a:ln>
+        </p:spPr>
+        <p:style>
+          <a:lnRef idx="2">
+            <a:schemeClr val="accent1">
+              <a:shade val="50000"/>
+            </a:schemeClr>
+          </a:lnRef>
+          <a:fillRef idx="1">
+            <a:schemeClr val="accent1"/>
+          </a:fillRef>
+          <a:effectRef idx="0">
+            <a:schemeClr val="accent1"/>
+          </a:effectRef>
+          <a:fontRef idx="minor">
+            <a:schemeClr val="lt1"/>
+          </a:fontRef>
+        </p:style>
+      </p:sp>
+      <p:sp>
+        <p:nvSpPr>
+          <p:cNvPr id="9" name="Rectangle 13">
+            <a:extLst>
+              <a:ext uri="{FF2B5EF4-FFF2-40B4-BE49-F238E27FC236}">
+                <a16:creationId xmlns:a16="http://schemas.microsoft.com/office/drawing/2014/main" id="{9B1ABF09-86CF-414E-88A5-2B84CC7232A9}"/>
+              </a:ext>
+              <a:ext uri="{C183D7F6-B498-43B3-948B-1728B52AA6E4}">
+                <adec:decorative xmlns:adec="http://schemas.microsoft.com/office/drawing/2017/decorative" val="1"/>
+              </a:ext>
+            </a:extLst>
+          </p:cNvPr>
+          <p:cNvSpPr>
+            <a:spLocks noGrp="1" noRot="1" noChangeAspect="1" noMove="1" noResize="1" noEditPoints="1" noAdjustHandles="1" noChangeArrowheads="1" noChangeShapeType="1" noTextEdit="1"/>
+          </p:cNvSpPr>
+          <p:nvPr>
+            <p:extLst>
+              <p:ext uri="{386F3935-93C4-4BCD-93E2-E3B085C9AB24}">
+                <p16:designElem xmlns:p16="http://schemas.microsoft.com/office/powerpoint/2015/main" val="1"/>
+              </p:ext>
+            </p:extLst>
+          </p:nvPr>
+        </p:nvSpPr>
+        <p:spPr>
+          <a:xfrm>
+            <a:off x="763" y="2526526"/>
+            <a:ext cx="1169701" cy="3563378"/>
+          </a:xfrm>
+          <a:prstGeom prst="rect">
+            <a:avLst/>
+          </a:prstGeom>
+          <a:solidFill>
+            <a:srgbClr val="C8C8C8">
+              <a:alpha val="49804"/>
+            </a:srgbClr>
+          </a:solidFill>
+          <a:ln>
+            <a:noFill/>
+          </a:ln>
+        </p:spPr>
+        <p:style>
+          <a:lnRef idx="2">
+            <a:schemeClr val="accent1">
+              <a:shade val="50000"/>
+            </a:schemeClr>
+          </a:lnRef>
+          <a:fillRef idx="1">
+            <a:schemeClr val="accent1"/>
+          </a:fillRef>
+          <a:effectRef idx="0">
+            <a:schemeClr val="accent1"/>
+          </a:effectRef>
+          <a:fontRef idx="minor">
+            <a:schemeClr val="lt1"/>
+          </a:fontRef>
+        </p:style>
+      </p:sp>
+      <p:sp>
+        <p:nvSpPr>
+          <p:cNvPr id="11" name="Rectangle 15">
+            <a:extLst>
+              <a:ext uri="{FF2B5EF4-FFF2-40B4-BE49-F238E27FC236}">
+                <a16:creationId xmlns:a16="http://schemas.microsoft.com/office/drawing/2014/main" id="{3FE91770-CDBB-4D24-94E5-AD484F36CE87}"/>
+              </a:ext>
+              <a:ext uri="{C183D7F6-B498-43B3-948B-1728B52AA6E4}">
+                <adec:decorative xmlns:adec="http://schemas.microsoft.com/office/drawing/2017/decorative" val="1"/>
+              </a:ext>
+            </a:extLst>
+          </p:cNvPr>
+          <p:cNvSpPr>
+            <a:spLocks noGrp="1" noRot="1" noChangeAspect="1" noMove="1" noResize="1" noEditPoints="1" noAdjustHandles="1" noChangeArrowheads="1" noChangeShapeType="1" noTextEdit="1"/>
+          </p:cNvSpPr>
+          <p:nvPr>
+            <p:extLst>
+              <p:ext uri="{386F3935-93C4-4BCD-93E2-E3B085C9AB24}">
+                <p16:designElem xmlns:p16="http://schemas.microsoft.com/office/powerpoint/2015/main" val="1"/>
+              </p:ext>
+            </p:extLst>
+          </p:nvPr>
+        </p:nvSpPr>
+        <p:spPr>
+          <a:xfrm>
+            <a:off x="1279019" y="2526526"/>
+            <a:ext cx="10920893" cy="3563377"/>
+          </a:xfrm>
+          <a:prstGeom prst="rect">
+            <a:avLst/>
+          </a:prstGeom>
+          <a:solidFill>
+            <a:schemeClr val="bg2">
+              <a:lumMod val="60000"/>
+              <a:lumOff val="40000"/>
+              <a:alpha val="60000"/>
+            </a:schemeClr>
+          </a:solidFill>
+          <a:ln>
+            <a:noFill/>
+          </a:ln>
+        </p:spPr>
+        <p:style>
+          <a:lnRef idx="2">
+            <a:schemeClr val="accent1">
+              <a:shade val="50000"/>
+            </a:schemeClr>
+          </a:lnRef>
+          <a:fillRef idx="1">
+            <a:schemeClr val="accent1"/>
+          </a:fillRef>
+          <a:effectRef idx="0">
+            <a:schemeClr val="accent1"/>
+          </a:effectRef>
+          <a:fontRef idx="minor">
+            <a:schemeClr val="lt1"/>
+          </a:fontRef>
+        </p:style>
+        <p:txBody>
+          <a:bodyPr/>
+          <a:lstStyle/>
+          <a:p>
+            <a:endParaRPr lang="en-US" dirty="0"/>
+          </a:p>
+        </p:txBody>
+      </p:sp>
+      <p:sp>
+        <p:nvSpPr>
+          <p:cNvPr id="10" name="TextBox 9">
+            <a:extLst>
+              <a:ext uri="{FF2B5EF4-FFF2-40B4-BE49-F238E27FC236}">
+                <a16:creationId xmlns:a16="http://schemas.microsoft.com/office/drawing/2014/main" id="{E7E1857B-DD12-4EAA-A375-66DFDDF0CACF}"/>
+              </a:ext>
+            </a:extLst>
+          </p:cNvPr>
+          <p:cNvSpPr txBox="1"/>
+          <p:nvPr/>
+        </p:nvSpPr>
+        <p:spPr>
+          <a:xfrm>
+            <a:off x="2136321" y="2780632"/>
+            <a:ext cx="8738558" cy="3724096"/>
+          </a:xfrm>
+          <a:prstGeom prst="rect">
+            <a:avLst/>
+          </a:prstGeom>
+          <a:noFill/>
+        </p:spPr>
+        <p:txBody>
+          <a:bodyPr rot="0" spcFirstLastPara="0" vertOverflow="overflow" horzOverflow="overflow" vert="horz" wrap="square" lIns="91440" tIns="45720" rIns="91440" bIns="45720" numCol="1" spcCol="0" rtlCol="0" fromWordArt="0" anchor="t" anchorCtr="0" forceAA="0" compatLnSpc="1">
+            <a:prstTxWarp prst="textNoShape">
+              <a:avLst/>
+            </a:prstTxWarp>
+            <a:spAutoFit/>
+          </a:bodyPr>
+          <a:lstStyle/>
+          <a:p>
+            <a:pPr marL="571500" indent="-571500">
+              <a:buFont typeface="Arial" panose="020B0604020202020204" pitchFamily="34" charset="0"/>
+              <a:buChar char="•"/>
+            </a:pPr>
+            <a:r>
+              <a:rPr lang="en-GB" sz="4000" b="1" dirty="0">
+                <a:solidFill>
+                  <a:schemeClr val="accent1">
+                    <a:lumMod val="50000"/>
+                  </a:schemeClr>
+                </a:solidFill>
+                <a:latin typeface="Arial"/>
+                <a:cs typeface="Arial"/>
+              </a:rPr>
+              <a:t>Secure</a:t>
+            </a:r>
+          </a:p>
+          <a:p>
+            <a:pPr marL="571500" indent="-571500">
+              <a:buFont typeface="Arial" panose="020B0604020202020204" pitchFamily="34" charset="0"/>
+              <a:buChar char="•"/>
+            </a:pPr>
+            <a:r>
+              <a:rPr lang="en-GB" sz="4000" b="1" dirty="0">
+                <a:solidFill>
+                  <a:schemeClr val="accent1">
+                    <a:lumMod val="50000"/>
+                  </a:schemeClr>
+                </a:solidFill>
+                <a:latin typeface="Arial"/>
+                <a:cs typeface="Arial"/>
+              </a:rPr>
+              <a:t>Flexible</a:t>
+            </a:r>
+          </a:p>
+          <a:p>
+            <a:pPr marL="571500" indent="-571500">
+              <a:buFont typeface="Arial" panose="020B0604020202020204" pitchFamily="34" charset="0"/>
+              <a:buChar char="•"/>
+            </a:pPr>
+            <a:r>
+              <a:rPr lang="en-GB" sz="4000" b="1" dirty="0">
+                <a:solidFill>
+                  <a:schemeClr val="accent1">
+                    <a:lumMod val="50000"/>
+                  </a:schemeClr>
+                </a:solidFill>
+                <a:latin typeface="Arial"/>
+                <a:cs typeface="Arial"/>
+              </a:rPr>
+              <a:t>Reliable</a:t>
+            </a:r>
+          </a:p>
+          <a:p>
+            <a:pPr marL="571500" indent="-571500">
+              <a:buFont typeface="Arial" panose="020B0604020202020204" pitchFamily="34" charset="0"/>
+              <a:buChar char="•"/>
+            </a:pPr>
+            <a:r>
+              <a:rPr lang="en-GB" sz="4000" b="1" dirty="0">
+                <a:solidFill>
+                  <a:schemeClr val="accent1">
+                    <a:lumMod val="50000"/>
+                  </a:schemeClr>
+                </a:solidFill>
+                <a:latin typeface="Arial"/>
+                <a:cs typeface="Arial"/>
+              </a:rPr>
+              <a:t>Scalable</a:t>
+            </a:r>
+          </a:p>
+          <a:p>
+            <a:pPr marL="571500" indent="-571500">
+              <a:buFont typeface="Arial" panose="020B0604020202020204" pitchFamily="34" charset="0"/>
+              <a:buChar char="•"/>
+            </a:pPr>
+            <a:r>
+              <a:rPr lang="en-GB" sz="4000" b="1" dirty="0">
+                <a:solidFill>
+                  <a:schemeClr val="accent1">
+                    <a:lumMod val="50000"/>
+                  </a:schemeClr>
+                </a:solidFill>
+                <a:latin typeface="Arial"/>
+                <a:cs typeface="Arial"/>
+              </a:rPr>
+              <a:t>High Performance               </a:t>
+            </a:r>
+          </a:p>
+          <a:p>
+            <a:pPr marL="285750" indent="-285750" algn="ctr">
+              <a:buFont typeface="Arial" panose="020B0604020202020204" pitchFamily="34" charset="0"/>
+              <a:buChar char="•"/>
+            </a:pPr>
+            <a:endParaRPr lang="en-GB" dirty="0">
+              <a:latin typeface="Arial"/>
+              <a:cs typeface="Arial"/>
+            </a:endParaRPr>
+          </a:p>
+          <a:p>
+            <a:r>
+              <a:rPr lang="en-GB" dirty="0">
+                <a:latin typeface="Arial"/>
+                <a:cs typeface="Arial"/>
+              </a:rPr>
+              <a:t>                                                    </a:t>
+            </a:r>
+            <a:endParaRPr lang="en-GB" sz="2800" b="1" dirty="0">
+              <a:solidFill>
+                <a:schemeClr val="accent1">
+                  <a:lumMod val="50000"/>
+                </a:schemeClr>
+              </a:solidFill>
+              <a:latin typeface="Arial"/>
+              <a:cs typeface="Arial"/>
+            </a:endParaRPr>
+          </a:p>
+        </p:txBody>
+      </p:sp>
+    </p:spTree>
+    <p:extLst>
+      <p:ext uri="{BB962C8B-B14F-4D97-AF65-F5344CB8AC3E}">
+        <p14:creationId xmlns:p14="http://schemas.microsoft.com/office/powerpoint/2010/main" val="3389175240"/>
+      </p:ext>
+    </p:extLst>
+  </p:cSld>
+  <p:clrMapOvr>
+    <a:masterClrMapping/>
+  </p:clrMapOvr>
+</p:sld>
+</file>
+
+<file path=ppt/slides/slide14.xml><?xml version="1.0" encoding="utf-8"?>
+<p:sld xmlns:a="http://schemas.openxmlformats.org/drawingml/2006/main" xmlns:r="http://schemas.openxmlformats.org/officeDocument/2006/relationships" xmlns:p="http://schemas.openxmlformats.org/presentationml/2006/main">
+  <p:cSld>
+    <p:bg>
+      <p:bgPr>
+        <a:solidFill>
+          <a:schemeClr val="bg1"/>
+        </a:solidFill>
+        <a:effectLst/>
+      </p:bgPr>
+    </p:bg>
+    <p:spTree>
+      <p:nvGrpSpPr>
+        <p:cNvPr id="1" name=""/>
+        <p:cNvGrpSpPr/>
+        <p:nvPr/>
+      </p:nvGrpSpPr>
+      <p:grpSpPr>
+        <a:xfrm>
+          <a:off x="0" y="0"/>
+          <a:ext cx="0" cy="0"/>
+          <a:chOff x="0" y="0"/>
+          <a:chExt cx="0" cy="0"/>
+        </a:xfrm>
+      </p:grpSpPr>
+      <p:sp useBgFill="1">
+        <p:nvSpPr>
+          <p:cNvPr id="5" name="Rectangle 7">
+            <a:extLst>
+              <a:ext uri="{FF2B5EF4-FFF2-40B4-BE49-F238E27FC236}">
+                <a16:creationId xmlns:a16="http://schemas.microsoft.com/office/drawing/2014/main" id="{29DC5A77-10C9-4ECF-B7EB-8D917F36A9EE}"/>
+              </a:ext>
+              <a:ext uri="{C183D7F6-B498-43B3-948B-1728B52AA6E4}">
+                <adec:decorative xmlns:adec="http://schemas.microsoft.com/office/drawing/2017/decorative" val="1"/>
+              </a:ext>
+            </a:extLst>
+          </p:cNvPr>
+          <p:cNvSpPr>
+            <a:spLocks noGrp="1" noRot="1" noChangeAspect="1" noMove="1" noResize="1" noEditPoints="1" noAdjustHandles="1" noChangeArrowheads="1" noChangeShapeType="1" noTextEdit="1"/>
+          </p:cNvSpPr>
+          <p:nvPr>
+            <p:extLst>
+              <p:ext uri="{386F3935-93C4-4BCD-93E2-E3B085C9AB24}">
+                <p16:designElem xmlns:p16="http://schemas.microsoft.com/office/powerpoint/2015/main" val="1"/>
+              </p:ext>
+            </p:extLst>
+          </p:nvPr>
+        </p:nvSpPr>
+        <p:spPr>
+          <a:xfrm>
+            <a:off x="0" y="0"/>
+            <a:ext cx="12192000" cy="6858000"/>
+          </a:xfrm>
+          <a:prstGeom prst="rect">
+            <a:avLst/>
+          </a:prstGeom>
+          <a:ln>
+            <a:noFill/>
+          </a:ln>
+        </p:spPr>
+        <p:style>
+          <a:lnRef idx="2">
+            <a:schemeClr val="accent1">
+              <a:shade val="50000"/>
+            </a:schemeClr>
+          </a:lnRef>
+          <a:fillRef idx="1">
+            <a:schemeClr val="accent1"/>
+          </a:fillRef>
+          <a:effectRef idx="0">
+            <a:schemeClr val="accent1"/>
+          </a:effectRef>
+          <a:fontRef idx="minor">
+            <a:schemeClr val="lt1"/>
+          </a:fontRef>
+        </p:style>
+        <p:txBody>
+          <a:bodyPr rtlCol="0" anchor="ctr"/>
+          <a:lstStyle/>
+          <a:p>
+            <a:pPr algn="ctr"/>
+            <a:endParaRPr lang="en-US"/>
+          </a:p>
+        </p:txBody>
+      </p:sp>
+      <p:sp>
+        <p:nvSpPr>
+          <p:cNvPr id="6" name="Rectangle 9">
+            <a:extLst>
+              <a:ext uri="{FF2B5EF4-FFF2-40B4-BE49-F238E27FC236}">
+                <a16:creationId xmlns:a16="http://schemas.microsoft.com/office/drawing/2014/main" id="{2FFE28B5-FB16-49A9-B851-3C35FAC0CACB}"/>
+              </a:ext>
+              <a:ext uri="{C183D7F6-B498-43B3-948B-1728B52AA6E4}">
+                <adec:decorative xmlns:adec="http://schemas.microsoft.com/office/drawing/2017/decorative" val="1"/>
+              </a:ext>
+            </a:extLst>
+          </p:cNvPr>
+          <p:cNvSpPr>
+            <a:spLocks noGrp="1" noRot="1" noChangeAspect="1" noMove="1" noResize="1" noEditPoints="1" noAdjustHandles="1" noChangeArrowheads="1" noChangeShapeType="1" noTextEdit="1"/>
+          </p:cNvSpPr>
+          <p:nvPr>
+            <p:extLst>
+              <p:ext uri="{386F3935-93C4-4BCD-93E2-E3B085C9AB24}">
+                <p16:designElem xmlns:p16="http://schemas.microsoft.com/office/powerpoint/2015/main" val="1"/>
+              </p:ext>
+            </p:extLst>
+          </p:nvPr>
+        </p:nvSpPr>
+        <p:spPr>
+          <a:xfrm>
+            <a:off x="1" y="758952"/>
+            <a:ext cx="10905976" cy="1651133"/>
+          </a:xfrm>
+          <a:prstGeom prst="rect">
+            <a:avLst/>
+          </a:prstGeom>
+          <a:solidFill>
+            <a:schemeClr val="accent1"/>
+          </a:solidFill>
+          <a:ln>
+            <a:noFill/>
+          </a:ln>
+        </p:spPr>
+        <p:style>
+          <a:lnRef idx="2">
+            <a:schemeClr val="accent1">
+              <a:shade val="50000"/>
+            </a:schemeClr>
+          </a:lnRef>
+          <a:fillRef idx="1">
+            <a:schemeClr val="accent1"/>
+          </a:fillRef>
+          <a:effectRef idx="0">
+            <a:schemeClr val="accent1"/>
+          </a:effectRef>
+          <a:fontRef idx="minor">
+            <a:schemeClr val="lt1"/>
+          </a:fontRef>
+        </p:style>
+        <p:txBody>
+          <a:bodyPr/>
+          <a:lstStyle/>
+          <a:p>
+            <a:endParaRPr lang="en-US" dirty="0"/>
+          </a:p>
+        </p:txBody>
+      </p:sp>
+      <p:sp>
+        <p:nvSpPr>
+          <p:cNvPr id="2" name="Title 1">
+            <a:extLst>
+              <a:ext uri="{FF2B5EF4-FFF2-40B4-BE49-F238E27FC236}">
+                <a16:creationId xmlns:a16="http://schemas.microsoft.com/office/drawing/2014/main" id="{42CA5B38-EBAF-4C64-91A1-6E5300D607D5}"/>
+              </a:ext>
+            </a:extLst>
+          </p:cNvPr>
+          <p:cNvSpPr>
+            <a:spLocks noGrp="1"/>
+          </p:cNvSpPr>
+          <p:nvPr>
+            <p:ph type="title"/>
+          </p:nvPr>
+        </p:nvSpPr>
+        <p:spPr>
+          <a:xfrm>
+            <a:off x="1600754" y="1087374"/>
+            <a:ext cx="8983489" cy="1000978"/>
+          </a:xfrm>
+        </p:spPr>
+        <p:txBody>
+          <a:bodyPr vert="horz" lIns="91440" tIns="45720" rIns="91440" bIns="45720" rtlCol="0">
+            <a:normAutofit/>
+          </a:bodyPr>
+          <a:lstStyle/>
+          <a:p>
+            <a:r>
+              <a:rPr lang="en-US" b="1" spc="-100" dirty="0">
+                <a:solidFill>
+                  <a:srgbClr val="C00000"/>
+                </a:solidFill>
+              </a:rPr>
+              <a:t>                                 REQUIREMENTS</a:t>
+            </a:r>
+            <a:endParaRPr lang="en-US" dirty="0"/>
+          </a:p>
+        </p:txBody>
+      </p:sp>
+      <p:sp>
+        <p:nvSpPr>
+          <p:cNvPr id="7" name="Rectangle 11">
+            <a:extLst>
+              <a:ext uri="{FF2B5EF4-FFF2-40B4-BE49-F238E27FC236}">
+                <a16:creationId xmlns:a16="http://schemas.microsoft.com/office/drawing/2014/main" id="{01014442-855A-4E0F-8D09-C314661A48B9}"/>
+              </a:ext>
+              <a:ext uri="{C183D7F6-B498-43B3-948B-1728B52AA6E4}">
+                <adec:decorative xmlns:adec="http://schemas.microsoft.com/office/drawing/2017/decorative" val="1"/>
+              </a:ext>
+            </a:extLst>
+          </p:cNvPr>
+          <p:cNvSpPr>
+            <a:spLocks noGrp="1" noRot="1" noChangeAspect="1" noMove="1" noResize="1" noEditPoints="1" noAdjustHandles="1" noChangeArrowheads="1" noChangeShapeType="1" noTextEdit="1"/>
+          </p:cNvSpPr>
+          <p:nvPr>
+            <p:extLst>
+              <p:ext uri="{386F3935-93C4-4BCD-93E2-E3B085C9AB24}">
+                <p16:designElem xmlns:p16="http://schemas.microsoft.com/office/powerpoint/2015/main" val="1"/>
+              </p:ext>
+            </p:extLst>
+          </p:nvPr>
+        </p:nvSpPr>
+        <p:spPr>
+          <a:xfrm>
+            <a:off x="11014533" y="758952"/>
+            <a:ext cx="1185379" cy="1651133"/>
+          </a:xfrm>
+          <a:prstGeom prst="rect">
+            <a:avLst/>
+          </a:prstGeom>
+          <a:solidFill>
+            <a:srgbClr val="C8C8C8">
+              <a:alpha val="49804"/>
+            </a:srgbClr>
+          </a:solidFill>
+          <a:ln>
+            <a:noFill/>
+          </a:ln>
+        </p:spPr>
+        <p:style>
+          <a:lnRef idx="2">
+            <a:schemeClr val="accent1">
+              <a:shade val="50000"/>
+            </a:schemeClr>
+          </a:lnRef>
+          <a:fillRef idx="1">
+            <a:schemeClr val="accent1"/>
+          </a:fillRef>
+          <a:effectRef idx="0">
+            <a:schemeClr val="accent1"/>
+          </a:effectRef>
+          <a:fontRef idx="minor">
+            <a:schemeClr val="lt1"/>
+          </a:fontRef>
+        </p:style>
+      </p:sp>
+      <p:sp>
+        <p:nvSpPr>
+          <p:cNvPr id="9" name="Rectangle 13">
+            <a:extLst>
+              <a:ext uri="{FF2B5EF4-FFF2-40B4-BE49-F238E27FC236}">
+                <a16:creationId xmlns:a16="http://schemas.microsoft.com/office/drawing/2014/main" id="{9B1ABF09-86CF-414E-88A5-2B84CC7232A9}"/>
+              </a:ext>
+              <a:ext uri="{C183D7F6-B498-43B3-948B-1728B52AA6E4}">
+                <adec:decorative xmlns:adec="http://schemas.microsoft.com/office/drawing/2017/decorative" val="1"/>
+              </a:ext>
+            </a:extLst>
+          </p:cNvPr>
+          <p:cNvSpPr>
+            <a:spLocks noGrp="1" noRot="1" noChangeAspect="1" noMove="1" noResize="1" noEditPoints="1" noAdjustHandles="1" noChangeArrowheads="1" noChangeShapeType="1" noTextEdit="1"/>
+          </p:cNvSpPr>
+          <p:nvPr>
+            <p:extLst>
+              <p:ext uri="{386F3935-93C4-4BCD-93E2-E3B085C9AB24}">
+                <p16:designElem xmlns:p16="http://schemas.microsoft.com/office/powerpoint/2015/main" val="1"/>
+              </p:ext>
+            </p:extLst>
+          </p:nvPr>
+        </p:nvSpPr>
+        <p:spPr>
+          <a:xfrm>
+            <a:off x="763" y="2526526"/>
+            <a:ext cx="1169701" cy="3563378"/>
+          </a:xfrm>
+          <a:prstGeom prst="rect">
+            <a:avLst/>
+          </a:prstGeom>
+          <a:solidFill>
+            <a:srgbClr val="C8C8C8">
+              <a:alpha val="49804"/>
+            </a:srgbClr>
+          </a:solidFill>
+          <a:ln>
+            <a:noFill/>
+          </a:ln>
+        </p:spPr>
+        <p:style>
+          <a:lnRef idx="2">
+            <a:schemeClr val="accent1">
+              <a:shade val="50000"/>
+            </a:schemeClr>
+          </a:lnRef>
+          <a:fillRef idx="1">
+            <a:schemeClr val="accent1"/>
+          </a:fillRef>
+          <a:effectRef idx="0">
+            <a:schemeClr val="accent1"/>
+          </a:effectRef>
+          <a:fontRef idx="minor">
+            <a:schemeClr val="lt1"/>
+          </a:fontRef>
+        </p:style>
+      </p:sp>
+      <p:sp>
+        <p:nvSpPr>
+          <p:cNvPr id="11" name="Rectangle 15">
+            <a:extLst>
+              <a:ext uri="{FF2B5EF4-FFF2-40B4-BE49-F238E27FC236}">
+                <a16:creationId xmlns:a16="http://schemas.microsoft.com/office/drawing/2014/main" id="{3FE91770-CDBB-4D24-94E5-AD484F36CE87}"/>
+              </a:ext>
+              <a:ext uri="{C183D7F6-B498-43B3-948B-1728B52AA6E4}">
+                <adec:decorative xmlns:adec="http://schemas.microsoft.com/office/drawing/2017/decorative" val="1"/>
+              </a:ext>
+            </a:extLst>
+          </p:cNvPr>
+          <p:cNvSpPr>
+            <a:spLocks noGrp="1" noRot="1" noChangeAspect="1" noMove="1" noResize="1" noEditPoints="1" noAdjustHandles="1" noChangeArrowheads="1" noChangeShapeType="1" noTextEdit="1"/>
+          </p:cNvSpPr>
+          <p:nvPr>
+            <p:extLst>
+              <p:ext uri="{386F3935-93C4-4BCD-93E2-E3B085C9AB24}">
+                <p16:designElem xmlns:p16="http://schemas.microsoft.com/office/powerpoint/2015/main" val="1"/>
+              </p:ext>
+            </p:extLst>
+          </p:nvPr>
+        </p:nvSpPr>
+        <p:spPr>
+          <a:xfrm>
+            <a:off x="1279019" y="2526526"/>
+            <a:ext cx="10920893" cy="3563377"/>
+          </a:xfrm>
+          <a:prstGeom prst="rect">
+            <a:avLst/>
+          </a:prstGeom>
+          <a:solidFill>
+            <a:schemeClr val="bg2">
+              <a:lumMod val="60000"/>
+              <a:lumOff val="40000"/>
+              <a:alpha val="60000"/>
+            </a:schemeClr>
+          </a:solidFill>
+          <a:ln>
+            <a:noFill/>
+          </a:ln>
+        </p:spPr>
+        <p:style>
+          <a:lnRef idx="2">
+            <a:schemeClr val="accent1">
+              <a:shade val="50000"/>
+            </a:schemeClr>
+          </a:lnRef>
+          <a:fillRef idx="1">
+            <a:schemeClr val="accent1"/>
+          </a:fillRef>
+          <a:effectRef idx="0">
+            <a:schemeClr val="accent1"/>
+          </a:effectRef>
+          <a:fontRef idx="minor">
+            <a:schemeClr val="lt1"/>
+          </a:fontRef>
+        </p:style>
+        <p:txBody>
+          <a:bodyPr/>
+          <a:lstStyle/>
+          <a:p>
+            <a:endParaRPr lang="en-US" dirty="0"/>
+          </a:p>
+        </p:txBody>
+      </p:sp>
+      <p:sp>
+        <p:nvSpPr>
+          <p:cNvPr id="10" name="TextBox 9">
+            <a:extLst>
+              <a:ext uri="{FF2B5EF4-FFF2-40B4-BE49-F238E27FC236}">
+                <a16:creationId xmlns:a16="http://schemas.microsoft.com/office/drawing/2014/main" id="{E7E1857B-DD12-4EAA-A375-66DFDDF0CACF}"/>
+              </a:ext>
+            </a:extLst>
+          </p:cNvPr>
+          <p:cNvSpPr txBox="1"/>
+          <p:nvPr/>
+        </p:nvSpPr>
+        <p:spPr>
+          <a:xfrm>
+            <a:off x="1434905" y="2526526"/>
+            <a:ext cx="8865034" cy="3539430"/>
+          </a:xfrm>
+          <a:prstGeom prst="rect">
+            <a:avLst/>
+          </a:prstGeom>
+          <a:noFill/>
+        </p:spPr>
+        <p:txBody>
+          <a:bodyPr rot="0" spcFirstLastPara="0" vertOverflow="overflow" horzOverflow="overflow" vert="horz" wrap="square" lIns="91440" tIns="45720" rIns="91440" bIns="45720" numCol="1" spcCol="0" rtlCol="0" fromWordArt="0" anchor="t" anchorCtr="0" forceAA="0" compatLnSpc="1">
+            <a:prstTxWarp prst="textNoShape">
+              <a:avLst/>
+            </a:prstTxWarp>
+            <a:spAutoFit/>
+          </a:bodyPr>
+          <a:lstStyle/>
+          <a:p>
+            <a:r>
+              <a:rPr lang="en-GB" sz="2800" b="1" dirty="0">
+                <a:solidFill>
+                  <a:schemeClr val="accent5">
+                    <a:lumMod val="50000"/>
+                  </a:schemeClr>
+                </a:solidFill>
+                <a:latin typeface="Arial"/>
+                <a:cs typeface="Arial"/>
+              </a:rPr>
+              <a:t>  -   User Sign In  and Sign UP</a:t>
+            </a:r>
+          </a:p>
+          <a:p>
+            <a:r>
+              <a:rPr lang="en-GB" sz="2800" b="1" dirty="0">
+                <a:solidFill>
+                  <a:schemeClr val="accent5">
+                    <a:lumMod val="50000"/>
+                  </a:schemeClr>
+                </a:solidFill>
+                <a:latin typeface="Arial"/>
+                <a:cs typeface="Arial"/>
+              </a:rPr>
+              <a:t>  -   Adding the books to personal library by using</a:t>
+            </a:r>
+          </a:p>
+          <a:p>
+            <a:r>
+              <a:rPr lang="en-GB" sz="2800" b="1" dirty="0">
+                <a:solidFill>
+                  <a:schemeClr val="accent5">
+                    <a:lumMod val="50000"/>
+                  </a:schemeClr>
+                </a:solidFill>
+                <a:latin typeface="Arial"/>
+                <a:cs typeface="Arial"/>
+              </a:rPr>
+              <a:t>                         . Title</a:t>
+            </a:r>
+          </a:p>
+          <a:p>
+            <a:r>
+              <a:rPr lang="en-GB" sz="2800" b="1" dirty="0">
+                <a:solidFill>
+                  <a:schemeClr val="accent5">
+                    <a:lumMod val="50000"/>
+                  </a:schemeClr>
+                </a:solidFill>
+                <a:latin typeface="Arial"/>
+                <a:cs typeface="Arial"/>
+              </a:rPr>
+              <a:t>                         .  Author</a:t>
+            </a:r>
+          </a:p>
+          <a:p>
+            <a:r>
+              <a:rPr lang="en-GB" sz="2800" b="1" dirty="0">
+                <a:solidFill>
+                  <a:schemeClr val="accent5">
+                    <a:lumMod val="50000"/>
+                  </a:schemeClr>
+                </a:solidFill>
+                <a:latin typeface="Arial"/>
+                <a:cs typeface="Arial"/>
+              </a:rPr>
+              <a:t>                         . Year</a:t>
+            </a:r>
+          </a:p>
+          <a:p>
+            <a:r>
+              <a:rPr lang="en-GB" sz="2800" b="1" dirty="0">
+                <a:solidFill>
+                  <a:schemeClr val="accent5">
+                    <a:lumMod val="50000"/>
+                  </a:schemeClr>
+                </a:solidFill>
+                <a:latin typeface="Arial"/>
+                <a:cs typeface="Arial"/>
+              </a:rPr>
+              <a:t>                         . ISBN</a:t>
+            </a:r>
+          </a:p>
+          <a:p>
+            <a:r>
+              <a:rPr lang="en-GB" sz="2800" b="1" dirty="0">
+                <a:solidFill>
+                  <a:schemeClr val="accent5">
+                    <a:lumMod val="50000"/>
+                  </a:schemeClr>
+                </a:solidFill>
+                <a:latin typeface="Arial"/>
+                <a:cs typeface="Arial"/>
+              </a:rPr>
+              <a:t>                         . Abstract</a:t>
+            </a:r>
+          </a:p>
+          <a:p>
+            <a:r>
+              <a:rPr lang="en-GB" sz="2800" b="1" dirty="0">
+                <a:solidFill>
+                  <a:schemeClr val="accent5">
+                    <a:lumMod val="50000"/>
+                  </a:schemeClr>
+                </a:solidFill>
+                <a:latin typeface="Arial"/>
+                <a:cs typeface="Arial"/>
+              </a:rPr>
+              <a:t>                         . Metadata</a:t>
+            </a:r>
+          </a:p>
+        </p:txBody>
+      </p:sp>
+    </p:spTree>
+    <p:extLst>
+      <p:ext uri="{BB962C8B-B14F-4D97-AF65-F5344CB8AC3E}">
+        <p14:creationId xmlns:p14="http://schemas.microsoft.com/office/powerpoint/2010/main" val="835656719"/>
       </p:ext>
     </p:extLst>
   </p:cSld>
@@ -6468,6 +7493,498 @@
 </file>
 
 <file path=ppt/slides/slide15.xml><?xml version="1.0" encoding="utf-8"?>
+<p:sld xmlns:a="http://schemas.openxmlformats.org/drawingml/2006/main" xmlns:r="http://schemas.openxmlformats.org/officeDocument/2006/relationships" xmlns:p="http://schemas.openxmlformats.org/presentationml/2006/main">
+  <p:cSld>
+    <p:bg>
+      <p:bgPr>
+        <a:solidFill>
+          <a:schemeClr val="bg1"/>
+        </a:solidFill>
+        <a:effectLst/>
+      </p:bgPr>
+    </p:bg>
+    <p:spTree>
+      <p:nvGrpSpPr>
+        <p:cNvPr id="1" name=""/>
+        <p:cNvGrpSpPr/>
+        <p:nvPr/>
+      </p:nvGrpSpPr>
+      <p:grpSpPr>
+        <a:xfrm>
+          <a:off x="0" y="0"/>
+          <a:ext cx="0" cy="0"/>
+          <a:chOff x="0" y="0"/>
+          <a:chExt cx="0" cy="0"/>
+        </a:xfrm>
+      </p:grpSpPr>
+      <p:sp useBgFill="1">
+        <p:nvSpPr>
+          <p:cNvPr id="5" name="Rectangle 7">
+            <a:extLst>
+              <a:ext uri="{FF2B5EF4-FFF2-40B4-BE49-F238E27FC236}">
+                <a16:creationId xmlns:a16="http://schemas.microsoft.com/office/drawing/2014/main" id="{29DC5A77-10C9-4ECF-B7EB-8D917F36A9EE}"/>
+              </a:ext>
+              <a:ext uri="{C183D7F6-B498-43B3-948B-1728B52AA6E4}">
+                <adec:decorative xmlns:adec="http://schemas.microsoft.com/office/drawing/2017/decorative" val="1"/>
+              </a:ext>
+            </a:extLst>
+          </p:cNvPr>
+          <p:cNvSpPr>
+            <a:spLocks noGrp="1" noRot="1" noChangeAspect="1" noMove="1" noResize="1" noEditPoints="1" noAdjustHandles="1" noChangeArrowheads="1" noChangeShapeType="1" noTextEdit="1"/>
+          </p:cNvSpPr>
+          <p:nvPr>
+            <p:extLst>
+              <p:ext uri="{386F3935-93C4-4BCD-93E2-E3B085C9AB24}">
+                <p16:designElem xmlns:p16="http://schemas.microsoft.com/office/powerpoint/2015/main" val="1"/>
+              </p:ext>
+            </p:extLst>
+          </p:nvPr>
+        </p:nvSpPr>
+        <p:spPr>
+          <a:xfrm>
+            <a:off x="0" y="0"/>
+            <a:ext cx="12192000" cy="6858000"/>
+          </a:xfrm>
+          <a:prstGeom prst="rect">
+            <a:avLst/>
+          </a:prstGeom>
+          <a:ln>
+            <a:noFill/>
+          </a:ln>
+        </p:spPr>
+        <p:style>
+          <a:lnRef idx="2">
+            <a:schemeClr val="accent1">
+              <a:shade val="50000"/>
+            </a:schemeClr>
+          </a:lnRef>
+          <a:fillRef idx="1">
+            <a:schemeClr val="accent1"/>
+          </a:fillRef>
+          <a:effectRef idx="0">
+            <a:schemeClr val="accent1"/>
+          </a:effectRef>
+          <a:fontRef idx="minor">
+            <a:schemeClr val="lt1"/>
+          </a:fontRef>
+        </p:style>
+        <p:txBody>
+          <a:bodyPr rtlCol="0" anchor="ctr"/>
+          <a:lstStyle/>
+          <a:p>
+            <a:pPr algn="ctr"/>
+            <a:endParaRPr lang="en-US"/>
+          </a:p>
+        </p:txBody>
+      </p:sp>
+      <p:sp>
+        <p:nvSpPr>
+          <p:cNvPr id="6" name="Rectangle 9">
+            <a:extLst>
+              <a:ext uri="{FF2B5EF4-FFF2-40B4-BE49-F238E27FC236}">
+                <a16:creationId xmlns:a16="http://schemas.microsoft.com/office/drawing/2014/main" id="{2FFE28B5-FB16-49A9-B851-3C35FAC0CACB}"/>
+              </a:ext>
+              <a:ext uri="{C183D7F6-B498-43B3-948B-1728B52AA6E4}">
+                <adec:decorative xmlns:adec="http://schemas.microsoft.com/office/drawing/2017/decorative" val="1"/>
+              </a:ext>
+            </a:extLst>
+          </p:cNvPr>
+          <p:cNvSpPr>
+            <a:spLocks noGrp="1" noRot="1" noChangeAspect="1" noMove="1" noResize="1" noEditPoints="1" noAdjustHandles="1" noChangeArrowheads="1" noChangeShapeType="1" noTextEdit="1"/>
+          </p:cNvSpPr>
+          <p:nvPr>
+            <p:extLst>
+              <p:ext uri="{386F3935-93C4-4BCD-93E2-E3B085C9AB24}">
+                <p16:designElem xmlns:p16="http://schemas.microsoft.com/office/powerpoint/2015/main" val="1"/>
+              </p:ext>
+            </p:extLst>
+          </p:nvPr>
+        </p:nvSpPr>
+        <p:spPr>
+          <a:xfrm>
+            <a:off x="1" y="758952"/>
+            <a:ext cx="10905976" cy="1651133"/>
+          </a:xfrm>
+          <a:prstGeom prst="rect">
+            <a:avLst/>
+          </a:prstGeom>
+          <a:solidFill>
+            <a:schemeClr val="accent1"/>
+          </a:solidFill>
+          <a:ln>
+            <a:noFill/>
+          </a:ln>
+        </p:spPr>
+        <p:style>
+          <a:lnRef idx="2">
+            <a:schemeClr val="accent1">
+              <a:shade val="50000"/>
+            </a:schemeClr>
+          </a:lnRef>
+          <a:fillRef idx="1">
+            <a:schemeClr val="accent1"/>
+          </a:fillRef>
+          <a:effectRef idx="0">
+            <a:schemeClr val="accent1"/>
+          </a:effectRef>
+          <a:fontRef idx="minor">
+            <a:schemeClr val="lt1"/>
+          </a:fontRef>
+        </p:style>
+        <p:txBody>
+          <a:bodyPr/>
+          <a:lstStyle/>
+          <a:p>
+            <a:endParaRPr lang="en-US" dirty="0"/>
+          </a:p>
+        </p:txBody>
+      </p:sp>
+      <p:sp>
+        <p:nvSpPr>
+          <p:cNvPr id="2" name="Title 1">
+            <a:extLst>
+              <a:ext uri="{FF2B5EF4-FFF2-40B4-BE49-F238E27FC236}">
+                <a16:creationId xmlns:a16="http://schemas.microsoft.com/office/drawing/2014/main" id="{42CA5B38-EBAF-4C64-91A1-6E5300D607D5}"/>
+              </a:ext>
+            </a:extLst>
+          </p:cNvPr>
+          <p:cNvSpPr>
+            <a:spLocks noGrp="1"/>
+          </p:cNvSpPr>
+          <p:nvPr>
+            <p:ph type="title"/>
+          </p:nvPr>
+        </p:nvSpPr>
+        <p:spPr>
+          <a:xfrm>
+            <a:off x="1600754" y="1087374"/>
+            <a:ext cx="8983489" cy="1000978"/>
+          </a:xfrm>
+        </p:spPr>
+        <p:txBody>
+          <a:bodyPr vert="horz" lIns="91440" tIns="45720" rIns="91440" bIns="45720" rtlCol="0">
+            <a:normAutofit/>
+          </a:bodyPr>
+          <a:lstStyle/>
+          <a:p>
+            <a:r>
+              <a:rPr lang="en-US" b="1" spc="-100" dirty="0">
+                <a:solidFill>
+                  <a:srgbClr val="C00000"/>
+                </a:solidFill>
+              </a:rPr>
+              <a:t>                                 REQUIREMENTS</a:t>
+            </a:r>
+            <a:endParaRPr lang="en-US" dirty="0"/>
+          </a:p>
+        </p:txBody>
+      </p:sp>
+      <p:sp>
+        <p:nvSpPr>
+          <p:cNvPr id="7" name="Rectangle 11">
+            <a:extLst>
+              <a:ext uri="{FF2B5EF4-FFF2-40B4-BE49-F238E27FC236}">
+                <a16:creationId xmlns:a16="http://schemas.microsoft.com/office/drawing/2014/main" id="{01014442-855A-4E0F-8D09-C314661A48B9}"/>
+              </a:ext>
+              <a:ext uri="{C183D7F6-B498-43B3-948B-1728B52AA6E4}">
+                <adec:decorative xmlns:adec="http://schemas.microsoft.com/office/drawing/2017/decorative" val="1"/>
+              </a:ext>
+            </a:extLst>
+          </p:cNvPr>
+          <p:cNvSpPr>
+            <a:spLocks noGrp="1" noRot="1" noChangeAspect="1" noMove="1" noResize="1" noEditPoints="1" noAdjustHandles="1" noChangeArrowheads="1" noChangeShapeType="1" noTextEdit="1"/>
+          </p:cNvSpPr>
+          <p:nvPr>
+            <p:extLst>
+              <p:ext uri="{386F3935-93C4-4BCD-93E2-E3B085C9AB24}">
+                <p16:designElem xmlns:p16="http://schemas.microsoft.com/office/powerpoint/2015/main" val="1"/>
+              </p:ext>
+            </p:extLst>
+          </p:nvPr>
+        </p:nvSpPr>
+        <p:spPr>
+          <a:xfrm>
+            <a:off x="11014533" y="758952"/>
+            <a:ext cx="1185379" cy="1651133"/>
+          </a:xfrm>
+          <a:prstGeom prst="rect">
+            <a:avLst/>
+          </a:prstGeom>
+          <a:solidFill>
+            <a:srgbClr val="C8C8C8">
+              <a:alpha val="49804"/>
+            </a:srgbClr>
+          </a:solidFill>
+          <a:ln>
+            <a:noFill/>
+          </a:ln>
+        </p:spPr>
+        <p:style>
+          <a:lnRef idx="2">
+            <a:schemeClr val="accent1">
+              <a:shade val="50000"/>
+            </a:schemeClr>
+          </a:lnRef>
+          <a:fillRef idx="1">
+            <a:schemeClr val="accent1"/>
+          </a:fillRef>
+          <a:effectRef idx="0">
+            <a:schemeClr val="accent1"/>
+          </a:effectRef>
+          <a:fontRef idx="minor">
+            <a:schemeClr val="lt1"/>
+          </a:fontRef>
+        </p:style>
+      </p:sp>
+      <p:sp>
+        <p:nvSpPr>
+          <p:cNvPr id="9" name="Rectangle 13">
+            <a:extLst>
+              <a:ext uri="{FF2B5EF4-FFF2-40B4-BE49-F238E27FC236}">
+                <a16:creationId xmlns:a16="http://schemas.microsoft.com/office/drawing/2014/main" id="{9B1ABF09-86CF-414E-88A5-2B84CC7232A9}"/>
+              </a:ext>
+              <a:ext uri="{C183D7F6-B498-43B3-948B-1728B52AA6E4}">
+                <adec:decorative xmlns:adec="http://schemas.microsoft.com/office/drawing/2017/decorative" val="1"/>
+              </a:ext>
+            </a:extLst>
+          </p:cNvPr>
+          <p:cNvSpPr>
+            <a:spLocks noGrp="1" noRot="1" noChangeAspect="1" noMove="1" noResize="1" noEditPoints="1" noAdjustHandles="1" noChangeArrowheads="1" noChangeShapeType="1" noTextEdit="1"/>
+          </p:cNvSpPr>
+          <p:nvPr>
+            <p:extLst>
+              <p:ext uri="{386F3935-93C4-4BCD-93E2-E3B085C9AB24}">
+                <p16:designElem xmlns:p16="http://schemas.microsoft.com/office/powerpoint/2015/main" val="1"/>
+              </p:ext>
+            </p:extLst>
+          </p:nvPr>
+        </p:nvSpPr>
+        <p:spPr>
+          <a:xfrm>
+            <a:off x="763" y="2526526"/>
+            <a:ext cx="1169701" cy="3563378"/>
+          </a:xfrm>
+          <a:prstGeom prst="rect">
+            <a:avLst/>
+          </a:prstGeom>
+          <a:solidFill>
+            <a:srgbClr val="C8C8C8">
+              <a:alpha val="49804"/>
+            </a:srgbClr>
+          </a:solidFill>
+          <a:ln>
+            <a:noFill/>
+          </a:ln>
+        </p:spPr>
+        <p:style>
+          <a:lnRef idx="2">
+            <a:schemeClr val="accent1">
+              <a:shade val="50000"/>
+            </a:schemeClr>
+          </a:lnRef>
+          <a:fillRef idx="1">
+            <a:schemeClr val="accent1"/>
+          </a:fillRef>
+          <a:effectRef idx="0">
+            <a:schemeClr val="accent1"/>
+          </a:effectRef>
+          <a:fontRef idx="minor">
+            <a:schemeClr val="lt1"/>
+          </a:fontRef>
+        </p:style>
+      </p:sp>
+      <p:sp>
+        <p:nvSpPr>
+          <p:cNvPr id="11" name="Rectangle 15">
+            <a:extLst>
+              <a:ext uri="{FF2B5EF4-FFF2-40B4-BE49-F238E27FC236}">
+                <a16:creationId xmlns:a16="http://schemas.microsoft.com/office/drawing/2014/main" id="{3FE91770-CDBB-4D24-94E5-AD484F36CE87}"/>
+              </a:ext>
+              <a:ext uri="{C183D7F6-B498-43B3-948B-1728B52AA6E4}">
+                <adec:decorative xmlns:adec="http://schemas.microsoft.com/office/drawing/2017/decorative" val="1"/>
+              </a:ext>
+            </a:extLst>
+          </p:cNvPr>
+          <p:cNvSpPr>
+            <a:spLocks noGrp="1" noRot="1" noChangeAspect="1" noMove="1" noResize="1" noEditPoints="1" noAdjustHandles="1" noChangeArrowheads="1" noChangeShapeType="1" noTextEdit="1"/>
+          </p:cNvSpPr>
+          <p:nvPr>
+            <p:extLst>
+              <p:ext uri="{386F3935-93C4-4BCD-93E2-E3B085C9AB24}">
+                <p16:designElem xmlns:p16="http://schemas.microsoft.com/office/powerpoint/2015/main" val="1"/>
+              </p:ext>
+            </p:extLst>
+          </p:nvPr>
+        </p:nvSpPr>
+        <p:spPr>
+          <a:xfrm>
+            <a:off x="1279019" y="2526526"/>
+            <a:ext cx="10920893" cy="3563377"/>
+          </a:xfrm>
+          <a:prstGeom prst="rect">
+            <a:avLst/>
+          </a:prstGeom>
+          <a:solidFill>
+            <a:schemeClr val="bg2">
+              <a:lumMod val="60000"/>
+              <a:lumOff val="40000"/>
+              <a:alpha val="60000"/>
+            </a:schemeClr>
+          </a:solidFill>
+          <a:ln>
+            <a:noFill/>
+          </a:ln>
+        </p:spPr>
+        <p:style>
+          <a:lnRef idx="2">
+            <a:schemeClr val="accent1">
+              <a:shade val="50000"/>
+            </a:schemeClr>
+          </a:lnRef>
+          <a:fillRef idx="1">
+            <a:schemeClr val="accent1"/>
+          </a:fillRef>
+          <a:effectRef idx="0">
+            <a:schemeClr val="accent1"/>
+          </a:effectRef>
+          <a:fontRef idx="minor">
+            <a:schemeClr val="lt1"/>
+          </a:fontRef>
+        </p:style>
+        <p:txBody>
+          <a:bodyPr/>
+          <a:lstStyle/>
+          <a:p>
+            <a:endParaRPr lang="en-US" dirty="0"/>
+          </a:p>
+        </p:txBody>
+      </p:sp>
+      <p:sp>
+        <p:nvSpPr>
+          <p:cNvPr id="10" name="TextBox 9">
+            <a:extLst>
+              <a:ext uri="{FF2B5EF4-FFF2-40B4-BE49-F238E27FC236}">
+                <a16:creationId xmlns:a16="http://schemas.microsoft.com/office/drawing/2014/main" id="{E7E1857B-DD12-4EAA-A375-66DFDDF0CACF}"/>
+              </a:ext>
+            </a:extLst>
+          </p:cNvPr>
+          <p:cNvSpPr txBox="1"/>
+          <p:nvPr/>
+        </p:nvSpPr>
+        <p:spPr>
+          <a:xfrm>
+            <a:off x="1434905" y="2526526"/>
+            <a:ext cx="8865034" cy="1815882"/>
+          </a:xfrm>
+          <a:prstGeom prst="rect">
+            <a:avLst/>
+          </a:prstGeom>
+          <a:noFill/>
+        </p:spPr>
+        <p:txBody>
+          <a:bodyPr rot="0" spcFirstLastPara="0" vertOverflow="overflow" horzOverflow="overflow" vert="horz" wrap="square" lIns="91440" tIns="45720" rIns="91440" bIns="45720" numCol="1" spcCol="0" rtlCol="0" fromWordArt="0" anchor="t" anchorCtr="0" forceAA="0" compatLnSpc="1">
+            <a:prstTxWarp prst="textNoShape">
+              <a:avLst/>
+            </a:prstTxWarp>
+            <a:spAutoFit/>
+          </a:bodyPr>
+          <a:lstStyle/>
+          <a:p>
+            <a:r>
+              <a:rPr lang="en-GB" sz="2800" b="1" dirty="0">
+                <a:solidFill>
+                  <a:schemeClr val="accent5">
+                    <a:lumMod val="50000"/>
+                  </a:schemeClr>
+                </a:solidFill>
+                <a:latin typeface="Arial"/>
+                <a:cs typeface="Arial"/>
+              </a:rPr>
+              <a:t>  -   Search based on </a:t>
+            </a:r>
+            <a:r>
+              <a:rPr lang="en-GB" sz="2800" b="1" dirty="0" err="1">
+                <a:solidFill>
+                  <a:schemeClr val="accent5">
+                    <a:lumMod val="50000"/>
+                  </a:schemeClr>
+                </a:solidFill>
+                <a:latin typeface="Arial"/>
+                <a:cs typeface="Arial"/>
+              </a:rPr>
+              <a:t>Metedata</a:t>
+            </a:r>
+            <a:r>
+              <a:rPr lang="en-GB" sz="2800" b="1" dirty="0">
+                <a:solidFill>
+                  <a:schemeClr val="accent5">
+                    <a:lumMod val="50000"/>
+                  </a:schemeClr>
+                </a:solidFill>
+                <a:latin typeface="Arial"/>
+                <a:cs typeface="Arial"/>
+              </a:rPr>
+              <a:t> tags</a:t>
+            </a:r>
+          </a:p>
+          <a:p>
+            <a:r>
+              <a:rPr lang="en-GB" sz="2800" b="1" dirty="0">
+                <a:solidFill>
+                  <a:schemeClr val="accent5">
+                    <a:lumMod val="50000"/>
+                  </a:schemeClr>
+                </a:solidFill>
+                <a:latin typeface="Arial"/>
+                <a:cs typeface="Arial"/>
+              </a:rPr>
+              <a:t>  </a:t>
+            </a:r>
+          </a:p>
+          <a:p>
+            <a:r>
+              <a:rPr lang="en-GB" sz="2800" b="1" dirty="0">
+                <a:solidFill>
+                  <a:schemeClr val="accent5">
+                    <a:lumMod val="50000"/>
+                  </a:schemeClr>
+                </a:solidFill>
+                <a:latin typeface="Arial"/>
+                <a:cs typeface="Arial"/>
+              </a:rPr>
+              <a:t>  -   Books Recommendation </a:t>
+            </a:r>
+          </a:p>
+          <a:p>
+            <a:r>
+              <a:rPr lang="en-GB" sz="2800" b="1" dirty="0">
+                <a:solidFill>
+                  <a:schemeClr val="accent5">
+                    <a:lumMod val="50000"/>
+                  </a:schemeClr>
+                </a:solidFill>
+                <a:latin typeface="Arial"/>
+                <a:cs typeface="Arial"/>
+              </a:rPr>
+              <a:t>                         </a:t>
+            </a:r>
+          </a:p>
+        </p:txBody>
+      </p:sp>
+    </p:spTree>
+    <p:extLst>
+      <p:ext uri="{BB962C8B-B14F-4D97-AF65-F5344CB8AC3E}">
+        <p14:creationId xmlns:p14="http://schemas.microsoft.com/office/powerpoint/2010/main" val="2373950641"/>
+      </p:ext>
+    </p:extLst>
+  </p:cSld>
+  <p:clrMapOvr>
+    <a:masterClrMapping/>
+  </p:clrMapOvr>
+</p:sld>
+</file>
+
+<file path=ppt/slides/slide16.xml><?xml version="1.0" encoding="utf-8"?>
 <p:sld xmlns:a="http://schemas.openxmlformats.org/drawingml/2006/main" xmlns:r="http://schemas.openxmlformats.org/officeDocument/2006/relationships" xmlns:p="http://schemas.openxmlformats.org/presentationml/2006/main">
   <p:cSld>
     <p:bg>
@@ -6887,7 +8404,7 @@
                   <a:srgbClr val="C00000"/>
                 </a:solidFill>
               </a:rPr>
-              <a:t>DATABASE</a:t>
+              <a:t>ARCHITECURE DIAGRAM</a:t>
             </a:r>
             <a:endParaRPr lang="en-US" sz="5900" b="1" spc="-100" dirty="0">
               <a:solidFill>
@@ -6900,7 +8417,7 @@
     </p:spTree>
     <p:extLst>
       <p:ext uri="{BB962C8B-B14F-4D97-AF65-F5344CB8AC3E}">
-        <p14:creationId xmlns:p14="http://schemas.microsoft.com/office/powerpoint/2010/main" val="4265504952"/>
+        <p14:creationId xmlns:p14="http://schemas.microsoft.com/office/powerpoint/2010/main" val="2924325439"/>
       </p:ext>
     </p:extLst>
   </p:cSld>
@@ -6910,7 +8427,7 @@
 </p:sld>
 </file>
 
-<file path=ppt/slides/slide16.xml><?xml version="1.0" encoding="utf-8"?>
+<file path=ppt/slides/slide17.xml><?xml version="1.0" encoding="utf-8"?>
 <p:sld xmlns:a="http://schemas.openxmlformats.org/drawingml/2006/main" xmlns:r="http://schemas.openxmlformats.org/officeDocument/2006/relationships" xmlns:p="http://schemas.openxmlformats.org/presentationml/2006/main">
   <p:cSld>
     <p:spTree>
@@ -6929,10 +8446,10 @@
       </p:grpSpPr>
       <p:pic>
         <p:nvPicPr>
-          <p:cNvPr id="3" name="Picture 3" descr="A picture containing drawing&#10;&#10;Description generated with very high confidence">
+          <p:cNvPr id="2" name="Picture 2" descr="A close up of a map&#10;&#10;Description generated with very high confidence">
             <a:extLst>
               <a:ext uri="{FF2B5EF4-FFF2-40B4-BE49-F238E27FC236}">
-                <a16:creationId xmlns:a16="http://schemas.microsoft.com/office/drawing/2014/main" id="{2AF526E7-FADF-460F-9B6A-ABF076776F05}"/>
+                <a16:creationId xmlns:a16="http://schemas.microsoft.com/office/drawing/2014/main" id="{4B04C00E-4812-4B85-94B1-EE63CF7F91B9}"/>
               </a:ext>
             </a:extLst>
           </p:cNvPr>
@@ -6949,8 +8466,8 @@
         </p:blipFill>
         <p:spPr>
           <a:xfrm>
-            <a:off x="1302590" y="1386727"/>
-            <a:ext cx="8810445" cy="2344889"/>
+            <a:off x="8628" y="767818"/>
+            <a:ext cx="12189123" cy="5307986"/>
           </a:xfrm>
           <a:prstGeom prst="rect">
             <a:avLst/>
@@ -6960,7 +8477,7 @@
     </p:spTree>
     <p:extLst>
       <p:ext uri="{BB962C8B-B14F-4D97-AF65-F5344CB8AC3E}">
-        <p14:creationId xmlns:p14="http://schemas.microsoft.com/office/powerpoint/2010/main" val="3280029823"/>
+        <p14:creationId xmlns:p14="http://schemas.microsoft.com/office/powerpoint/2010/main" val="3854704298"/>
       </p:ext>
     </p:extLst>
   </p:cSld>
@@ -6970,7 +8487,906 @@
 </p:sld>
 </file>
 
-<file path=ppt/slides/slide17.xml><?xml version="1.0" encoding="utf-8"?>
+<file path=ppt/slides/slide18.xml><?xml version="1.0" encoding="utf-8"?>
+<p:sld xmlns:a="http://schemas.openxmlformats.org/drawingml/2006/main" xmlns:r="http://schemas.openxmlformats.org/officeDocument/2006/relationships" xmlns:p="http://schemas.openxmlformats.org/presentationml/2006/main">
+  <p:cSld>
+    <p:bg>
+      <p:bgPr>
+        <a:solidFill>
+          <a:schemeClr val="bg1"/>
+        </a:solidFill>
+        <a:effectLst/>
+      </p:bgPr>
+    </p:bg>
+    <p:spTree>
+      <p:nvGrpSpPr>
+        <p:cNvPr id="1" name=""/>
+        <p:cNvGrpSpPr/>
+        <p:nvPr/>
+      </p:nvGrpSpPr>
+      <p:grpSpPr>
+        <a:xfrm>
+          <a:off x="0" y="0"/>
+          <a:ext cx="0" cy="0"/>
+          <a:chOff x="0" y="0"/>
+          <a:chExt cx="0" cy="0"/>
+        </a:xfrm>
+      </p:grpSpPr>
+      <p:sp useBgFill="1">
+        <p:nvSpPr>
+          <p:cNvPr id="5" name="Rectangle 7">
+            <a:extLst>
+              <a:ext uri="{FF2B5EF4-FFF2-40B4-BE49-F238E27FC236}">
+                <a16:creationId xmlns:a16="http://schemas.microsoft.com/office/drawing/2014/main" id="{29DC5A77-10C9-4ECF-B7EB-8D917F36A9EE}"/>
+              </a:ext>
+              <a:ext uri="{C183D7F6-B498-43B3-948B-1728B52AA6E4}">
+                <adec:decorative xmlns:adec="http://schemas.microsoft.com/office/drawing/2017/decorative" val="1"/>
+              </a:ext>
+            </a:extLst>
+          </p:cNvPr>
+          <p:cNvSpPr>
+            <a:spLocks noGrp="1" noRot="1" noChangeAspect="1" noMove="1" noResize="1" noEditPoints="1" noAdjustHandles="1" noChangeArrowheads="1" noChangeShapeType="1" noTextEdit="1"/>
+          </p:cNvSpPr>
+          <p:nvPr>
+            <p:extLst>
+              <p:ext uri="{386F3935-93C4-4BCD-93E2-E3B085C9AB24}">
+                <p16:designElem xmlns:p16="http://schemas.microsoft.com/office/powerpoint/2015/main" val="1"/>
+              </p:ext>
+            </p:extLst>
+          </p:nvPr>
+        </p:nvSpPr>
+        <p:spPr>
+          <a:xfrm>
+            <a:off x="0" y="0"/>
+            <a:ext cx="12192000" cy="6858000"/>
+          </a:xfrm>
+          <a:prstGeom prst="rect">
+            <a:avLst/>
+          </a:prstGeom>
+          <a:ln>
+            <a:noFill/>
+          </a:ln>
+        </p:spPr>
+        <p:style>
+          <a:lnRef idx="2">
+            <a:schemeClr val="accent1">
+              <a:shade val="50000"/>
+            </a:schemeClr>
+          </a:lnRef>
+          <a:fillRef idx="1">
+            <a:schemeClr val="accent1"/>
+          </a:fillRef>
+          <a:effectRef idx="0">
+            <a:schemeClr val="accent1"/>
+          </a:effectRef>
+          <a:fontRef idx="minor">
+            <a:schemeClr val="lt1"/>
+          </a:fontRef>
+        </p:style>
+        <p:txBody>
+          <a:bodyPr rtlCol="0" anchor="ctr"/>
+          <a:lstStyle/>
+          <a:p>
+            <a:pPr algn="ctr"/>
+            <a:endParaRPr lang="en-US"/>
+          </a:p>
+        </p:txBody>
+      </p:sp>
+      <p:sp>
+        <p:nvSpPr>
+          <p:cNvPr id="6" name="Rectangle 9">
+            <a:extLst>
+              <a:ext uri="{FF2B5EF4-FFF2-40B4-BE49-F238E27FC236}">
+                <a16:creationId xmlns:a16="http://schemas.microsoft.com/office/drawing/2014/main" id="{2FFE28B5-FB16-49A9-B851-3C35FAC0CACB}"/>
+              </a:ext>
+              <a:ext uri="{C183D7F6-B498-43B3-948B-1728B52AA6E4}">
+                <adec:decorative xmlns:adec="http://schemas.microsoft.com/office/drawing/2017/decorative" val="1"/>
+              </a:ext>
+            </a:extLst>
+          </p:cNvPr>
+          <p:cNvSpPr>
+            <a:spLocks noGrp="1" noRot="1" noChangeAspect="1" noMove="1" noResize="1" noEditPoints="1" noAdjustHandles="1" noChangeArrowheads="1" noChangeShapeType="1" noTextEdit="1"/>
+          </p:cNvSpPr>
+          <p:nvPr>
+            <p:extLst>
+              <p:ext uri="{386F3935-93C4-4BCD-93E2-E3B085C9AB24}">
+                <p16:designElem xmlns:p16="http://schemas.microsoft.com/office/powerpoint/2015/main" val="1"/>
+              </p:ext>
+            </p:extLst>
+          </p:nvPr>
+        </p:nvSpPr>
+        <p:spPr>
+          <a:xfrm>
+            <a:off x="1" y="758952"/>
+            <a:ext cx="10905976" cy="1651133"/>
+          </a:xfrm>
+          <a:prstGeom prst="rect">
+            <a:avLst/>
+          </a:prstGeom>
+          <a:solidFill>
+            <a:schemeClr val="accent1"/>
+          </a:solidFill>
+          <a:ln>
+            <a:noFill/>
+          </a:ln>
+        </p:spPr>
+        <p:style>
+          <a:lnRef idx="2">
+            <a:schemeClr val="accent1">
+              <a:shade val="50000"/>
+            </a:schemeClr>
+          </a:lnRef>
+          <a:fillRef idx="1">
+            <a:schemeClr val="accent1"/>
+          </a:fillRef>
+          <a:effectRef idx="0">
+            <a:schemeClr val="accent1"/>
+          </a:effectRef>
+          <a:fontRef idx="minor">
+            <a:schemeClr val="lt1"/>
+          </a:fontRef>
+        </p:style>
+        <p:txBody>
+          <a:bodyPr/>
+          <a:lstStyle/>
+          <a:p>
+            <a:endParaRPr lang="en-US" dirty="0"/>
+          </a:p>
+        </p:txBody>
+      </p:sp>
+      <p:sp>
+        <p:nvSpPr>
+          <p:cNvPr id="2" name="Title 1">
+            <a:extLst>
+              <a:ext uri="{FF2B5EF4-FFF2-40B4-BE49-F238E27FC236}">
+                <a16:creationId xmlns:a16="http://schemas.microsoft.com/office/drawing/2014/main" id="{42CA5B38-EBAF-4C64-91A1-6E5300D607D5}"/>
+              </a:ext>
+            </a:extLst>
+          </p:cNvPr>
+          <p:cNvSpPr>
+            <a:spLocks noGrp="1"/>
+          </p:cNvSpPr>
+          <p:nvPr>
+            <p:ph type="title"/>
+          </p:nvPr>
+        </p:nvSpPr>
+        <p:spPr>
+          <a:xfrm>
+            <a:off x="1600754" y="1087374"/>
+            <a:ext cx="8983489" cy="1000978"/>
+          </a:xfrm>
+        </p:spPr>
+        <p:txBody>
+          <a:bodyPr vert="horz" lIns="91440" tIns="45720" rIns="91440" bIns="45720" rtlCol="0">
+            <a:normAutofit/>
+          </a:bodyPr>
+          <a:lstStyle/>
+          <a:p>
+            <a:r>
+              <a:rPr lang="en-US" b="1" spc="-100" dirty="0"/>
+              <a:t>                                     LOGIN PAGE</a:t>
+            </a:r>
+            <a:endParaRPr lang="en-US" dirty="0"/>
+          </a:p>
+        </p:txBody>
+      </p:sp>
+      <p:sp>
+        <p:nvSpPr>
+          <p:cNvPr id="7" name="Rectangle 11">
+            <a:extLst>
+              <a:ext uri="{FF2B5EF4-FFF2-40B4-BE49-F238E27FC236}">
+                <a16:creationId xmlns:a16="http://schemas.microsoft.com/office/drawing/2014/main" id="{01014442-855A-4E0F-8D09-C314661A48B9}"/>
+              </a:ext>
+              <a:ext uri="{C183D7F6-B498-43B3-948B-1728B52AA6E4}">
+                <adec:decorative xmlns:adec="http://schemas.microsoft.com/office/drawing/2017/decorative" val="1"/>
+              </a:ext>
+            </a:extLst>
+          </p:cNvPr>
+          <p:cNvSpPr>
+            <a:spLocks noGrp="1" noRot="1" noChangeAspect="1" noMove="1" noResize="1" noEditPoints="1" noAdjustHandles="1" noChangeArrowheads="1" noChangeShapeType="1" noTextEdit="1"/>
+          </p:cNvSpPr>
+          <p:nvPr>
+            <p:extLst>
+              <p:ext uri="{386F3935-93C4-4BCD-93E2-E3B085C9AB24}">
+                <p16:designElem xmlns:p16="http://schemas.microsoft.com/office/powerpoint/2015/main" val="1"/>
+              </p:ext>
+            </p:extLst>
+          </p:nvPr>
+        </p:nvSpPr>
+        <p:spPr>
+          <a:xfrm>
+            <a:off x="11014533" y="758952"/>
+            <a:ext cx="1185379" cy="1651133"/>
+          </a:xfrm>
+          <a:prstGeom prst="rect">
+            <a:avLst/>
+          </a:prstGeom>
+          <a:solidFill>
+            <a:srgbClr val="C8C8C8">
+              <a:alpha val="49804"/>
+            </a:srgbClr>
+          </a:solidFill>
+          <a:ln>
+            <a:noFill/>
+          </a:ln>
+        </p:spPr>
+        <p:style>
+          <a:lnRef idx="2">
+            <a:schemeClr val="accent1">
+              <a:shade val="50000"/>
+            </a:schemeClr>
+          </a:lnRef>
+          <a:fillRef idx="1">
+            <a:schemeClr val="accent1"/>
+          </a:fillRef>
+          <a:effectRef idx="0">
+            <a:schemeClr val="accent1"/>
+          </a:effectRef>
+          <a:fontRef idx="minor">
+            <a:schemeClr val="lt1"/>
+          </a:fontRef>
+        </p:style>
+      </p:sp>
+      <p:sp>
+        <p:nvSpPr>
+          <p:cNvPr id="9" name="Rectangle 13">
+            <a:extLst>
+              <a:ext uri="{FF2B5EF4-FFF2-40B4-BE49-F238E27FC236}">
+                <a16:creationId xmlns:a16="http://schemas.microsoft.com/office/drawing/2014/main" id="{9B1ABF09-86CF-414E-88A5-2B84CC7232A9}"/>
+              </a:ext>
+              <a:ext uri="{C183D7F6-B498-43B3-948B-1728B52AA6E4}">
+                <adec:decorative xmlns:adec="http://schemas.microsoft.com/office/drawing/2017/decorative" val="1"/>
+              </a:ext>
+            </a:extLst>
+          </p:cNvPr>
+          <p:cNvSpPr>
+            <a:spLocks noGrp="1" noRot="1" noChangeAspect="1" noMove="1" noResize="1" noEditPoints="1" noAdjustHandles="1" noChangeArrowheads="1" noChangeShapeType="1" noTextEdit="1"/>
+          </p:cNvSpPr>
+          <p:nvPr>
+            <p:extLst>
+              <p:ext uri="{386F3935-93C4-4BCD-93E2-E3B085C9AB24}">
+                <p16:designElem xmlns:p16="http://schemas.microsoft.com/office/powerpoint/2015/main" val="1"/>
+              </p:ext>
+            </p:extLst>
+          </p:nvPr>
+        </p:nvSpPr>
+        <p:spPr>
+          <a:xfrm>
+            <a:off x="763" y="2526526"/>
+            <a:ext cx="1169701" cy="3563378"/>
+          </a:xfrm>
+          <a:prstGeom prst="rect">
+            <a:avLst/>
+          </a:prstGeom>
+          <a:solidFill>
+            <a:srgbClr val="C8C8C8">
+              <a:alpha val="49804"/>
+            </a:srgbClr>
+          </a:solidFill>
+          <a:ln>
+            <a:noFill/>
+          </a:ln>
+        </p:spPr>
+        <p:style>
+          <a:lnRef idx="2">
+            <a:schemeClr val="accent1">
+              <a:shade val="50000"/>
+            </a:schemeClr>
+          </a:lnRef>
+          <a:fillRef idx="1">
+            <a:schemeClr val="accent1"/>
+          </a:fillRef>
+          <a:effectRef idx="0">
+            <a:schemeClr val="accent1"/>
+          </a:effectRef>
+          <a:fontRef idx="minor">
+            <a:schemeClr val="lt1"/>
+          </a:fontRef>
+        </p:style>
+      </p:sp>
+      <p:sp>
+        <p:nvSpPr>
+          <p:cNvPr id="11" name="Rectangle 15">
+            <a:extLst>
+              <a:ext uri="{FF2B5EF4-FFF2-40B4-BE49-F238E27FC236}">
+                <a16:creationId xmlns:a16="http://schemas.microsoft.com/office/drawing/2014/main" id="{3FE91770-CDBB-4D24-94E5-AD484F36CE87}"/>
+              </a:ext>
+              <a:ext uri="{C183D7F6-B498-43B3-948B-1728B52AA6E4}">
+                <adec:decorative xmlns:adec="http://schemas.microsoft.com/office/drawing/2017/decorative" val="1"/>
+              </a:ext>
+            </a:extLst>
+          </p:cNvPr>
+          <p:cNvSpPr>
+            <a:spLocks noGrp="1" noRot="1" noChangeAspect="1" noMove="1" noResize="1" noEditPoints="1" noAdjustHandles="1" noChangeArrowheads="1" noChangeShapeType="1" noTextEdit="1"/>
+          </p:cNvSpPr>
+          <p:nvPr>
+            <p:extLst>
+              <p:ext uri="{386F3935-93C4-4BCD-93E2-E3B085C9AB24}">
+                <p16:designElem xmlns:p16="http://schemas.microsoft.com/office/powerpoint/2015/main" val="1"/>
+              </p:ext>
+            </p:extLst>
+          </p:nvPr>
+        </p:nvSpPr>
+        <p:spPr>
+          <a:xfrm>
+            <a:off x="1279019" y="2526526"/>
+            <a:ext cx="10920893" cy="3563377"/>
+          </a:xfrm>
+          <a:prstGeom prst="rect">
+            <a:avLst/>
+          </a:prstGeom>
+          <a:solidFill>
+            <a:schemeClr val="bg2">
+              <a:lumMod val="60000"/>
+              <a:lumOff val="40000"/>
+              <a:alpha val="60000"/>
+            </a:schemeClr>
+          </a:solidFill>
+          <a:ln>
+            <a:noFill/>
+          </a:ln>
+        </p:spPr>
+        <p:style>
+          <a:lnRef idx="2">
+            <a:schemeClr val="accent1">
+              <a:shade val="50000"/>
+            </a:schemeClr>
+          </a:lnRef>
+          <a:fillRef idx="1">
+            <a:schemeClr val="accent1"/>
+          </a:fillRef>
+          <a:effectRef idx="0">
+            <a:schemeClr val="accent1"/>
+          </a:effectRef>
+          <a:fontRef idx="minor">
+            <a:schemeClr val="lt1"/>
+          </a:fontRef>
+        </p:style>
+        <p:txBody>
+          <a:bodyPr/>
+          <a:lstStyle/>
+          <a:p>
+            <a:endParaRPr lang="en-US" dirty="0"/>
+          </a:p>
+        </p:txBody>
+      </p:sp>
+      <p:sp>
+        <p:nvSpPr>
+          <p:cNvPr id="10" name="TextBox 9">
+            <a:extLst>
+              <a:ext uri="{FF2B5EF4-FFF2-40B4-BE49-F238E27FC236}">
+                <a16:creationId xmlns:a16="http://schemas.microsoft.com/office/drawing/2014/main" id="{E7E1857B-DD12-4EAA-A375-66DFDDF0CACF}"/>
+              </a:ext>
+            </a:extLst>
+          </p:cNvPr>
+          <p:cNvSpPr txBox="1"/>
+          <p:nvPr/>
+        </p:nvSpPr>
+        <p:spPr>
+          <a:xfrm>
+            <a:off x="1279018" y="2526526"/>
+            <a:ext cx="9020921" cy="3077766"/>
+          </a:xfrm>
+          <a:prstGeom prst="rect">
+            <a:avLst/>
+          </a:prstGeom>
+          <a:noFill/>
+        </p:spPr>
+        <p:txBody>
+          <a:bodyPr rot="0" spcFirstLastPara="0" vertOverflow="overflow" horzOverflow="overflow" vert="horz" wrap="square" lIns="91440" tIns="45720" rIns="91440" bIns="45720" numCol="1" spcCol="0" rtlCol="0" fromWordArt="0" anchor="t" anchorCtr="0" forceAA="0" compatLnSpc="1">
+            <a:prstTxWarp prst="textNoShape">
+              <a:avLst/>
+            </a:prstTxWarp>
+            <a:spAutoFit/>
+          </a:bodyPr>
+          <a:lstStyle/>
+          <a:p>
+            <a:r>
+              <a:rPr lang="en-GB" sz="4000" b="1" dirty="0">
+                <a:solidFill>
+                  <a:srgbClr val="FF0000"/>
+                </a:solidFill>
+                <a:latin typeface="Arial"/>
+                <a:cs typeface="Arial"/>
+              </a:rPr>
+              <a:t>Login Page has Two Main Functionalities :</a:t>
+            </a:r>
+          </a:p>
+          <a:p>
+            <a:endParaRPr lang="en-GB" dirty="0">
+              <a:latin typeface="Arial"/>
+              <a:cs typeface="Arial"/>
+            </a:endParaRPr>
+          </a:p>
+          <a:p>
+            <a:r>
+              <a:rPr lang="en-GB" dirty="0">
+                <a:latin typeface="Arial"/>
+                <a:cs typeface="Arial"/>
+              </a:rPr>
+              <a:t>                                                     </a:t>
+            </a:r>
+            <a:r>
+              <a:rPr lang="en-GB" sz="2800" b="1" dirty="0">
+                <a:solidFill>
+                  <a:schemeClr val="accent5">
+                    <a:lumMod val="50000"/>
+                  </a:schemeClr>
+                </a:solidFill>
+                <a:latin typeface="Arial"/>
+                <a:cs typeface="Arial"/>
+              </a:rPr>
+              <a:t>1)  L</a:t>
+            </a:r>
+            <a:r>
+              <a:rPr lang="en-GB" sz="2800" b="1" dirty="0">
+                <a:solidFill>
+                  <a:schemeClr val="accent1">
+                    <a:lumMod val="50000"/>
+                  </a:schemeClr>
+                </a:solidFill>
+                <a:latin typeface="Arial"/>
+                <a:cs typeface="Arial"/>
+              </a:rPr>
+              <a:t>ogin</a:t>
+            </a:r>
+          </a:p>
+          <a:p>
+            <a:r>
+              <a:rPr lang="en-GB" sz="2800" b="1" dirty="0">
+                <a:solidFill>
+                  <a:schemeClr val="accent1">
+                    <a:lumMod val="50000"/>
+                  </a:schemeClr>
+                </a:solidFill>
+                <a:latin typeface="Arial"/>
+                <a:cs typeface="Arial"/>
+              </a:rPr>
+              <a:t>                                  2) Registe</a:t>
+            </a:r>
+            <a:r>
+              <a:rPr lang="en-GB" sz="2800" b="1" dirty="0">
+                <a:solidFill>
+                  <a:schemeClr val="accent5">
+                    <a:lumMod val="50000"/>
+                  </a:schemeClr>
+                </a:solidFill>
+                <a:latin typeface="Arial"/>
+                <a:cs typeface="Arial"/>
+              </a:rPr>
+              <a:t>r</a:t>
+            </a:r>
+          </a:p>
+          <a:p>
+            <a:endParaRPr lang="en-GB" sz="4000" b="1" dirty="0">
+              <a:solidFill>
+                <a:srgbClr val="FF0000"/>
+              </a:solidFill>
+              <a:latin typeface="Arial"/>
+              <a:cs typeface="Arial"/>
+            </a:endParaRPr>
+          </a:p>
+        </p:txBody>
+      </p:sp>
+    </p:spTree>
+    <p:extLst>
+      <p:ext uri="{BB962C8B-B14F-4D97-AF65-F5344CB8AC3E}">
+        <p14:creationId xmlns:p14="http://schemas.microsoft.com/office/powerpoint/2010/main" val="1027413117"/>
+      </p:ext>
+    </p:extLst>
+  </p:cSld>
+  <p:clrMapOvr>
+    <a:masterClrMapping/>
+  </p:clrMapOvr>
+</p:sld>
+</file>
+
+<file path=ppt/slides/slide19.xml><?xml version="1.0" encoding="utf-8"?>
+<p:sld xmlns:a="http://schemas.openxmlformats.org/drawingml/2006/main" xmlns:r="http://schemas.openxmlformats.org/officeDocument/2006/relationships" xmlns:p="http://schemas.openxmlformats.org/presentationml/2006/main">
+  <p:cSld>
+    <p:bg>
+      <p:bgPr>
+        <a:solidFill>
+          <a:schemeClr val="bg1"/>
+        </a:solidFill>
+        <a:effectLst/>
+      </p:bgPr>
+    </p:bg>
+    <p:spTree>
+      <p:nvGrpSpPr>
+        <p:cNvPr id="1" name=""/>
+        <p:cNvGrpSpPr/>
+        <p:nvPr/>
+      </p:nvGrpSpPr>
+      <p:grpSpPr>
+        <a:xfrm>
+          <a:off x="0" y="0"/>
+          <a:ext cx="0" cy="0"/>
+          <a:chOff x="0" y="0"/>
+          <a:chExt cx="0" cy="0"/>
+        </a:xfrm>
+      </p:grpSpPr>
+      <p:sp useBgFill="1">
+        <p:nvSpPr>
+          <p:cNvPr id="5" name="Rectangle 7">
+            <a:extLst>
+              <a:ext uri="{FF2B5EF4-FFF2-40B4-BE49-F238E27FC236}">
+                <a16:creationId xmlns:a16="http://schemas.microsoft.com/office/drawing/2014/main" id="{29DC5A77-10C9-4ECF-B7EB-8D917F36A9EE}"/>
+              </a:ext>
+              <a:ext uri="{C183D7F6-B498-43B3-948B-1728B52AA6E4}">
+                <adec:decorative xmlns:adec="http://schemas.microsoft.com/office/drawing/2017/decorative" val="1"/>
+              </a:ext>
+            </a:extLst>
+          </p:cNvPr>
+          <p:cNvSpPr>
+            <a:spLocks noGrp="1" noRot="1" noChangeAspect="1" noMove="1" noResize="1" noEditPoints="1" noAdjustHandles="1" noChangeArrowheads="1" noChangeShapeType="1" noTextEdit="1"/>
+          </p:cNvSpPr>
+          <p:nvPr>
+            <p:extLst>
+              <p:ext uri="{386F3935-93C4-4BCD-93E2-E3B085C9AB24}">
+                <p16:designElem xmlns:p16="http://schemas.microsoft.com/office/powerpoint/2015/main" val="1"/>
+              </p:ext>
+            </p:extLst>
+          </p:nvPr>
+        </p:nvSpPr>
+        <p:spPr>
+          <a:xfrm>
+            <a:off x="0" y="0"/>
+            <a:ext cx="12192000" cy="6858000"/>
+          </a:xfrm>
+          <a:prstGeom prst="rect">
+            <a:avLst/>
+          </a:prstGeom>
+          <a:ln>
+            <a:noFill/>
+          </a:ln>
+        </p:spPr>
+        <p:style>
+          <a:lnRef idx="2">
+            <a:schemeClr val="accent1">
+              <a:shade val="50000"/>
+            </a:schemeClr>
+          </a:lnRef>
+          <a:fillRef idx="1">
+            <a:schemeClr val="accent1"/>
+          </a:fillRef>
+          <a:effectRef idx="0">
+            <a:schemeClr val="accent1"/>
+          </a:effectRef>
+          <a:fontRef idx="minor">
+            <a:schemeClr val="lt1"/>
+          </a:fontRef>
+        </p:style>
+        <p:txBody>
+          <a:bodyPr rtlCol="0" anchor="ctr"/>
+          <a:lstStyle/>
+          <a:p>
+            <a:pPr algn="ctr"/>
+            <a:endParaRPr lang="en-US"/>
+          </a:p>
+        </p:txBody>
+      </p:sp>
+      <p:sp>
+        <p:nvSpPr>
+          <p:cNvPr id="6" name="Rectangle 9">
+            <a:extLst>
+              <a:ext uri="{FF2B5EF4-FFF2-40B4-BE49-F238E27FC236}">
+                <a16:creationId xmlns:a16="http://schemas.microsoft.com/office/drawing/2014/main" id="{2FFE28B5-FB16-49A9-B851-3C35FAC0CACB}"/>
+              </a:ext>
+              <a:ext uri="{C183D7F6-B498-43B3-948B-1728B52AA6E4}">
+                <adec:decorative xmlns:adec="http://schemas.microsoft.com/office/drawing/2017/decorative" val="1"/>
+              </a:ext>
+            </a:extLst>
+          </p:cNvPr>
+          <p:cNvSpPr>
+            <a:spLocks noGrp="1" noRot="1" noChangeAspect="1" noMove="1" noResize="1" noEditPoints="1" noAdjustHandles="1" noChangeArrowheads="1" noChangeShapeType="1" noTextEdit="1"/>
+          </p:cNvSpPr>
+          <p:nvPr>
+            <p:extLst>
+              <p:ext uri="{386F3935-93C4-4BCD-93E2-E3B085C9AB24}">
+                <p16:designElem xmlns:p16="http://schemas.microsoft.com/office/powerpoint/2015/main" val="1"/>
+              </p:ext>
+            </p:extLst>
+          </p:nvPr>
+        </p:nvSpPr>
+        <p:spPr>
+          <a:xfrm>
+            <a:off x="1" y="758952"/>
+            <a:ext cx="10905976" cy="1651133"/>
+          </a:xfrm>
+          <a:prstGeom prst="rect">
+            <a:avLst/>
+          </a:prstGeom>
+          <a:solidFill>
+            <a:schemeClr val="accent1"/>
+          </a:solidFill>
+          <a:ln>
+            <a:noFill/>
+          </a:ln>
+        </p:spPr>
+        <p:style>
+          <a:lnRef idx="2">
+            <a:schemeClr val="accent1">
+              <a:shade val="50000"/>
+            </a:schemeClr>
+          </a:lnRef>
+          <a:fillRef idx="1">
+            <a:schemeClr val="accent1"/>
+          </a:fillRef>
+          <a:effectRef idx="0">
+            <a:schemeClr val="accent1"/>
+          </a:effectRef>
+          <a:fontRef idx="minor">
+            <a:schemeClr val="lt1"/>
+          </a:fontRef>
+        </p:style>
+        <p:txBody>
+          <a:bodyPr/>
+          <a:lstStyle/>
+          <a:p>
+            <a:endParaRPr lang="en-US" dirty="0"/>
+          </a:p>
+        </p:txBody>
+      </p:sp>
+      <p:sp>
+        <p:nvSpPr>
+          <p:cNvPr id="2" name="Title 1">
+            <a:extLst>
+              <a:ext uri="{FF2B5EF4-FFF2-40B4-BE49-F238E27FC236}">
+                <a16:creationId xmlns:a16="http://schemas.microsoft.com/office/drawing/2014/main" id="{42CA5B38-EBAF-4C64-91A1-6E5300D607D5}"/>
+              </a:ext>
+            </a:extLst>
+          </p:cNvPr>
+          <p:cNvSpPr>
+            <a:spLocks noGrp="1"/>
+          </p:cNvSpPr>
+          <p:nvPr>
+            <p:ph type="title"/>
+          </p:nvPr>
+        </p:nvSpPr>
+        <p:spPr>
+          <a:xfrm>
+            <a:off x="1600754" y="1087374"/>
+            <a:ext cx="8983489" cy="1000978"/>
+          </a:xfrm>
+        </p:spPr>
+        <p:txBody>
+          <a:bodyPr vert="horz" lIns="91440" tIns="45720" rIns="91440" bIns="45720" rtlCol="0">
+            <a:normAutofit/>
+          </a:bodyPr>
+          <a:lstStyle/>
+          <a:p>
+            <a:r>
+              <a:rPr lang="en-US" b="1" spc="-100" dirty="0"/>
+              <a:t>                                     LOGIN PAGE</a:t>
+            </a:r>
+            <a:endParaRPr lang="en-US" dirty="0"/>
+          </a:p>
+        </p:txBody>
+      </p:sp>
+      <p:sp>
+        <p:nvSpPr>
+          <p:cNvPr id="7" name="Rectangle 11">
+            <a:extLst>
+              <a:ext uri="{FF2B5EF4-FFF2-40B4-BE49-F238E27FC236}">
+                <a16:creationId xmlns:a16="http://schemas.microsoft.com/office/drawing/2014/main" id="{01014442-855A-4E0F-8D09-C314661A48B9}"/>
+              </a:ext>
+              <a:ext uri="{C183D7F6-B498-43B3-948B-1728B52AA6E4}">
+                <adec:decorative xmlns:adec="http://schemas.microsoft.com/office/drawing/2017/decorative" val="1"/>
+              </a:ext>
+            </a:extLst>
+          </p:cNvPr>
+          <p:cNvSpPr>
+            <a:spLocks noGrp="1" noRot="1" noChangeAspect="1" noMove="1" noResize="1" noEditPoints="1" noAdjustHandles="1" noChangeArrowheads="1" noChangeShapeType="1" noTextEdit="1"/>
+          </p:cNvSpPr>
+          <p:nvPr>
+            <p:extLst>
+              <p:ext uri="{386F3935-93C4-4BCD-93E2-E3B085C9AB24}">
+                <p16:designElem xmlns:p16="http://schemas.microsoft.com/office/powerpoint/2015/main" val="1"/>
+              </p:ext>
+            </p:extLst>
+          </p:nvPr>
+        </p:nvSpPr>
+        <p:spPr>
+          <a:xfrm>
+            <a:off x="11014533" y="758952"/>
+            <a:ext cx="1185379" cy="1651133"/>
+          </a:xfrm>
+          <a:prstGeom prst="rect">
+            <a:avLst/>
+          </a:prstGeom>
+          <a:solidFill>
+            <a:srgbClr val="C8C8C8">
+              <a:alpha val="49804"/>
+            </a:srgbClr>
+          </a:solidFill>
+          <a:ln>
+            <a:noFill/>
+          </a:ln>
+        </p:spPr>
+        <p:style>
+          <a:lnRef idx="2">
+            <a:schemeClr val="accent1">
+              <a:shade val="50000"/>
+            </a:schemeClr>
+          </a:lnRef>
+          <a:fillRef idx="1">
+            <a:schemeClr val="accent1"/>
+          </a:fillRef>
+          <a:effectRef idx="0">
+            <a:schemeClr val="accent1"/>
+          </a:effectRef>
+          <a:fontRef idx="minor">
+            <a:schemeClr val="lt1"/>
+          </a:fontRef>
+        </p:style>
+      </p:sp>
+      <p:sp>
+        <p:nvSpPr>
+          <p:cNvPr id="9" name="Rectangle 13">
+            <a:extLst>
+              <a:ext uri="{FF2B5EF4-FFF2-40B4-BE49-F238E27FC236}">
+                <a16:creationId xmlns:a16="http://schemas.microsoft.com/office/drawing/2014/main" id="{9B1ABF09-86CF-414E-88A5-2B84CC7232A9}"/>
+              </a:ext>
+              <a:ext uri="{C183D7F6-B498-43B3-948B-1728B52AA6E4}">
+                <adec:decorative xmlns:adec="http://schemas.microsoft.com/office/drawing/2017/decorative" val="1"/>
+              </a:ext>
+            </a:extLst>
+          </p:cNvPr>
+          <p:cNvSpPr>
+            <a:spLocks noGrp="1" noRot="1" noChangeAspect="1" noMove="1" noResize="1" noEditPoints="1" noAdjustHandles="1" noChangeArrowheads="1" noChangeShapeType="1" noTextEdit="1"/>
+          </p:cNvSpPr>
+          <p:nvPr>
+            <p:extLst>
+              <p:ext uri="{386F3935-93C4-4BCD-93E2-E3B085C9AB24}">
+                <p16:designElem xmlns:p16="http://schemas.microsoft.com/office/powerpoint/2015/main" val="1"/>
+              </p:ext>
+            </p:extLst>
+          </p:nvPr>
+        </p:nvSpPr>
+        <p:spPr>
+          <a:xfrm>
+            <a:off x="763" y="2526526"/>
+            <a:ext cx="1169701" cy="3563378"/>
+          </a:xfrm>
+          <a:prstGeom prst="rect">
+            <a:avLst/>
+          </a:prstGeom>
+          <a:solidFill>
+            <a:srgbClr val="C8C8C8">
+              <a:alpha val="49804"/>
+            </a:srgbClr>
+          </a:solidFill>
+          <a:ln>
+            <a:noFill/>
+          </a:ln>
+        </p:spPr>
+        <p:style>
+          <a:lnRef idx="2">
+            <a:schemeClr val="accent1">
+              <a:shade val="50000"/>
+            </a:schemeClr>
+          </a:lnRef>
+          <a:fillRef idx="1">
+            <a:schemeClr val="accent1"/>
+          </a:fillRef>
+          <a:effectRef idx="0">
+            <a:schemeClr val="accent1"/>
+          </a:effectRef>
+          <a:fontRef idx="minor">
+            <a:schemeClr val="lt1"/>
+          </a:fontRef>
+        </p:style>
+      </p:sp>
+      <p:sp>
+        <p:nvSpPr>
+          <p:cNvPr id="11" name="Rectangle 15">
+            <a:extLst>
+              <a:ext uri="{FF2B5EF4-FFF2-40B4-BE49-F238E27FC236}">
+                <a16:creationId xmlns:a16="http://schemas.microsoft.com/office/drawing/2014/main" id="{3FE91770-CDBB-4D24-94E5-AD484F36CE87}"/>
+              </a:ext>
+              <a:ext uri="{C183D7F6-B498-43B3-948B-1728B52AA6E4}">
+                <adec:decorative xmlns:adec="http://schemas.microsoft.com/office/drawing/2017/decorative" val="1"/>
+              </a:ext>
+            </a:extLst>
+          </p:cNvPr>
+          <p:cNvSpPr>
+            <a:spLocks noGrp="1" noRot="1" noChangeAspect="1" noMove="1" noResize="1" noEditPoints="1" noAdjustHandles="1" noChangeArrowheads="1" noChangeShapeType="1" noTextEdit="1"/>
+          </p:cNvSpPr>
+          <p:nvPr>
+            <p:extLst>
+              <p:ext uri="{386F3935-93C4-4BCD-93E2-E3B085C9AB24}">
+                <p16:designElem xmlns:p16="http://schemas.microsoft.com/office/powerpoint/2015/main" val="1"/>
+              </p:ext>
+            </p:extLst>
+          </p:nvPr>
+        </p:nvSpPr>
+        <p:spPr>
+          <a:xfrm>
+            <a:off x="1279019" y="2526526"/>
+            <a:ext cx="10920893" cy="3563377"/>
+          </a:xfrm>
+          <a:prstGeom prst="rect">
+            <a:avLst/>
+          </a:prstGeom>
+          <a:solidFill>
+            <a:schemeClr val="bg2">
+              <a:lumMod val="60000"/>
+              <a:lumOff val="40000"/>
+              <a:alpha val="60000"/>
+            </a:schemeClr>
+          </a:solidFill>
+          <a:ln>
+            <a:noFill/>
+          </a:ln>
+        </p:spPr>
+        <p:style>
+          <a:lnRef idx="2">
+            <a:schemeClr val="accent1">
+              <a:shade val="50000"/>
+            </a:schemeClr>
+          </a:lnRef>
+          <a:fillRef idx="1">
+            <a:schemeClr val="accent1"/>
+          </a:fillRef>
+          <a:effectRef idx="0">
+            <a:schemeClr val="accent1"/>
+          </a:effectRef>
+          <a:fontRef idx="minor">
+            <a:schemeClr val="lt1"/>
+          </a:fontRef>
+        </p:style>
+        <p:txBody>
+          <a:bodyPr/>
+          <a:lstStyle/>
+          <a:p>
+            <a:endParaRPr lang="en-US" dirty="0"/>
+          </a:p>
+        </p:txBody>
+      </p:sp>
+      <p:pic>
+        <p:nvPicPr>
+          <p:cNvPr id="4" name="Picture 7" descr="A screenshot of a cell phone&#10;&#10;Description generated with very high confidence">
+            <a:extLst>
+              <a:ext uri="{FF2B5EF4-FFF2-40B4-BE49-F238E27FC236}">
+                <a16:creationId xmlns:a16="http://schemas.microsoft.com/office/drawing/2014/main" id="{D2811A1E-9639-4506-A634-34974AA1F74B}"/>
+              </a:ext>
+            </a:extLst>
+          </p:cNvPr>
+          <p:cNvPicPr>
+            <a:picLocks noGrp="1" noChangeAspect="1"/>
+          </p:cNvPicPr>
+          <p:nvPr>
+            <p:ph idx="1"/>
+          </p:nvPr>
+        </p:nvPicPr>
+        <p:blipFill>
+          <a:blip r:embed="rId2"/>
+          <a:stretch>
+            <a:fillRect/>
+          </a:stretch>
+        </p:blipFill>
+        <p:spPr>
+          <a:xfrm>
+            <a:off x="3341445" y="2535446"/>
+            <a:ext cx="5502105" cy="3554457"/>
+          </a:xfrm>
+        </p:spPr>
+      </p:pic>
+    </p:spTree>
+    <p:extLst>
+      <p:ext uri="{BB962C8B-B14F-4D97-AF65-F5344CB8AC3E}">
+        <p14:creationId xmlns:p14="http://schemas.microsoft.com/office/powerpoint/2010/main" val="693765278"/>
+      </p:ext>
+    </p:extLst>
+  </p:cSld>
+  <p:clrMapOvr>
+    <a:masterClrMapping/>
+  </p:clrMapOvr>
+</p:sld>
+</file>
+
+<file path=ppt/slides/slide2.xml><?xml version="1.0" encoding="utf-8"?>
 <p:sld xmlns:a="http://schemas.openxmlformats.org/drawingml/2006/main" xmlns:r="http://schemas.openxmlformats.org/officeDocument/2006/relationships" xmlns:p="http://schemas.openxmlformats.org/presentationml/2006/main">
   <p:cSld>
     <p:bg>
@@ -7390,994 +9806,6 @@
                   <a:srgbClr val="C00000"/>
                 </a:solidFill>
               </a:rPr>
-              <a:t>ARCHITECURE DIAGRAM</a:t>
-            </a:r>
-            <a:endParaRPr lang="en-US" sz="5900" b="1" spc="-100" dirty="0">
-              <a:solidFill>
-                <a:srgbClr val="C00000"/>
-              </a:solidFill>
-            </a:endParaRPr>
-          </a:p>
-        </p:txBody>
-      </p:sp>
-    </p:spTree>
-    <p:extLst>
-      <p:ext uri="{BB962C8B-B14F-4D97-AF65-F5344CB8AC3E}">
-        <p14:creationId xmlns:p14="http://schemas.microsoft.com/office/powerpoint/2010/main" val="2924325439"/>
-      </p:ext>
-    </p:extLst>
-  </p:cSld>
-  <p:clrMapOvr>
-    <a:masterClrMapping/>
-  </p:clrMapOvr>
-</p:sld>
-</file>
-
-<file path=ppt/slides/slide18.xml><?xml version="1.0" encoding="utf-8"?>
-<p:sld xmlns:a="http://schemas.openxmlformats.org/drawingml/2006/main" xmlns:r="http://schemas.openxmlformats.org/officeDocument/2006/relationships" xmlns:p="http://schemas.openxmlformats.org/presentationml/2006/main">
-  <p:cSld>
-    <p:spTree>
-      <p:nvGrpSpPr>
-        <p:cNvPr id="1" name=""/>
-        <p:cNvGrpSpPr/>
-        <p:nvPr/>
-      </p:nvGrpSpPr>
-      <p:grpSpPr>
-        <a:xfrm>
-          <a:off x="0" y="0"/>
-          <a:ext cx="0" cy="0"/>
-          <a:chOff x="0" y="0"/>
-          <a:chExt cx="0" cy="0"/>
-        </a:xfrm>
-      </p:grpSpPr>
-      <p:pic>
-        <p:nvPicPr>
-          <p:cNvPr id="2" name="Picture 2" descr="A close up of a map&#10;&#10;Description generated with very high confidence">
-            <a:extLst>
-              <a:ext uri="{FF2B5EF4-FFF2-40B4-BE49-F238E27FC236}">
-                <a16:creationId xmlns:a16="http://schemas.microsoft.com/office/drawing/2014/main" id="{4B04C00E-4812-4B85-94B1-EE63CF7F91B9}"/>
-              </a:ext>
-            </a:extLst>
-          </p:cNvPr>
-          <p:cNvPicPr>
-            <a:picLocks noChangeAspect="1"/>
-          </p:cNvPicPr>
-          <p:nvPr/>
-        </p:nvPicPr>
-        <p:blipFill>
-          <a:blip r:embed="rId2"/>
-          <a:stretch>
-            <a:fillRect/>
-          </a:stretch>
-        </p:blipFill>
-        <p:spPr>
-          <a:xfrm>
-            <a:off x="8628" y="767818"/>
-            <a:ext cx="12189123" cy="5307986"/>
-          </a:xfrm>
-          <a:prstGeom prst="rect">
-            <a:avLst/>
-          </a:prstGeom>
-        </p:spPr>
-      </p:pic>
-    </p:spTree>
-    <p:extLst>
-      <p:ext uri="{BB962C8B-B14F-4D97-AF65-F5344CB8AC3E}">
-        <p14:creationId xmlns:p14="http://schemas.microsoft.com/office/powerpoint/2010/main" val="3854704298"/>
-      </p:ext>
-    </p:extLst>
-  </p:cSld>
-  <p:clrMapOvr>
-    <a:masterClrMapping/>
-  </p:clrMapOvr>
-</p:sld>
-</file>
-
-<file path=ppt/slides/slide19.xml><?xml version="1.0" encoding="utf-8"?>
-<p:sld xmlns:a="http://schemas.openxmlformats.org/drawingml/2006/main" xmlns:r="http://schemas.openxmlformats.org/officeDocument/2006/relationships" xmlns:p="http://schemas.openxmlformats.org/presentationml/2006/main">
-  <p:cSld>
-    <p:bg>
-      <p:bgPr>
-        <a:solidFill>
-          <a:schemeClr val="bg1"/>
-        </a:solidFill>
-        <a:effectLst/>
-      </p:bgPr>
-    </p:bg>
-    <p:spTree>
-      <p:nvGrpSpPr>
-        <p:cNvPr id="1" name=""/>
-        <p:cNvGrpSpPr/>
-        <p:nvPr/>
-      </p:nvGrpSpPr>
-      <p:grpSpPr>
-        <a:xfrm>
-          <a:off x="0" y="0"/>
-          <a:ext cx="0" cy="0"/>
-          <a:chOff x="0" y="0"/>
-          <a:chExt cx="0" cy="0"/>
-        </a:xfrm>
-      </p:grpSpPr>
-      <p:sp useBgFill="1">
-        <p:nvSpPr>
-          <p:cNvPr id="5" name="Rectangle 7">
-            <a:extLst>
-              <a:ext uri="{FF2B5EF4-FFF2-40B4-BE49-F238E27FC236}">
-                <a16:creationId xmlns:a16="http://schemas.microsoft.com/office/drawing/2014/main" id="{29DC5A77-10C9-4ECF-B7EB-8D917F36A9EE}"/>
-              </a:ext>
-              <a:ext uri="{C183D7F6-B498-43B3-948B-1728B52AA6E4}">
-                <adec:decorative xmlns:adec="http://schemas.microsoft.com/office/drawing/2017/decorative" val="1"/>
-              </a:ext>
-            </a:extLst>
-          </p:cNvPr>
-          <p:cNvSpPr>
-            <a:spLocks noGrp="1" noRot="1" noChangeAspect="1" noMove="1" noResize="1" noEditPoints="1" noAdjustHandles="1" noChangeArrowheads="1" noChangeShapeType="1" noTextEdit="1"/>
-          </p:cNvSpPr>
-          <p:nvPr>
-            <p:extLst>
-              <p:ext uri="{386F3935-93C4-4BCD-93E2-E3B085C9AB24}">
-                <p16:designElem xmlns:p16="http://schemas.microsoft.com/office/powerpoint/2015/main" val="1"/>
-              </p:ext>
-            </p:extLst>
-          </p:nvPr>
-        </p:nvSpPr>
-        <p:spPr>
-          <a:xfrm>
-            <a:off x="0" y="0"/>
-            <a:ext cx="12192000" cy="6858000"/>
-          </a:xfrm>
-          <a:prstGeom prst="rect">
-            <a:avLst/>
-          </a:prstGeom>
-          <a:ln>
-            <a:noFill/>
-          </a:ln>
-        </p:spPr>
-        <p:style>
-          <a:lnRef idx="2">
-            <a:schemeClr val="accent1">
-              <a:shade val="50000"/>
-            </a:schemeClr>
-          </a:lnRef>
-          <a:fillRef idx="1">
-            <a:schemeClr val="accent1"/>
-          </a:fillRef>
-          <a:effectRef idx="0">
-            <a:schemeClr val="accent1"/>
-          </a:effectRef>
-          <a:fontRef idx="minor">
-            <a:schemeClr val="lt1"/>
-          </a:fontRef>
-        </p:style>
-        <p:txBody>
-          <a:bodyPr rtlCol="0" anchor="ctr"/>
-          <a:lstStyle/>
-          <a:p>
-            <a:pPr algn="ctr"/>
-            <a:endParaRPr lang="en-US"/>
-          </a:p>
-        </p:txBody>
-      </p:sp>
-      <p:sp>
-        <p:nvSpPr>
-          <p:cNvPr id="6" name="Rectangle 9">
-            <a:extLst>
-              <a:ext uri="{FF2B5EF4-FFF2-40B4-BE49-F238E27FC236}">
-                <a16:creationId xmlns:a16="http://schemas.microsoft.com/office/drawing/2014/main" id="{2FFE28B5-FB16-49A9-B851-3C35FAC0CACB}"/>
-              </a:ext>
-              <a:ext uri="{C183D7F6-B498-43B3-948B-1728B52AA6E4}">
-                <adec:decorative xmlns:adec="http://schemas.microsoft.com/office/drawing/2017/decorative" val="1"/>
-              </a:ext>
-            </a:extLst>
-          </p:cNvPr>
-          <p:cNvSpPr>
-            <a:spLocks noGrp="1" noRot="1" noChangeAspect="1" noMove="1" noResize="1" noEditPoints="1" noAdjustHandles="1" noChangeArrowheads="1" noChangeShapeType="1" noTextEdit="1"/>
-          </p:cNvSpPr>
-          <p:nvPr>
-            <p:extLst>
-              <p:ext uri="{386F3935-93C4-4BCD-93E2-E3B085C9AB24}">
-                <p16:designElem xmlns:p16="http://schemas.microsoft.com/office/powerpoint/2015/main" val="1"/>
-              </p:ext>
-            </p:extLst>
-          </p:nvPr>
-        </p:nvSpPr>
-        <p:spPr>
-          <a:xfrm>
-            <a:off x="1" y="758952"/>
-            <a:ext cx="10905976" cy="1651133"/>
-          </a:xfrm>
-          <a:prstGeom prst="rect">
-            <a:avLst/>
-          </a:prstGeom>
-          <a:solidFill>
-            <a:schemeClr val="accent1"/>
-          </a:solidFill>
-          <a:ln>
-            <a:noFill/>
-          </a:ln>
-        </p:spPr>
-        <p:style>
-          <a:lnRef idx="2">
-            <a:schemeClr val="accent1">
-              <a:shade val="50000"/>
-            </a:schemeClr>
-          </a:lnRef>
-          <a:fillRef idx="1">
-            <a:schemeClr val="accent1"/>
-          </a:fillRef>
-          <a:effectRef idx="0">
-            <a:schemeClr val="accent1"/>
-          </a:effectRef>
-          <a:fontRef idx="minor">
-            <a:schemeClr val="lt1"/>
-          </a:fontRef>
-        </p:style>
-        <p:txBody>
-          <a:bodyPr/>
-          <a:lstStyle/>
-          <a:p>
-            <a:endParaRPr lang="en-US" dirty="0"/>
-          </a:p>
-        </p:txBody>
-      </p:sp>
-      <p:sp>
-        <p:nvSpPr>
-          <p:cNvPr id="2" name="Title 1">
-            <a:extLst>
-              <a:ext uri="{FF2B5EF4-FFF2-40B4-BE49-F238E27FC236}">
-                <a16:creationId xmlns:a16="http://schemas.microsoft.com/office/drawing/2014/main" id="{42CA5B38-EBAF-4C64-91A1-6E5300D607D5}"/>
-              </a:ext>
-            </a:extLst>
-          </p:cNvPr>
-          <p:cNvSpPr>
-            <a:spLocks noGrp="1"/>
-          </p:cNvSpPr>
-          <p:nvPr>
-            <p:ph type="title"/>
-          </p:nvPr>
-        </p:nvSpPr>
-        <p:spPr>
-          <a:xfrm>
-            <a:off x="1600754" y="1087374"/>
-            <a:ext cx="8983489" cy="1000978"/>
-          </a:xfrm>
-        </p:spPr>
-        <p:txBody>
-          <a:bodyPr vert="horz" lIns="91440" tIns="45720" rIns="91440" bIns="45720" rtlCol="0">
-            <a:normAutofit/>
-          </a:bodyPr>
-          <a:lstStyle/>
-          <a:p>
-            <a:r>
-              <a:rPr lang="en-US" b="1" spc="-100" dirty="0"/>
-              <a:t>                                     LOGIN PAGE</a:t>
-            </a:r>
-            <a:endParaRPr lang="en-US" dirty="0"/>
-          </a:p>
-        </p:txBody>
-      </p:sp>
-      <p:sp>
-        <p:nvSpPr>
-          <p:cNvPr id="7" name="Rectangle 11">
-            <a:extLst>
-              <a:ext uri="{FF2B5EF4-FFF2-40B4-BE49-F238E27FC236}">
-                <a16:creationId xmlns:a16="http://schemas.microsoft.com/office/drawing/2014/main" id="{01014442-855A-4E0F-8D09-C314661A48B9}"/>
-              </a:ext>
-              <a:ext uri="{C183D7F6-B498-43B3-948B-1728B52AA6E4}">
-                <adec:decorative xmlns:adec="http://schemas.microsoft.com/office/drawing/2017/decorative" val="1"/>
-              </a:ext>
-            </a:extLst>
-          </p:cNvPr>
-          <p:cNvSpPr>
-            <a:spLocks noGrp="1" noRot="1" noChangeAspect="1" noMove="1" noResize="1" noEditPoints="1" noAdjustHandles="1" noChangeArrowheads="1" noChangeShapeType="1" noTextEdit="1"/>
-          </p:cNvSpPr>
-          <p:nvPr>
-            <p:extLst>
-              <p:ext uri="{386F3935-93C4-4BCD-93E2-E3B085C9AB24}">
-                <p16:designElem xmlns:p16="http://schemas.microsoft.com/office/powerpoint/2015/main" val="1"/>
-              </p:ext>
-            </p:extLst>
-          </p:nvPr>
-        </p:nvSpPr>
-        <p:spPr>
-          <a:xfrm>
-            <a:off x="11014533" y="758952"/>
-            <a:ext cx="1185379" cy="1651133"/>
-          </a:xfrm>
-          <a:prstGeom prst="rect">
-            <a:avLst/>
-          </a:prstGeom>
-          <a:solidFill>
-            <a:srgbClr val="C8C8C8">
-              <a:alpha val="49804"/>
-            </a:srgbClr>
-          </a:solidFill>
-          <a:ln>
-            <a:noFill/>
-          </a:ln>
-        </p:spPr>
-        <p:style>
-          <a:lnRef idx="2">
-            <a:schemeClr val="accent1">
-              <a:shade val="50000"/>
-            </a:schemeClr>
-          </a:lnRef>
-          <a:fillRef idx="1">
-            <a:schemeClr val="accent1"/>
-          </a:fillRef>
-          <a:effectRef idx="0">
-            <a:schemeClr val="accent1"/>
-          </a:effectRef>
-          <a:fontRef idx="minor">
-            <a:schemeClr val="lt1"/>
-          </a:fontRef>
-        </p:style>
-      </p:sp>
-      <p:sp>
-        <p:nvSpPr>
-          <p:cNvPr id="9" name="Rectangle 13">
-            <a:extLst>
-              <a:ext uri="{FF2B5EF4-FFF2-40B4-BE49-F238E27FC236}">
-                <a16:creationId xmlns:a16="http://schemas.microsoft.com/office/drawing/2014/main" id="{9B1ABF09-86CF-414E-88A5-2B84CC7232A9}"/>
-              </a:ext>
-              <a:ext uri="{C183D7F6-B498-43B3-948B-1728B52AA6E4}">
-                <adec:decorative xmlns:adec="http://schemas.microsoft.com/office/drawing/2017/decorative" val="1"/>
-              </a:ext>
-            </a:extLst>
-          </p:cNvPr>
-          <p:cNvSpPr>
-            <a:spLocks noGrp="1" noRot="1" noChangeAspect="1" noMove="1" noResize="1" noEditPoints="1" noAdjustHandles="1" noChangeArrowheads="1" noChangeShapeType="1" noTextEdit="1"/>
-          </p:cNvSpPr>
-          <p:nvPr>
-            <p:extLst>
-              <p:ext uri="{386F3935-93C4-4BCD-93E2-E3B085C9AB24}">
-                <p16:designElem xmlns:p16="http://schemas.microsoft.com/office/powerpoint/2015/main" val="1"/>
-              </p:ext>
-            </p:extLst>
-          </p:nvPr>
-        </p:nvSpPr>
-        <p:spPr>
-          <a:xfrm>
-            <a:off x="763" y="2526526"/>
-            <a:ext cx="1169701" cy="3563378"/>
-          </a:xfrm>
-          <a:prstGeom prst="rect">
-            <a:avLst/>
-          </a:prstGeom>
-          <a:solidFill>
-            <a:srgbClr val="C8C8C8">
-              <a:alpha val="49804"/>
-            </a:srgbClr>
-          </a:solidFill>
-          <a:ln>
-            <a:noFill/>
-          </a:ln>
-        </p:spPr>
-        <p:style>
-          <a:lnRef idx="2">
-            <a:schemeClr val="accent1">
-              <a:shade val="50000"/>
-            </a:schemeClr>
-          </a:lnRef>
-          <a:fillRef idx="1">
-            <a:schemeClr val="accent1"/>
-          </a:fillRef>
-          <a:effectRef idx="0">
-            <a:schemeClr val="accent1"/>
-          </a:effectRef>
-          <a:fontRef idx="minor">
-            <a:schemeClr val="lt1"/>
-          </a:fontRef>
-        </p:style>
-      </p:sp>
-      <p:sp>
-        <p:nvSpPr>
-          <p:cNvPr id="11" name="Rectangle 15">
-            <a:extLst>
-              <a:ext uri="{FF2B5EF4-FFF2-40B4-BE49-F238E27FC236}">
-                <a16:creationId xmlns:a16="http://schemas.microsoft.com/office/drawing/2014/main" id="{3FE91770-CDBB-4D24-94E5-AD484F36CE87}"/>
-              </a:ext>
-              <a:ext uri="{C183D7F6-B498-43B3-948B-1728B52AA6E4}">
-                <adec:decorative xmlns:adec="http://schemas.microsoft.com/office/drawing/2017/decorative" val="1"/>
-              </a:ext>
-            </a:extLst>
-          </p:cNvPr>
-          <p:cNvSpPr>
-            <a:spLocks noGrp="1" noRot="1" noChangeAspect="1" noMove="1" noResize="1" noEditPoints="1" noAdjustHandles="1" noChangeArrowheads="1" noChangeShapeType="1" noTextEdit="1"/>
-          </p:cNvSpPr>
-          <p:nvPr>
-            <p:extLst>
-              <p:ext uri="{386F3935-93C4-4BCD-93E2-E3B085C9AB24}">
-                <p16:designElem xmlns:p16="http://schemas.microsoft.com/office/powerpoint/2015/main" val="1"/>
-              </p:ext>
-            </p:extLst>
-          </p:nvPr>
-        </p:nvSpPr>
-        <p:spPr>
-          <a:xfrm>
-            <a:off x="1279019" y="2526526"/>
-            <a:ext cx="10920893" cy="3563377"/>
-          </a:xfrm>
-          <a:prstGeom prst="rect">
-            <a:avLst/>
-          </a:prstGeom>
-          <a:solidFill>
-            <a:schemeClr val="bg2">
-              <a:lumMod val="60000"/>
-              <a:lumOff val="40000"/>
-              <a:alpha val="60000"/>
-            </a:schemeClr>
-          </a:solidFill>
-          <a:ln>
-            <a:noFill/>
-          </a:ln>
-        </p:spPr>
-        <p:style>
-          <a:lnRef idx="2">
-            <a:schemeClr val="accent1">
-              <a:shade val="50000"/>
-            </a:schemeClr>
-          </a:lnRef>
-          <a:fillRef idx="1">
-            <a:schemeClr val="accent1"/>
-          </a:fillRef>
-          <a:effectRef idx="0">
-            <a:schemeClr val="accent1"/>
-          </a:effectRef>
-          <a:fontRef idx="minor">
-            <a:schemeClr val="lt1"/>
-          </a:fontRef>
-        </p:style>
-        <p:txBody>
-          <a:bodyPr/>
-          <a:lstStyle/>
-          <a:p>
-            <a:endParaRPr lang="en-US" dirty="0"/>
-          </a:p>
-        </p:txBody>
-      </p:sp>
-      <p:sp>
-        <p:nvSpPr>
-          <p:cNvPr id="10" name="TextBox 9">
-            <a:extLst>
-              <a:ext uri="{FF2B5EF4-FFF2-40B4-BE49-F238E27FC236}">
-                <a16:creationId xmlns:a16="http://schemas.microsoft.com/office/drawing/2014/main" id="{E7E1857B-DD12-4EAA-A375-66DFDDF0CACF}"/>
-              </a:ext>
-            </a:extLst>
-          </p:cNvPr>
-          <p:cNvSpPr txBox="1"/>
-          <p:nvPr/>
-        </p:nvSpPr>
-        <p:spPr>
-          <a:xfrm>
-            <a:off x="1561381" y="2869721"/>
-            <a:ext cx="8738558" cy="2462213"/>
-          </a:xfrm>
-          <a:prstGeom prst="rect">
-            <a:avLst/>
-          </a:prstGeom>
-          <a:noFill/>
-        </p:spPr>
-        <p:txBody>
-          <a:bodyPr rot="0" spcFirstLastPara="0" vertOverflow="overflow" horzOverflow="overflow" vert="horz" wrap="square" lIns="91440" tIns="45720" rIns="91440" bIns="45720" numCol="1" spcCol="0" rtlCol="0" fromWordArt="0" anchor="t" anchorCtr="0" forceAA="0" compatLnSpc="1">
-            <a:prstTxWarp prst="textNoShape">
-              <a:avLst/>
-            </a:prstTxWarp>
-            <a:spAutoFit/>
-          </a:bodyPr>
-          <a:lstStyle/>
-          <a:p>
-            <a:r>
-              <a:rPr lang="en-GB" sz="4000" b="1" dirty="0">
-                <a:solidFill>
-                  <a:srgbClr val="FF0000"/>
-                </a:solidFill>
-                <a:latin typeface="Arial"/>
-                <a:cs typeface="Arial"/>
-              </a:rPr>
-              <a:t>Login Page has Two Main Functionalities :</a:t>
-            </a:r>
-          </a:p>
-          <a:p>
-            <a:endParaRPr lang="en-GB" dirty="0">
-              <a:latin typeface="Arial"/>
-              <a:cs typeface="Arial"/>
-            </a:endParaRPr>
-          </a:p>
-          <a:p>
-            <a:r>
-              <a:rPr lang="en-GB" dirty="0">
-                <a:latin typeface="Arial"/>
-                <a:cs typeface="Arial"/>
-              </a:rPr>
-              <a:t>                                                     </a:t>
-            </a:r>
-            <a:r>
-              <a:rPr lang="en-GB" sz="2800" b="1" dirty="0">
-                <a:solidFill>
-                  <a:schemeClr val="accent5">
-                    <a:lumMod val="50000"/>
-                  </a:schemeClr>
-                </a:solidFill>
-                <a:latin typeface="Arial"/>
-                <a:cs typeface="Arial"/>
-              </a:rPr>
-              <a:t>1)  L</a:t>
-            </a:r>
-            <a:r>
-              <a:rPr lang="en-GB" sz="2800" b="1" dirty="0">
-                <a:solidFill>
-                  <a:schemeClr val="accent1">
-                    <a:lumMod val="50000"/>
-                  </a:schemeClr>
-                </a:solidFill>
-                <a:latin typeface="Arial"/>
-                <a:cs typeface="Arial"/>
-              </a:rPr>
-              <a:t>ogin</a:t>
-            </a:r>
-          </a:p>
-          <a:p>
-            <a:r>
-              <a:rPr lang="en-GB" sz="2800" b="1" dirty="0">
-                <a:solidFill>
-                  <a:schemeClr val="accent1">
-                    <a:lumMod val="50000"/>
-                  </a:schemeClr>
-                </a:solidFill>
-                <a:latin typeface="Arial"/>
-                <a:cs typeface="Arial"/>
-              </a:rPr>
-              <a:t>                                  2) Registe</a:t>
-            </a:r>
-            <a:r>
-              <a:rPr lang="en-GB" sz="2800" b="1" dirty="0">
-                <a:solidFill>
-                  <a:schemeClr val="accent5">
-                    <a:lumMod val="50000"/>
-                  </a:schemeClr>
-                </a:solidFill>
-                <a:latin typeface="Arial"/>
-                <a:cs typeface="Arial"/>
-              </a:rPr>
-              <a:t>r</a:t>
-            </a:r>
-          </a:p>
-        </p:txBody>
-      </p:sp>
-    </p:spTree>
-    <p:extLst>
-      <p:ext uri="{BB962C8B-B14F-4D97-AF65-F5344CB8AC3E}">
-        <p14:creationId xmlns:p14="http://schemas.microsoft.com/office/powerpoint/2010/main" val="835656719"/>
-      </p:ext>
-    </p:extLst>
-  </p:cSld>
-  <p:clrMapOvr>
-    <a:masterClrMapping/>
-  </p:clrMapOvr>
-</p:sld>
-</file>
-
-<file path=ppt/slides/slide2.xml><?xml version="1.0" encoding="utf-8"?>
-<p:sld xmlns:a="http://schemas.openxmlformats.org/drawingml/2006/main" xmlns:r="http://schemas.openxmlformats.org/officeDocument/2006/relationships" xmlns:p="http://schemas.openxmlformats.org/presentationml/2006/main">
-  <p:cSld>
-    <p:bg>
-      <p:bgPr>
-        <a:solidFill>
-          <a:schemeClr val="bg1"/>
-        </a:solidFill>
-        <a:effectLst/>
-      </p:bgPr>
-    </p:bg>
-    <p:spTree>
-      <p:nvGrpSpPr>
-        <p:cNvPr id="1" name=""/>
-        <p:cNvGrpSpPr/>
-        <p:nvPr/>
-      </p:nvGrpSpPr>
-      <p:grpSpPr>
-        <a:xfrm>
-          <a:off x="0" y="0"/>
-          <a:ext cx="0" cy="0"/>
-          <a:chOff x="0" y="0"/>
-          <a:chExt cx="0" cy="0"/>
-        </a:xfrm>
-      </p:grpSpPr>
-      <p:sp>
-        <p:nvSpPr>
-          <p:cNvPr id="7" name="Rectangle 6">
-            <a:extLst>
-              <a:ext uri="{FF2B5EF4-FFF2-40B4-BE49-F238E27FC236}">
-                <a16:creationId xmlns:a16="http://schemas.microsoft.com/office/drawing/2014/main" id="{C162DF2A-64D1-4AA9-BA42-8A4063EADE09}"/>
-              </a:ext>
-              <a:ext uri="{C183D7F6-B498-43B3-948B-1728B52AA6E4}">
-                <adec:decorative xmlns:adec="http://schemas.microsoft.com/office/drawing/2017/decorative" val="1"/>
-              </a:ext>
-            </a:extLst>
-          </p:cNvPr>
-          <p:cNvSpPr>
-            <a:spLocks noGrp="1" noRot="1" noChangeAspect="1" noMove="1" noResize="1" noEditPoints="1" noAdjustHandles="1" noChangeArrowheads="1" noChangeShapeType="1" noTextEdit="1"/>
-          </p:cNvSpPr>
-          <p:nvPr>
-            <p:extLst>
-              <p:ext uri="{386F3935-93C4-4BCD-93E2-E3B085C9AB24}">
-                <p16:designElem xmlns:p16="http://schemas.microsoft.com/office/powerpoint/2015/main" val="1"/>
-              </p:ext>
-            </p:extLst>
-          </p:nvPr>
-        </p:nvSpPr>
-        <p:spPr>
-          <a:xfrm>
-            <a:off x="0" y="761999"/>
-            <a:ext cx="9141619" cy="5334001"/>
-          </a:xfrm>
-          <a:prstGeom prst="rect">
-            <a:avLst/>
-          </a:prstGeom>
-          <a:solidFill>
-            <a:schemeClr val="accent1"/>
-          </a:solidFill>
-          <a:ln>
-            <a:noFill/>
-          </a:ln>
-        </p:spPr>
-        <p:style>
-          <a:lnRef idx="2">
-            <a:schemeClr val="accent1">
-              <a:shade val="50000"/>
-            </a:schemeClr>
-          </a:lnRef>
-          <a:fillRef idx="1">
-            <a:schemeClr val="accent1"/>
-          </a:fillRef>
-          <a:effectRef idx="0">
-            <a:schemeClr val="accent1"/>
-          </a:effectRef>
-          <a:fontRef idx="minor">
-            <a:schemeClr val="lt1"/>
-          </a:fontRef>
-        </p:style>
-      </p:sp>
-      <p:sp>
-        <p:nvSpPr>
-          <p:cNvPr id="9" name="Rectangle 8">
-            <a:extLst>
-              <a:ext uri="{FF2B5EF4-FFF2-40B4-BE49-F238E27FC236}">
-                <a16:creationId xmlns:a16="http://schemas.microsoft.com/office/drawing/2014/main" id="{5D7C1373-63AF-4A75-909E-990E05356670}"/>
-              </a:ext>
-              <a:ext uri="{C183D7F6-B498-43B3-948B-1728B52AA6E4}">
-                <adec:decorative xmlns:adec="http://schemas.microsoft.com/office/drawing/2017/decorative" val="1"/>
-              </a:ext>
-            </a:extLst>
-          </p:cNvPr>
-          <p:cNvSpPr>
-            <a:spLocks noGrp="1" noRot="1" noChangeAspect="1" noMove="1" noResize="1" noEditPoints="1" noAdjustHandles="1" noChangeArrowheads="1" noChangeShapeType="1" noTextEdit="1"/>
-          </p:cNvSpPr>
-          <p:nvPr>
-            <p:extLst>
-              <p:ext uri="{386F3935-93C4-4BCD-93E2-E3B085C9AB24}">
-                <p16:designElem xmlns:p16="http://schemas.microsoft.com/office/powerpoint/2015/main" val="1"/>
-              </p:ext>
-            </p:extLst>
-          </p:nvPr>
-        </p:nvSpPr>
-        <p:spPr>
-          <a:xfrm>
-            <a:off x="9270263" y="761999"/>
-            <a:ext cx="2925318" cy="5334001"/>
-          </a:xfrm>
-          <a:prstGeom prst="rect">
-            <a:avLst/>
-          </a:prstGeom>
-          <a:solidFill>
-            <a:srgbClr val="C8C8C8">
-              <a:alpha val="49804"/>
-            </a:srgbClr>
-          </a:solidFill>
-          <a:ln>
-            <a:noFill/>
-          </a:ln>
-        </p:spPr>
-        <p:style>
-          <a:lnRef idx="2">
-            <a:schemeClr val="accent1">
-              <a:shade val="50000"/>
-            </a:schemeClr>
-          </a:lnRef>
-          <a:fillRef idx="1">
-            <a:schemeClr val="accent1"/>
-          </a:fillRef>
-          <a:effectRef idx="0">
-            <a:schemeClr val="accent1"/>
-          </a:effectRef>
-          <a:fontRef idx="minor">
-            <a:schemeClr val="lt1"/>
-          </a:fontRef>
-        </p:style>
-      </p:sp>
-      <p:sp useBgFill="1">
-        <p:nvSpPr>
-          <p:cNvPr id="11" name="Rectangle 10">
-            <a:extLst>
-              <a:ext uri="{FF2B5EF4-FFF2-40B4-BE49-F238E27FC236}">
-                <a16:creationId xmlns:a16="http://schemas.microsoft.com/office/drawing/2014/main" id="{2F4AD318-2FB6-4C6E-931E-58E404FA18CD}"/>
-              </a:ext>
-              <a:ext uri="{C183D7F6-B498-43B3-948B-1728B52AA6E4}">
-                <adec:decorative xmlns:adec="http://schemas.microsoft.com/office/drawing/2017/decorative" val="1"/>
-              </a:ext>
-            </a:extLst>
-          </p:cNvPr>
-          <p:cNvSpPr>
-            <a:spLocks noGrp="1" noRot="1" noChangeAspect="1" noMove="1" noResize="1" noEditPoints="1" noAdjustHandles="1" noChangeArrowheads="1" noChangeShapeType="1" noTextEdit="1"/>
-          </p:cNvSpPr>
-          <p:nvPr>
-            <p:extLst>
-              <p:ext uri="{386F3935-93C4-4BCD-93E2-E3B085C9AB24}">
-                <p16:designElem xmlns:p16="http://schemas.microsoft.com/office/powerpoint/2015/main" val="1"/>
-              </p:ext>
-            </p:extLst>
-          </p:nvPr>
-        </p:nvSpPr>
-        <p:spPr>
-          <a:xfrm>
-            <a:off x="0" y="0"/>
-            <a:ext cx="12192000" cy="6858000"/>
-          </a:xfrm>
-          <a:prstGeom prst="rect">
-            <a:avLst/>
-          </a:prstGeom>
-          <a:ln>
-            <a:noFill/>
-          </a:ln>
-        </p:spPr>
-        <p:style>
-          <a:lnRef idx="2">
-            <a:schemeClr val="accent1">
-              <a:shade val="50000"/>
-            </a:schemeClr>
-          </a:lnRef>
-          <a:fillRef idx="1">
-            <a:schemeClr val="accent1"/>
-          </a:fillRef>
-          <a:effectRef idx="0">
-            <a:schemeClr val="accent1"/>
-          </a:effectRef>
-          <a:fontRef idx="minor">
-            <a:schemeClr val="lt1"/>
-          </a:fontRef>
-        </p:style>
-        <p:txBody>
-          <a:bodyPr rtlCol="0" anchor="ctr"/>
-          <a:lstStyle/>
-          <a:p>
-            <a:pPr algn="ctr"/>
-            <a:endParaRPr lang="en-US"/>
-          </a:p>
-        </p:txBody>
-      </p:sp>
-      <p:sp>
-        <p:nvSpPr>
-          <p:cNvPr id="13" name="Freeform: Shape 12">
-            <a:extLst>
-              <a:ext uri="{FF2B5EF4-FFF2-40B4-BE49-F238E27FC236}">
-                <a16:creationId xmlns:a16="http://schemas.microsoft.com/office/drawing/2014/main" id="{1A118E35-1CBF-4863-8497-F4DF1A166D2D}"/>
-              </a:ext>
-              <a:ext uri="{C183D7F6-B498-43B3-948B-1728B52AA6E4}">
-                <adec:decorative xmlns:adec="http://schemas.microsoft.com/office/drawing/2017/decorative" val="1"/>
-              </a:ext>
-            </a:extLst>
-          </p:cNvPr>
-          <p:cNvSpPr>
-            <a:spLocks noGrp="1" noRot="1" noChangeAspect="1" noMove="1" noResize="1" noEditPoints="1" noAdjustHandles="1" noChangeArrowheads="1" noChangeShapeType="1" noTextEdit="1"/>
-          </p:cNvSpPr>
-          <p:nvPr>
-            <p:extLst>
-              <p:ext uri="{386F3935-93C4-4BCD-93E2-E3B085C9AB24}">
-                <p16:designElem xmlns:p16="http://schemas.microsoft.com/office/powerpoint/2015/main" val="1"/>
-              </p:ext>
-            </p:extLst>
-          </p:nvPr>
-        </p:nvSpPr>
-        <p:spPr>
-          <a:xfrm>
-            <a:off x="-3582" y="752748"/>
-            <a:ext cx="1001483" cy="4744251"/>
-          </a:xfrm>
-          <a:custGeom>
-            <a:avLst/>
-            <a:gdLst>
-              <a:gd name="connsiteX0" fmla="*/ 0 w 1001483"/>
-              <a:gd name="connsiteY0" fmla="*/ 0 h 4744251"/>
-              <a:gd name="connsiteX1" fmla="*/ 1001483 w 1001483"/>
-              <a:gd name="connsiteY1" fmla="*/ 0 h 4744251"/>
-              <a:gd name="connsiteX2" fmla="*/ 0 w 1001483"/>
-              <a:gd name="connsiteY2" fmla="*/ 4744251 h 4744251"/>
-            </a:gdLst>
-            <a:ahLst/>
-            <a:cxnLst>
-              <a:cxn ang="0">
-                <a:pos x="connsiteX0" y="connsiteY0"/>
-              </a:cxn>
-              <a:cxn ang="0">
-                <a:pos x="connsiteX1" y="connsiteY1"/>
-              </a:cxn>
-              <a:cxn ang="0">
-                <a:pos x="connsiteX2" y="connsiteY2"/>
-              </a:cxn>
-            </a:cxnLst>
-            <a:rect l="l" t="t" r="r" b="b"/>
-            <a:pathLst>
-              <a:path w="1001483" h="4744251">
-                <a:moveTo>
-                  <a:pt x="0" y="0"/>
-                </a:moveTo>
-                <a:lnTo>
-                  <a:pt x="1001483" y="0"/>
-                </a:lnTo>
-                <a:lnTo>
-                  <a:pt x="0" y="4744251"/>
-                </a:lnTo>
-                <a:close/>
-              </a:path>
-            </a:pathLst>
-          </a:custGeom>
-          <a:solidFill>
-            <a:schemeClr val="accent1"/>
-          </a:solidFill>
-          <a:ln>
-            <a:noFill/>
-          </a:ln>
-        </p:spPr>
-        <p:style>
-          <a:lnRef idx="2">
-            <a:schemeClr val="accent1">
-              <a:shade val="50000"/>
-            </a:schemeClr>
-          </a:lnRef>
-          <a:fillRef idx="1">
-            <a:schemeClr val="accent1"/>
-          </a:fillRef>
-          <a:effectRef idx="0">
-            <a:schemeClr val="accent1"/>
-          </a:effectRef>
-          <a:fontRef idx="minor">
-            <a:schemeClr val="lt1"/>
-          </a:fontRef>
-        </p:style>
-      </p:sp>
-      <p:sp>
-        <p:nvSpPr>
-          <p:cNvPr id="15" name="Freeform: Shape 14">
-            <a:extLst>
-              <a:ext uri="{FF2B5EF4-FFF2-40B4-BE49-F238E27FC236}">
-                <a16:creationId xmlns:a16="http://schemas.microsoft.com/office/drawing/2014/main" id="{6E187274-5DC2-4BE0-AF99-925D6D973550}"/>
-              </a:ext>
-              <a:ext uri="{C183D7F6-B498-43B3-948B-1728B52AA6E4}">
-                <adec:decorative xmlns:adec="http://schemas.microsoft.com/office/drawing/2017/decorative" val="1"/>
-              </a:ext>
-            </a:extLst>
-          </p:cNvPr>
-          <p:cNvSpPr>
-            <a:spLocks noGrp="1" noRot="1" noChangeAspect="1" noMove="1" noResize="1" noEditPoints="1" noAdjustHandles="1" noChangeArrowheads="1" noChangeShapeType="1" noTextEdit="1"/>
-          </p:cNvSpPr>
-          <p:nvPr>
-            <p:extLst>
-              <p:ext uri="{386F3935-93C4-4BCD-93E2-E3B085C9AB24}">
-                <p16:designElem xmlns:p16="http://schemas.microsoft.com/office/powerpoint/2015/main" val="1"/>
-              </p:ext>
-            </p:extLst>
-          </p:nvPr>
-        </p:nvSpPr>
-        <p:spPr>
-          <a:xfrm>
-            <a:off x="7987094" y="761999"/>
-            <a:ext cx="4208489" cy="5334001"/>
-          </a:xfrm>
-          <a:custGeom>
-            <a:avLst/>
-            <a:gdLst>
-              <a:gd name="connsiteX0" fmla="*/ 1015642 w 4208489"/>
-              <a:gd name="connsiteY0" fmla="*/ 0 h 5334001"/>
-              <a:gd name="connsiteX1" fmla="*/ 4208489 w 4208489"/>
-              <a:gd name="connsiteY1" fmla="*/ 0 h 5334001"/>
-              <a:gd name="connsiteX2" fmla="*/ 4208489 w 4208489"/>
-              <a:gd name="connsiteY2" fmla="*/ 5334001 h 5334001"/>
-              <a:gd name="connsiteX3" fmla="*/ 0 w 4208489"/>
-              <a:gd name="connsiteY3" fmla="*/ 5334001 h 5334001"/>
-            </a:gdLst>
-            <a:ahLst/>
-            <a:cxnLst>
-              <a:cxn ang="0">
-                <a:pos x="connsiteX0" y="connsiteY0"/>
-              </a:cxn>
-              <a:cxn ang="0">
-                <a:pos x="connsiteX1" y="connsiteY1"/>
-              </a:cxn>
-              <a:cxn ang="0">
-                <a:pos x="connsiteX2" y="connsiteY2"/>
-              </a:cxn>
-              <a:cxn ang="0">
-                <a:pos x="connsiteX3" y="connsiteY3"/>
-              </a:cxn>
-            </a:cxnLst>
-            <a:rect l="l" t="t" r="r" b="b"/>
-            <a:pathLst>
-              <a:path w="4208489" h="5334001">
-                <a:moveTo>
-                  <a:pt x="1015642" y="0"/>
-                </a:moveTo>
-                <a:lnTo>
-                  <a:pt x="4208489" y="0"/>
-                </a:lnTo>
-                <a:lnTo>
-                  <a:pt x="4208489" y="5334001"/>
-                </a:lnTo>
-                <a:lnTo>
-                  <a:pt x="0" y="5334001"/>
-                </a:lnTo>
-                <a:close/>
-              </a:path>
-            </a:pathLst>
-          </a:custGeom>
-          <a:solidFill>
-            <a:schemeClr val="accent1"/>
-          </a:solidFill>
-          <a:ln>
-            <a:noFill/>
-          </a:ln>
-        </p:spPr>
-        <p:style>
-          <a:lnRef idx="2">
-            <a:schemeClr val="accent1">
-              <a:shade val="50000"/>
-            </a:schemeClr>
-          </a:lnRef>
-          <a:fillRef idx="1">
-            <a:schemeClr val="accent1"/>
-          </a:fillRef>
-          <a:effectRef idx="0">
-            <a:schemeClr val="accent1"/>
-          </a:effectRef>
-          <a:fontRef idx="minor">
-            <a:schemeClr val="lt1"/>
-          </a:fontRef>
-        </p:style>
-      </p:sp>
-      <p:sp>
-        <p:nvSpPr>
-          <p:cNvPr id="2" name="Title 1">
-            <a:extLst>
-              <a:ext uri="{FF2B5EF4-FFF2-40B4-BE49-F238E27FC236}">
-                <a16:creationId xmlns:a16="http://schemas.microsoft.com/office/drawing/2014/main" id="{A3D8773C-2C46-4FB5-B625-2900809E2707}"/>
-              </a:ext>
-            </a:extLst>
-          </p:cNvPr>
-          <p:cNvSpPr>
-            <a:spLocks noGrp="1"/>
-          </p:cNvSpPr>
-          <p:nvPr>
-            <p:ph type="title"/>
-          </p:nvPr>
-        </p:nvSpPr>
-        <p:spPr>
-          <a:xfrm>
-            <a:off x="1069849" y="1298448"/>
-            <a:ext cx="7056444" cy="3255264"/>
-          </a:xfrm>
-        </p:spPr>
-        <p:txBody>
-          <a:bodyPr vert="horz" lIns="91440" tIns="45720" rIns="91440" bIns="45720" rtlCol="0" anchor="b">
-            <a:normAutofit/>
-          </a:bodyPr>
-          <a:lstStyle/>
-          <a:p>
-            <a:pPr algn="r"/>
-            <a:r>
-              <a:rPr lang="en-US" sz="5900" b="1" spc="-100">
-                <a:solidFill>
-                  <a:srgbClr val="C00000"/>
-                </a:solidFill>
-              </a:rPr>
               <a:t>FRONT END</a:t>
             </a:r>
           </a:p>
@@ -8573,7 +10001,7 @@
           <a:p>
             <a:r>
               <a:rPr lang="en-US" b="1" spc="-100" dirty="0"/>
-              <a:t>                                     LOGIN PAGE</a:t>
+              <a:t>                               PERSONAL SECTION</a:t>
             </a:r>
             <a:endParaRPr lang="en-US" dirty="0"/>
           </a:p>
@@ -8759,39 +10187,139 @@
           </a:p>
         </p:txBody>
       </p:sp>
-      <p:pic>
-        <p:nvPicPr>
-          <p:cNvPr id="4" name="Picture 7" descr="A screenshot of a cell phone&#10;&#10;Description generated with very high confidence">
+      <p:sp>
+        <p:nvSpPr>
+          <p:cNvPr id="10" name="TextBox 9">
             <a:extLst>
               <a:ext uri="{FF2B5EF4-FFF2-40B4-BE49-F238E27FC236}">
-                <a16:creationId xmlns:a16="http://schemas.microsoft.com/office/drawing/2014/main" id="{D2811A1E-9639-4506-A634-34974AA1F74B}"/>
+                <a16:creationId xmlns:a16="http://schemas.microsoft.com/office/drawing/2014/main" id="{E7E1857B-DD12-4EAA-A375-66DFDDF0CACF}"/>
               </a:ext>
             </a:extLst>
           </p:cNvPr>
-          <p:cNvPicPr>
-            <a:picLocks noGrp="1" noChangeAspect="1"/>
-          </p:cNvPicPr>
-          <p:nvPr>
-            <p:ph idx="1"/>
-          </p:nvPr>
-        </p:nvPicPr>
-        <p:blipFill>
-          <a:blip r:embed="rId2"/>
-          <a:stretch>
-            <a:fillRect/>
-          </a:stretch>
-        </p:blipFill>
-        <p:spPr>
-          <a:xfrm>
-            <a:off x="3341445" y="2535446"/>
-            <a:ext cx="5502105" cy="3554457"/>
-          </a:xfrm>
-        </p:spPr>
-      </p:pic>
+          <p:cNvSpPr txBox="1"/>
+          <p:nvPr/>
+        </p:nvSpPr>
+        <p:spPr>
+          <a:xfrm>
+            <a:off x="1877683" y="3085381"/>
+            <a:ext cx="9284897" cy="3570208"/>
+          </a:xfrm>
+          <a:prstGeom prst="rect">
+            <a:avLst/>
+          </a:prstGeom>
+          <a:noFill/>
+        </p:spPr>
+        <p:txBody>
+          <a:bodyPr rot="0" spcFirstLastPara="0" vertOverflow="overflow" horzOverflow="overflow" vert="horz" wrap="square" lIns="91440" tIns="45720" rIns="91440" bIns="45720" numCol="1" spcCol="0" rtlCol="0" fromWordArt="0" anchor="t" anchorCtr="0" forceAA="0" compatLnSpc="1">
+            <a:prstTxWarp prst="textNoShape">
+              <a:avLst/>
+            </a:prstTxWarp>
+            <a:spAutoFit/>
+          </a:bodyPr>
+          <a:lstStyle/>
+          <a:p>
+            <a:r>
+              <a:rPr lang="en-GB" sz="4000" b="1" dirty="0">
+                <a:solidFill>
+                  <a:srgbClr val="FF0000"/>
+                </a:solidFill>
+                <a:latin typeface="Arial"/>
+                <a:cs typeface="Arial"/>
+              </a:rPr>
+              <a:t>Personal Section :</a:t>
+            </a:r>
+          </a:p>
+          <a:p>
+            <a:r>
+              <a:rPr lang="en-GB" dirty="0">
+                <a:latin typeface="Arial"/>
+                <a:cs typeface="Arial"/>
+              </a:rPr>
+              <a:t>                      </a:t>
+            </a:r>
+            <a:endParaRPr lang="en-GB">
+              <a:latin typeface="Arial"/>
+              <a:cs typeface="Arial"/>
+            </a:endParaRPr>
+          </a:p>
+          <a:p>
+            <a:r>
+              <a:rPr lang="en-GB" dirty="0">
+                <a:solidFill>
+                  <a:schemeClr val="accent1">
+                    <a:lumMod val="50000"/>
+                  </a:schemeClr>
+                </a:solidFill>
+                <a:latin typeface="Arial"/>
+                <a:cs typeface="Arial"/>
+              </a:rPr>
+              <a:t>                      </a:t>
+            </a:r>
+            <a:r>
+              <a:rPr lang="en-GB" sz="2800" b="1" dirty="0">
+                <a:solidFill>
+                  <a:schemeClr val="accent1">
+                    <a:lumMod val="50000"/>
+                  </a:schemeClr>
+                </a:solidFill>
+                <a:latin typeface="Arial"/>
+                <a:cs typeface="Arial"/>
+              </a:rPr>
+              <a:t>1) This section holds the list of books available in personal section</a:t>
+            </a:r>
+          </a:p>
+          <a:p>
+            <a:r>
+              <a:rPr lang="en-GB" sz="2800" b="1" dirty="0">
+                <a:solidFill>
+                  <a:schemeClr val="accent1">
+                    <a:lumMod val="50000"/>
+                  </a:schemeClr>
+                </a:solidFill>
+                <a:latin typeface="Arial"/>
+                <a:cs typeface="Arial"/>
+              </a:rPr>
+              <a:t>                      </a:t>
+            </a:r>
+            <a:endParaRPr lang="en-GB" sz="2800" b="1">
+              <a:solidFill>
+                <a:schemeClr val="accent1">
+                  <a:lumMod val="50000"/>
+                </a:schemeClr>
+              </a:solidFill>
+              <a:latin typeface="Arial"/>
+              <a:cs typeface="Arial"/>
+            </a:endParaRPr>
+          </a:p>
+          <a:p>
+            <a:r>
+              <a:rPr lang="en-GB" sz="2800" b="1" dirty="0">
+                <a:solidFill>
+                  <a:schemeClr val="accent1">
+                    <a:lumMod val="50000"/>
+                  </a:schemeClr>
+                </a:solidFill>
+                <a:latin typeface="Arial"/>
+                <a:cs typeface="Arial"/>
+              </a:rPr>
+              <a:t>               2)  In addition to that it has customized search where we can able to search the books based on topics.</a:t>
+            </a:r>
+            <a:endParaRPr lang="en-GB" sz="2800" b="1">
+              <a:solidFill>
+                <a:schemeClr val="accent1">
+                  <a:lumMod val="50000"/>
+                </a:schemeClr>
+              </a:solidFill>
+              <a:latin typeface="Arial"/>
+              <a:cs typeface="Arial"/>
+            </a:endParaRPr>
+          </a:p>
+        </p:txBody>
+      </p:sp>
     </p:spTree>
     <p:extLst>
       <p:ext uri="{BB962C8B-B14F-4D97-AF65-F5344CB8AC3E}">
-        <p14:creationId xmlns:p14="http://schemas.microsoft.com/office/powerpoint/2010/main" val="693765278"/>
+        <p14:creationId xmlns:p14="http://schemas.microsoft.com/office/powerpoint/2010/main" val="2452647310"/>
       </p:ext>
     </p:extLst>
   </p:cSld>
@@ -8828,7 +10356,7 @@
       </p:grpSpPr>
       <p:sp useBgFill="1">
         <p:nvSpPr>
-          <p:cNvPr id="5" name="Rectangle 7">
+          <p:cNvPr id="8" name="Rectangle 7">
             <a:extLst>
               <a:ext uri="{FF2B5EF4-FFF2-40B4-BE49-F238E27FC236}">
                 <a16:creationId xmlns:a16="http://schemas.microsoft.com/office/drawing/2014/main" id="{29DC5A77-10C9-4ECF-B7EB-8D917F36A9EE}"/>
@@ -8888,7 +10416,7 @@
       </p:sp>
       <p:sp>
         <p:nvSpPr>
-          <p:cNvPr id="6" name="Rectangle 9">
+          <p:cNvPr id="10" name="Rectangle 9">
             <a:extLst>
               <a:ext uri="{FF2B5EF4-FFF2-40B4-BE49-F238E27FC236}">
                 <a16:creationId xmlns:a16="http://schemas.microsoft.com/office/drawing/2014/main" id="{2FFE28B5-FB16-49A9-B851-3C35FAC0CACB}"/>
@@ -8953,7 +10481,7 @@
           <p:cNvPr id="2" name="Title 1">
             <a:extLst>
               <a:ext uri="{FF2B5EF4-FFF2-40B4-BE49-F238E27FC236}">
-                <a16:creationId xmlns:a16="http://schemas.microsoft.com/office/drawing/2014/main" id="{42CA5B38-EBAF-4C64-91A1-6E5300D607D5}"/>
+                <a16:creationId xmlns:a16="http://schemas.microsoft.com/office/drawing/2014/main" id="{FD65F6C6-3FCF-459F-8A15-0D9283A6E883}"/>
               </a:ext>
             </a:extLst>
           </p:cNvPr>
@@ -8971,22 +10499,21 @@
           </a:xfrm>
         </p:spPr>
         <p:txBody>
-          <a:bodyPr vert="horz" lIns="91440" tIns="45720" rIns="91440" bIns="45720" rtlCol="0">
+          <a:bodyPr>
             <a:normAutofit/>
           </a:bodyPr>
           <a:lstStyle/>
           <a:p>
             <a:r>
-              <a:rPr lang="en-US" b="1" spc="-100" dirty="0"/>
-              <a:t>                               PERSONAL SECTION</a:t>
+              <a:rPr lang="en-GB" dirty="0"/>
+              <a:t>                      PERSONAL SECTION</a:t>
             </a:r>
-            <a:endParaRPr lang="en-US" dirty="0"/>
           </a:p>
         </p:txBody>
       </p:sp>
       <p:sp>
         <p:nvSpPr>
-          <p:cNvPr id="7" name="Rectangle 11">
+          <p:cNvPr id="12" name="Rectangle 11">
             <a:extLst>
               <a:ext uri="{FF2B5EF4-FFF2-40B4-BE49-F238E27FC236}">
                 <a16:creationId xmlns:a16="http://schemas.microsoft.com/office/drawing/2014/main" id="{01014442-855A-4E0F-8D09-C314661A48B9}"/>
@@ -9043,7 +10570,7 @@
       </p:sp>
       <p:sp>
         <p:nvSpPr>
-          <p:cNvPr id="9" name="Rectangle 13">
+          <p:cNvPr id="14" name="Rectangle 13">
             <a:extLst>
               <a:ext uri="{FF2B5EF4-FFF2-40B4-BE49-F238E27FC236}">
                 <a16:creationId xmlns:a16="http://schemas.microsoft.com/office/drawing/2014/main" id="{9B1ABF09-86CF-414E-88A5-2B84CC7232A9}"/>
@@ -9100,7 +10627,7 @@
       </p:sp>
       <p:sp>
         <p:nvSpPr>
-          <p:cNvPr id="11" name="Rectangle 15">
+          <p:cNvPr id="16" name="Rectangle 15">
             <a:extLst>
               <a:ext uri="{FF2B5EF4-FFF2-40B4-BE49-F238E27FC236}">
                 <a16:creationId xmlns:a16="http://schemas.microsoft.com/office/drawing/2014/main" id="{3FE91770-CDBB-4D24-94E5-AD484F36CE87}"/>
@@ -9164,139 +10691,39 @@
           </a:p>
         </p:txBody>
       </p:sp>
-      <p:sp>
-        <p:nvSpPr>
-          <p:cNvPr id="10" name="TextBox 9">
+      <p:pic>
+        <p:nvPicPr>
+          <p:cNvPr id="4" name="Picture 4" descr="A screenshot of a cell phone&#10;&#10;Description generated with very high confidence">
             <a:extLst>
               <a:ext uri="{FF2B5EF4-FFF2-40B4-BE49-F238E27FC236}">
-                <a16:creationId xmlns:a16="http://schemas.microsoft.com/office/drawing/2014/main" id="{E7E1857B-DD12-4EAA-A375-66DFDDF0CACF}"/>
+                <a16:creationId xmlns:a16="http://schemas.microsoft.com/office/drawing/2014/main" id="{49573FA8-BE3D-4481-AB71-158672E62A28}"/>
               </a:ext>
             </a:extLst>
           </p:cNvPr>
-          <p:cNvSpPr txBox="1"/>
-          <p:nvPr/>
-        </p:nvSpPr>
-        <p:spPr>
-          <a:xfrm>
-            <a:off x="1877683" y="3085381"/>
-            <a:ext cx="9284897" cy="3570208"/>
-          </a:xfrm>
-          <a:prstGeom prst="rect">
-            <a:avLst/>
-          </a:prstGeom>
-          <a:noFill/>
-        </p:spPr>
-        <p:txBody>
-          <a:bodyPr rot="0" spcFirstLastPara="0" vertOverflow="overflow" horzOverflow="overflow" vert="horz" wrap="square" lIns="91440" tIns="45720" rIns="91440" bIns="45720" numCol="1" spcCol="0" rtlCol="0" fromWordArt="0" anchor="t" anchorCtr="0" forceAA="0" compatLnSpc="1">
-            <a:prstTxWarp prst="textNoShape">
-              <a:avLst/>
-            </a:prstTxWarp>
-            <a:spAutoFit/>
-          </a:bodyPr>
-          <a:lstStyle/>
-          <a:p>
-            <a:r>
-              <a:rPr lang="en-GB" sz="4000" b="1" dirty="0">
-                <a:solidFill>
-                  <a:srgbClr val="FF0000"/>
-                </a:solidFill>
-                <a:latin typeface="Arial"/>
-                <a:cs typeface="Arial"/>
-              </a:rPr>
-              <a:t>Personal Section :</a:t>
-            </a:r>
-          </a:p>
-          <a:p>
-            <a:r>
-              <a:rPr lang="en-GB" dirty="0">
-                <a:latin typeface="Arial"/>
-                <a:cs typeface="Arial"/>
-              </a:rPr>
-              <a:t>                      </a:t>
-            </a:r>
-            <a:endParaRPr lang="en-GB">
-              <a:latin typeface="Arial"/>
-              <a:cs typeface="Arial"/>
-            </a:endParaRPr>
-          </a:p>
-          <a:p>
-            <a:r>
-              <a:rPr lang="en-GB" dirty="0">
-                <a:solidFill>
-                  <a:schemeClr val="accent1">
-                    <a:lumMod val="50000"/>
-                  </a:schemeClr>
-                </a:solidFill>
-                <a:latin typeface="Arial"/>
-                <a:cs typeface="Arial"/>
-              </a:rPr>
-              <a:t>                      </a:t>
-            </a:r>
-            <a:r>
-              <a:rPr lang="en-GB" sz="2800" b="1" dirty="0">
-                <a:solidFill>
-                  <a:schemeClr val="accent1">
-                    <a:lumMod val="50000"/>
-                  </a:schemeClr>
-                </a:solidFill>
-                <a:latin typeface="Arial"/>
-                <a:cs typeface="Arial"/>
-              </a:rPr>
-              <a:t>1) This section holds the list of books available in personal section</a:t>
-            </a:r>
-          </a:p>
-          <a:p>
-            <a:r>
-              <a:rPr lang="en-GB" sz="2800" b="1" dirty="0">
-                <a:solidFill>
-                  <a:schemeClr val="accent1">
-                    <a:lumMod val="50000"/>
-                  </a:schemeClr>
-                </a:solidFill>
-                <a:latin typeface="Arial"/>
-                <a:cs typeface="Arial"/>
-              </a:rPr>
-              <a:t>                      </a:t>
-            </a:r>
-            <a:endParaRPr lang="en-GB" sz="2800" b="1">
-              <a:solidFill>
-                <a:schemeClr val="accent1">
-                  <a:lumMod val="50000"/>
-                </a:schemeClr>
-              </a:solidFill>
-              <a:latin typeface="Arial"/>
-              <a:cs typeface="Arial"/>
-            </a:endParaRPr>
-          </a:p>
-          <a:p>
-            <a:r>
-              <a:rPr lang="en-GB" sz="2800" b="1" dirty="0">
-                <a:solidFill>
-                  <a:schemeClr val="accent1">
-                    <a:lumMod val="50000"/>
-                  </a:schemeClr>
-                </a:solidFill>
-                <a:latin typeface="Arial"/>
-                <a:cs typeface="Arial"/>
-              </a:rPr>
-              <a:t>               2)  In addition to that it has customized search where we can able to search the books based on topics.</a:t>
-            </a:r>
-            <a:endParaRPr lang="en-GB" sz="2800" b="1">
-              <a:solidFill>
-                <a:schemeClr val="accent1">
-                  <a:lumMod val="50000"/>
-                </a:schemeClr>
-              </a:solidFill>
-              <a:latin typeface="Arial"/>
-              <a:cs typeface="Arial"/>
-            </a:endParaRPr>
-          </a:p>
-        </p:txBody>
-      </p:sp>
+          <p:cNvPicPr>
+            <a:picLocks noGrp="1" noChangeAspect="1"/>
+          </p:cNvPicPr>
+          <p:nvPr>
+            <p:ph idx="1"/>
+          </p:nvPr>
+        </p:nvPicPr>
+        <p:blipFill>
+          <a:blip r:embed="rId2"/>
+          <a:stretch>
+            <a:fillRect/>
+          </a:stretch>
+        </p:blipFill>
+        <p:spPr>
+          <a:xfrm>
+            <a:off x="4866" y="2525296"/>
+            <a:ext cx="12189639" cy="4336757"/>
+          </a:xfrm>
+        </p:spPr>
+      </p:pic>
     </p:spTree>
     <p:extLst>
       <p:ext uri="{BB962C8B-B14F-4D97-AF65-F5344CB8AC3E}">
-        <p14:creationId xmlns:p14="http://schemas.microsoft.com/office/powerpoint/2010/main" val="2452647310"/>
+        <p14:creationId xmlns:p14="http://schemas.microsoft.com/office/powerpoint/2010/main" val="1913734537"/>
       </p:ext>
     </p:extLst>
   </p:cSld>
@@ -9333,7 +10760,7 @@
       </p:grpSpPr>
       <p:sp useBgFill="1">
         <p:nvSpPr>
-          <p:cNvPr id="8" name="Rectangle 7">
+          <p:cNvPr id="5" name="Rectangle 7">
             <a:extLst>
               <a:ext uri="{FF2B5EF4-FFF2-40B4-BE49-F238E27FC236}">
                 <a16:creationId xmlns:a16="http://schemas.microsoft.com/office/drawing/2014/main" id="{29DC5A77-10C9-4ECF-B7EB-8D917F36A9EE}"/>
@@ -9393,7 +10820,7 @@
       </p:sp>
       <p:sp>
         <p:nvSpPr>
-          <p:cNvPr id="10" name="Rectangle 9">
+          <p:cNvPr id="6" name="Rectangle 9">
             <a:extLst>
               <a:ext uri="{FF2B5EF4-FFF2-40B4-BE49-F238E27FC236}">
                 <a16:creationId xmlns:a16="http://schemas.microsoft.com/office/drawing/2014/main" id="{2FFE28B5-FB16-49A9-B851-3C35FAC0CACB}"/>
@@ -9458,7 +10885,7 @@
           <p:cNvPr id="2" name="Title 1">
             <a:extLst>
               <a:ext uri="{FF2B5EF4-FFF2-40B4-BE49-F238E27FC236}">
-                <a16:creationId xmlns:a16="http://schemas.microsoft.com/office/drawing/2014/main" id="{FD65F6C6-3FCF-459F-8A15-0D9283A6E883}"/>
+                <a16:creationId xmlns:a16="http://schemas.microsoft.com/office/drawing/2014/main" id="{42CA5B38-EBAF-4C64-91A1-6E5300D607D5}"/>
               </a:ext>
             </a:extLst>
           </p:cNvPr>
@@ -9476,21 +10903,22 @@
           </a:xfrm>
         </p:spPr>
         <p:txBody>
-          <a:bodyPr>
+          <a:bodyPr vert="horz" lIns="91440" tIns="45720" rIns="91440" bIns="45720" rtlCol="0">
             <a:normAutofit/>
           </a:bodyPr>
           <a:lstStyle/>
           <a:p>
             <a:r>
-              <a:rPr lang="en-GB" dirty="0"/>
-              <a:t>                      PERSONAL SECTION</a:t>
+              <a:rPr lang="en-US" b="1" spc="-100" dirty="0"/>
+              <a:t>                               SOCIAL SECTION</a:t>
             </a:r>
+            <a:endParaRPr lang="en-US" dirty="0"/>
           </a:p>
         </p:txBody>
       </p:sp>
       <p:sp>
         <p:nvSpPr>
-          <p:cNvPr id="12" name="Rectangle 11">
+          <p:cNvPr id="7" name="Rectangle 11">
             <a:extLst>
               <a:ext uri="{FF2B5EF4-FFF2-40B4-BE49-F238E27FC236}">
                 <a16:creationId xmlns:a16="http://schemas.microsoft.com/office/drawing/2014/main" id="{01014442-855A-4E0F-8D09-C314661A48B9}"/>
@@ -9547,7 +10975,7 @@
       </p:sp>
       <p:sp>
         <p:nvSpPr>
-          <p:cNvPr id="14" name="Rectangle 13">
+          <p:cNvPr id="9" name="Rectangle 13">
             <a:extLst>
               <a:ext uri="{FF2B5EF4-FFF2-40B4-BE49-F238E27FC236}">
                 <a16:creationId xmlns:a16="http://schemas.microsoft.com/office/drawing/2014/main" id="{9B1ABF09-86CF-414E-88A5-2B84CC7232A9}"/>
@@ -9604,7 +11032,7 @@
       </p:sp>
       <p:sp>
         <p:nvSpPr>
-          <p:cNvPr id="16" name="Rectangle 15">
+          <p:cNvPr id="11" name="Rectangle 15">
             <a:extLst>
               <a:ext uri="{FF2B5EF4-FFF2-40B4-BE49-F238E27FC236}">
                 <a16:creationId xmlns:a16="http://schemas.microsoft.com/office/drawing/2014/main" id="{3FE91770-CDBB-4D24-94E5-AD484F36CE87}"/>
@@ -9668,39 +11096,117 @@
           </a:p>
         </p:txBody>
       </p:sp>
-      <p:pic>
-        <p:nvPicPr>
-          <p:cNvPr id="4" name="Picture 4" descr="A screenshot of a cell phone&#10;&#10;Description generated with very high confidence">
+      <p:sp>
+        <p:nvSpPr>
+          <p:cNvPr id="10" name="TextBox 9">
             <a:extLst>
               <a:ext uri="{FF2B5EF4-FFF2-40B4-BE49-F238E27FC236}">
-                <a16:creationId xmlns:a16="http://schemas.microsoft.com/office/drawing/2014/main" id="{49573FA8-BE3D-4481-AB71-158672E62A28}"/>
+                <a16:creationId xmlns:a16="http://schemas.microsoft.com/office/drawing/2014/main" id="{E7E1857B-DD12-4EAA-A375-66DFDDF0CACF}"/>
               </a:ext>
             </a:extLst>
           </p:cNvPr>
-          <p:cNvPicPr>
-            <a:picLocks noGrp="1" noChangeAspect="1"/>
-          </p:cNvPicPr>
-          <p:nvPr>
-            <p:ph idx="1"/>
-          </p:nvPr>
-        </p:nvPicPr>
-        <p:blipFill>
-          <a:blip r:embed="rId2"/>
-          <a:stretch>
-            <a:fillRect/>
-          </a:stretch>
-        </p:blipFill>
-        <p:spPr>
-          <a:xfrm>
-            <a:off x="4866" y="2525296"/>
-            <a:ext cx="12189639" cy="4336757"/>
-          </a:xfrm>
-        </p:spPr>
-      </p:pic>
+          <p:cNvSpPr txBox="1"/>
+          <p:nvPr/>
+        </p:nvSpPr>
+        <p:spPr>
+          <a:xfrm>
+            <a:off x="1877683" y="3085381"/>
+            <a:ext cx="9284897" cy="3570208"/>
+          </a:xfrm>
+          <a:prstGeom prst="rect">
+            <a:avLst/>
+          </a:prstGeom>
+          <a:noFill/>
+        </p:spPr>
+        <p:txBody>
+          <a:bodyPr rot="0" spcFirstLastPara="0" vertOverflow="overflow" horzOverflow="overflow" vert="horz" wrap="square" lIns="91440" tIns="45720" rIns="91440" bIns="45720" numCol="1" spcCol="0" rtlCol="0" fromWordArt="0" anchor="t" anchorCtr="0" forceAA="0" compatLnSpc="1">
+            <a:prstTxWarp prst="textNoShape">
+              <a:avLst/>
+            </a:prstTxWarp>
+            <a:spAutoFit/>
+          </a:bodyPr>
+          <a:lstStyle/>
+          <a:p>
+            <a:r>
+              <a:rPr lang="en-GB" sz="4000" b="1" dirty="0">
+                <a:solidFill>
+                  <a:srgbClr val="FF0000"/>
+                </a:solidFill>
+                <a:latin typeface="Arial"/>
+                <a:cs typeface="Arial"/>
+              </a:rPr>
+              <a:t>Social Section :</a:t>
+            </a:r>
+          </a:p>
+          <a:p>
+            <a:r>
+              <a:rPr lang="en-GB" dirty="0">
+                <a:latin typeface="Arial"/>
+                <a:cs typeface="Arial"/>
+              </a:rPr>
+              <a:t>                      </a:t>
+            </a:r>
+          </a:p>
+          <a:p>
+            <a:r>
+              <a:rPr lang="en-GB" dirty="0">
+                <a:solidFill>
+                  <a:schemeClr val="accent1">
+                    <a:lumMod val="50000"/>
+                  </a:schemeClr>
+                </a:solidFill>
+                <a:latin typeface="Arial"/>
+                <a:cs typeface="Arial"/>
+              </a:rPr>
+              <a:t>                      </a:t>
+            </a:r>
+            <a:r>
+              <a:rPr lang="en-GB" sz="2800" b="1" dirty="0">
+                <a:solidFill>
+                  <a:schemeClr val="accent1">
+                    <a:lumMod val="50000"/>
+                  </a:schemeClr>
+                </a:solidFill>
+                <a:latin typeface="Arial"/>
+                <a:cs typeface="Arial"/>
+              </a:rPr>
+              <a:t>1) This section holds the list of books available in social section</a:t>
+            </a:r>
+          </a:p>
+          <a:p>
+            <a:r>
+              <a:rPr lang="en-GB" sz="2800" b="1" dirty="0">
+                <a:solidFill>
+                  <a:schemeClr val="accent1">
+                    <a:lumMod val="50000"/>
+                  </a:schemeClr>
+                </a:solidFill>
+                <a:latin typeface="Arial"/>
+                <a:cs typeface="Arial"/>
+              </a:rPr>
+              <a:t>                      </a:t>
+            </a:r>
+          </a:p>
+          <a:p>
+            <a:r>
+              <a:rPr lang="en-GB" sz="2800" b="1" dirty="0">
+                <a:solidFill>
+                  <a:schemeClr val="accent1">
+                    <a:lumMod val="50000"/>
+                  </a:schemeClr>
+                </a:solidFill>
+                <a:latin typeface="Arial"/>
+                <a:cs typeface="Arial"/>
+              </a:rPr>
+              <a:t>               2)  In addition to that it has customized search where we can able to search the books based on topics.</a:t>
+            </a:r>
+          </a:p>
+        </p:txBody>
+      </p:sp>
     </p:spTree>
     <p:extLst>
       <p:ext uri="{BB962C8B-B14F-4D97-AF65-F5344CB8AC3E}">
-        <p14:creationId xmlns:p14="http://schemas.microsoft.com/office/powerpoint/2010/main" val="1913734537"/>
+        <p14:creationId xmlns:p14="http://schemas.microsoft.com/office/powerpoint/2010/main" val="627959921"/>
       </p:ext>
     </p:extLst>
   </p:cSld>
@@ -10088,7 +11594,7 @@
         <p:spPr>
           <a:xfrm>
             <a:off x="1877683" y="3085381"/>
-            <a:ext cx="9284897" cy="3570208"/>
+            <a:ext cx="9284897" cy="2708434"/>
           </a:xfrm>
           <a:prstGeom prst="rect">
             <a:avLst/>
@@ -10123,10 +11629,6 @@
               </a:rPr>
               <a:t>                      </a:t>
             </a:r>
-            <a:endParaRPr lang="en-GB">
-              <a:latin typeface="Arial"/>
-              <a:cs typeface="Arial"/>
-            </a:endParaRPr>
           </a:p>
           <a:p>
             <a:r>
@@ -10151,7 +11653,7 @@
                 <a:latin typeface="Arial"/>
                 <a:cs typeface="Arial"/>
               </a:rPr>
-              <a:t>1) This section holds the list of books available in social section</a:t>
+              <a:t>3) Book Recommendation:  </a:t>
             </a:r>
           </a:p>
           <a:p>
@@ -10165,17 +11667,8 @@
                 <a:latin typeface="Arial"/>
                 <a:cs typeface="Arial"/>
               </a:rPr>
-              <a:t>                      </a:t>
+              <a:t>                             </a:t>
             </a:r>
-            <a:endParaRPr lang="en-GB" sz="2800" b="1">
-              <a:solidFill>
-                <a:schemeClr val="accent1">
-                  <a:lumMod val="50000"/>
-                </a:schemeClr>
-              </a:solidFill>
-              <a:latin typeface="Arial"/>
-              <a:cs typeface="Arial"/>
-            </a:endParaRPr>
           </a:p>
           <a:p>
             <a:r>
@@ -10188,24 +11681,39 @@
                 <a:latin typeface="Arial"/>
                 <a:cs typeface="Arial"/>
               </a:rPr>
-              <a:t>               2)  In addition to that it has customized search where we can able to search the books based on topics.</a:t>
+              <a:t>                             User can able to view other user books if they share </a:t>
             </a:r>
-            <a:endParaRPr lang="en-GB" sz="2800" b="1">
-              <a:solidFill>
-                <a:schemeClr val="accent1">
-                  <a:lumMod val="50000"/>
-                </a:schemeClr>
-              </a:solidFill>
-              <a:latin typeface="Arial"/>
-              <a:cs typeface="Arial"/>
-            </a:endParaRPr>
+            <a:r>
+              <a:rPr lang="en-GB" sz="2800" b="1" dirty="0" err="1">
+                <a:solidFill>
+                  <a:schemeClr val="accent1">
+                    <a:lumMod val="50000"/>
+                  </a:schemeClr>
+                </a:solidFill>
+                <a:latin typeface="Arial"/>
+                <a:cs typeface="Arial"/>
+              </a:rPr>
+              <a:t>atleast</a:t>
+            </a:r>
+            <a:r>
+              <a:rPr lang="en-GB" sz="2800" b="1" dirty="0">
+                <a:solidFill>
+                  <a:schemeClr val="accent1">
+                    <a:lumMod val="50000"/>
+                  </a:schemeClr>
+                </a:solidFill>
+                <a:latin typeface="Arial"/>
+                <a:cs typeface="Arial"/>
+              </a:rPr>
+              <a:t> three books in common.</a:t>
+            </a:r>
           </a:p>
         </p:txBody>
       </p:sp>
     </p:spTree>
     <p:extLst>
       <p:ext uri="{BB962C8B-B14F-4D97-AF65-F5344CB8AC3E}">
-        <p14:creationId xmlns:p14="http://schemas.microsoft.com/office/powerpoint/2010/main" val="627959921"/>
+        <p14:creationId xmlns:p14="http://schemas.microsoft.com/office/powerpoint/2010/main" val="327072001"/>
       </p:ext>
     </p:extLst>
   </p:cSld>
@@ -12524,6 +14032,14 @@
 <file path=ppt/slides/slide29.xml><?xml version="1.0" encoding="utf-8"?>
 <p:sld xmlns:a="http://schemas.openxmlformats.org/drawingml/2006/main" xmlns:r="http://schemas.openxmlformats.org/officeDocument/2006/relationships" xmlns:p="http://schemas.openxmlformats.org/presentationml/2006/main">
   <p:cSld>
+    <p:bg>
+      <p:bgPr>
+        <a:solidFill>
+          <a:schemeClr val="bg1"/>
+        </a:solidFill>
+        <a:effectLst/>
+      </p:bgPr>
+    </p:bg>
     <p:spTree>
       <p:nvGrpSpPr>
         <p:cNvPr id="1" name=""/>
@@ -12538,40 +14054,410 @@
           <a:chExt cx="0" cy="0"/>
         </a:xfrm>
       </p:grpSpPr>
-      <p:pic>
-        <p:nvPicPr>
-          <p:cNvPr id="4" name="Picture 4" descr="A picture containing toy&#10;&#10;Description generated with very high confidence">
+      <p:sp useBgFill="1">
+        <p:nvSpPr>
+          <p:cNvPr id="5" name="Rectangle 7">
             <a:extLst>
               <a:ext uri="{FF2B5EF4-FFF2-40B4-BE49-F238E27FC236}">
-                <a16:creationId xmlns:a16="http://schemas.microsoft.com/office/drawing/2014/main" id="{7F10DB16-F3F9-4137-A171-77D7CDDFA34A}"/>
+                <a16:creationId xmlns:a16="http://schemas.microsoft.com/office/drawing/2014/main" id="{29DC5A77-10C9-4ECF-B7EB-8D917F36A9EE}"/>
+              </a:ext>
+              <a:ext uri="{C183D7F6-B498-43B3-948B-1728B52AA6E4}">
+                <adec:decorative xmlns:adec="http://schemas.microsoft.com/office/drawing/2017/decorative" val="1"/>
               </a:ext>
             </a:extLst>
           </p:cNvPr>
-          <p:cNvPicPr>
-            <a:picLocks noChangeAspect="1"/>
-          </p:cNvPicPr>
-          <p:nvPr/>
-        </p:nvPicPr>
-        <p:blipFill>
-          <a:blip r:embed="rId2"/>
-          <a:stretch>
-            <a:fillRect/>
-          </a:stretch>
-        </p:blipFill>
-        <p:spPr>
-          <a:xfrm>
-            <a:off x="2294626" y="1020074"/>
-            <a:ext cx="7113916" cy="5349815"/>
+          <p:cNvSpPr>
+            <a:spLocks noGrp="1" noRot="1" noChangeAspect="1" noMove="1" noResize="1" noEditPoints="1" noAdjustHandles="1" noChangeArrowheads="1" noChangeShapeType="1" noTextEdit="1"/>
+          </p:cNvSpPr>
+          <p:nvPr>
+            <p:extLst>
+              <p:ext uri="{386F3935-93C4-4BCD-93E2-E3B085C9AB24}">
+                <p16:designElem xmlns:p16="http://schemas.microsoft.com/office/powerpoint/2015/main" val="1"/>
+              </p:ext>
+            </p:extLst>
+          </p:nvPr>
+        </p:nvSpPr>
+        <p:spPr>
+          <a:xfrm>
+            <a:off x="0" y="0"/>
+            <a:ext cx="12192000" cy="6858000"/>
           </a:xfrm>
           <a:prstGeom prst="rect">
             <a:avLst/>
           </a:prstGeom>
-        </p:spPr>
-      </p:pic>
+          <a:ln>
+            <a:noFill/>
+          </a:ln>
+        </p:spPr>
+        <p:style>
+          <a:lnRef idx="2">
+            <a:schemeClr val="accent1">
+              <a:shade val="50000"/>
+            </a:schemeClr>
+          </a:lnRef>
+          <a:fillRef idx="1">
+            <a:schemeClr val="accent1"/>
+          </a:fillRef>
+          <a:effectRef idx="0">
+            <a:schemeClr val="accent1"/>
+          </a:effectRef>
+          <a:fontRef idx="minor">
+            <a:schemeClr val="lt1"/>
+          </a:fontRef>
+        </p:style>
+        <p:txBody>
+          <a:bodyPr rtlCol="0" anchor="ctr"/>
+          <a:lstStyle/>
+          <a:p>
+            <a:pPr algn="ctr"/>
+            <a:endParaRPr lang="en-US"/>
+          </a:p>
+        </p:txBody>
+      </p:sp>
+      <p:sp>
+        <p:nvSpPr>
+          <p:cNvPr id="6" name="Rectangle 9">
+            <a:extLst>
+              <a:ext uri="{FF2B5EF4-FFF2-40B4-BE49-F238E27FC236}">
+                <a16:creationId xmlns:a16="http://schemas.microsoft.com/office/drawing/2014/main" id="{2FFE28B5-FB16-49A9-B851-3C35FAC0CACB}"/>
+              </a:ext>
+              <a:ext uri="{C183D7F6-B498-43B3-948B-1728B52AA6E4}">
+                <adec:decorative xmlns:adec="http://schemas.microsoft.com/office/drawing/2017/decorative" val="1"/>
+              </a:ext>
+            </a:extLst>
+          </p:cNvPr>
+          <p:cNvSpPr>
+            <a:spLocks noGrp="1" noRot="1" noChangeAspect="1" noMove="1" noResize="1" noEditPoints="1" noAdjustHandles="1" noChangeArrowheads="1" noChangeShapeType="1" noTextEdit="1"/>
+          </p:cNvSpPr>
+          <p:nvPr>
+            <p:extLst>
+              <p:ext uri="{386F3935-93C4-4BCD-93E2-E3B085C9AB24}">
+                <p16:designElem xmlns:p16="http://schemas.microsoft.com/office/powerpoint/2015/main" val="1"/>
+              </p:ext>
+            </p:extLst>
+          </p:nvPr>
+        </p:nvSpPr>
+        <p:spPr>
+          <a:xfrm>
+            <a:off x="1" y="758952"/>
+            <a:ext cx="10905976" cy="1651133"/>
+          </a:xfrm>
+          <a:prstGeom prst="rect">
+            <a:avLst/>
+          </a:prstGeom>
+          <a:solidFill>
+            <a:schemeClr val="accent1"/>
+          </a:solidFill>
+          <a:ln>
+            <a:noFill/>
+          </a:ln>
+        </p:spPr>
+        <p:style>
+          <a:lnRef idx="2">
+            <a:schemeClr val="accent1">
+              <a:shade val="50000"/>
+            </a:schemeClr>
+          </a:lnRef>
+          <a:fillRef idx="1">
+            <a:schemeClr val="accent1"/>
+          </a:fillRef>
+          <a:effectRef idx="0">
+            <a:schemeClr val="accent1"/>
+          </a:effectRef>
+          <a:fontRef idx="minor">
+            <a:schemeClr val="lt1"/>
+          </a:fontRef>
+        </p:style>
+        <p:txBody>
+          <a:bodyPr/>
+          <a:lstStyle/>
+          <a:p>
+            <a:endParaRPr lang="en-US" dirty="0"/>
+          </a:p>
+        </p:txBody>
+      </p:sp>
+      <p:sp>
+        <p:nvSpPr>
+          <p:cNvPr id="2" name="Title 1">
+            <a:extLst>
+              <a:ext uri="{FF2B5EF4-FFF2-40B4-BE49-F238E27FC236}">
+                <a16:creationId xmlns:a16="http://schemas.microsoft.com/office/drawing/2014/main" id="{42CA5B38-EBAF-4C64-91A1-6E5300D607D5}"/>
+              </a:ext>
+            </a:extLst>
+          </p:cNvPr>
+          <p:cNvSpPr>
+            <a:spLocks noGrp="1"/>
+          </p:cNvSpPr>
+          <p:nvPr>
+            <p:ph type="title"/>
+          </p:nvPr>
+        </p:nvSpPr>
+        <p:spPr>
+          <a:xfrm>
+            <a:off x="1600754" y="1087374"/>
+            <a:ext cx="8983489" cy="1000978"/>
+          </a:xfrm>
+        </p:spPr>
+        <p:txBody>
+          <a:bodyPr vert="horz" lIns="91440" tIns="45720" rIns="91440" bIns="45720" rtlCol="0">
+            <a:normAutofit/>
+          </a:bodyPr>
+          <a:lstStyle/>
+          <a:p>
+            <a:r>
+              <a:rPr lang="en-US" b="1" spc="-100" dirty="0"/>
+              <a:t>                       APP DEPLOYMENT</a:t>
+            </a:r>
+          </a:p>
+        </p:txBody>
+      </p:sp>
+      <p:sp>
+        <p:nvSpPr>
+          <p:cNvPr id="7" name="Rectangle 11">
+            <a:extLst>
+              <a:ext uri="{FF2B5EF4-FFF2-40B4-BE49-F238E27FC236}">
+                <a16:creationId xmlns:a16="http://schemas.microsoft.com/office/drawing/2014/main" id="{01014442-855A-4E0F-8D09-C314661A48B9}"/>
+              </a:ext>
+              <a:ext uri="{C183D7F6-B498-43B3-948B-1728B52AA6E4}">
+                <adec:decorative xmlns:adec="http://schemas.microsoft.com/office/drawing/2017/decorative" val="1"/>
+              </a:ext>
+            </a:extLst>
+          </p:cNvPr>
+          <p:cNvSpPr>
+            <a:spLocks noGrp="1" noRot="1" noChangeAspect="1" noMove="1" noResize="1" noEditPoints="1" noAdjustHandles="1" noChangeArrowheads="1" noChangeShapeType="1" noTextEdit="1"/>
+          </p:cNvSpPr>
+          <p:nvPr>
+            <p:extLst>
+              <p:ext uri="{386F3935-93C4-4BCD-93E2-E3B085C9AB24}">
+                <p16:designElem xmlns:p16="http://schemas.microsoft.com/office/powerpoint/2015/main" val="1"/>
+              </p:ext>
+            </p:extLst>
+          </p:nvPr>
+        </p:nvSpPr>
+        <p:spPr>
+          <a:xfrm>
+            <a:off x="11014533" y="758952"/>
+            <a:ext cx="1185379" cy="1651133"/>
+          </a:xfrm>
+          <a:prstGeom prst="rect">
+            <a:avLst/>
+          </a:prstGeom>
+          <a:solidFill>
+            <a:srgbClr val="C8C8C8">
+              <a:alpha val="49804"/>
+            </a:srgbClr>
+          </a:solidFill>
+          <a:ln>
+            <a:noFill/>
+          </a:ln>
+        </p:spPr>
+        <p:style>
+          <a:lnRef idx="2">
+            <a:schemeClr val="accent1">
+              <a:shade val="50000"/>
+            </a:schemeClr>
+          </a:lnRef>
+          <a:fillRef idx="1">
+            <a:schemeClr val="accent1"/>
+          </a:fillRef>
+          <a:effectRef idx="0">
+            <a:schemeClr val="accent1"/>
+          </a:effectRef>
+          <a:fontRef idx="minor">
+            <a:schemeClr val="lt1"/>
+          </a:fontRef>
+        </p:style>
+      </p:sp>
+      <p:sp>
+        <p:nvSpPr>
+          <p:cNvPr id="9" name="Rectangle 13">
+            <a:extLst>
+              <a:ext uri="{FF2B5EF4-FFF2-40B4-BE49-F238E27FC236}">
+                <a16:creationId xmlns:a16="http://schemas.microsoft.com/office/drawing/2014/main" id="{9B1ABF09-86CF-414E-88A5-2B84CC7232A9}"/>
+              </a:ext>
+              <a:ext uri="{C183D7F6-B498-43B3-948B-1728B52AA6E4}">
+                <adec:decorative xmlns:adec="http://schemas.microsoft.com/office/drawing/2017/decorative" val="1"/>
+              </a:ext>
+            </a:extLst>
+          </p:cNvPr>
+          <p:cNvSpPr>
+            <a:spLocks noGrp="1" noRot="1" noChangeAspect="1" noMove="1" noResize="1" noEditPoints="1" noAdjustHandles="1" noChangeArrowheads="1" noChangeShapeType="1" noTextEdit="1"/>
+          </p:cNvSpPr>
+          <p:nvPr>
+            <p:extLst>
+              <p:ext uri="{386F3935-93C4-4BCD-93E2-E3B085C9AB24}">
+                <p16:designElem xmlns:p16="http://schemas.microsoft.com/office/powerpoint/2015/main" val="1"/>
+              </p:ext>
+            </p:extLst>
+          </p:nvPr>
+        </p:nvSpPr>
+        <p:spPr>
+          <a:xfrm>
+            <a:off x="763" y="2526526"/>
+            <a:ext cx="1169701" cy="3563378"/>
+          </a:xfrm>
+          <a:prstGeom prst="rect">
+            <a:avLst/>
+          </a:prstGeom>
+          <a:solidFill>
+            <a:srgbClr val="C8C8C8">
+              <a:alpha val="49804"/>
+            </a:srgbClr>
+          </a:solidFill>
+          <a:ln>
+            <a:noFill/>
+          </a:ln>
+        </p:spPr>
+        <p:style>
+          <a:lnRef idx="2">
+            <a:schemeClr val="accent1">
+              <a:shade val="50000"/>
+            </a:schemeClr>
+          </a:lnRef>
+          <a:fillRef idx="1">
+            <a:schemeClr val="accent1"/>
+          </a:fillRef>
+          <a:effectRef idx="0">
+            <a:schemeClr val="accent1"/>
+          </a:effectRef>
+          <a:fontRef idx="minor">
+            <a:schemeClr val="lt1"/>
+          </a:fontRef>
+        </p:style>
+      </p:sp>
+      <p:sp>
+        <p:nvSpPr>
+          <p:cNvPr id="11" name="Rectangle 15">
+            <a:extLst>
+              <a:ext uri="{FF2B5EF4-FFF2-40B4-BE49-F238E27FC236}">
+                <a16:creationId xmlns:a16="http://schemas.microsoft.com/office/drawing/2014/main" id="{3FE91770-CDBB-4D24-94E5-AD484F36CE87}"/>
+              </a:ext>
+              <a:ext uri="{C183D7F6-B498-43B3-948B-1728B52AA6E4}">
+                <adec:decorative xmlns:adec="http://schemas.microsoft.com/office/drawing/2017/decorative" val="1"/>
+              </a:ext>
+            </a:extLst>
+          </p:cNvPr>
+          <p:cNvSpPr>
+            <a:spLocks noGrp="1" noRot="1" noChangeAspect="1" noMove="1" noResize="1" noEditPoints="1" noAdjustHandles="1" noChangeArrowheads="1" noChangeShapeType="1" noTextEdit="1"/>
+          </p:cNvSpPr>
+          <p:nvPr>
+            <p:extLst>
+              <p:ext uri="{386F3935-93C4-4BCD-93E2-E3B085C9AB24}">
+                <p16:designElem xmlns:p16="http://schemas.microsoft.com/office/powerpoint/2015/main" val="1"/>
+              </p:ext>
+            </p:extLst>
+          </p:nvPr>
+        </p:nvSpPr>
+        <p:spPr>
+          <a:xfrm>
+            <a:off x="1279019" y="2526526"/>
+            <a:ext cx="10920893" cy="3563377"/>
+          </a:xfrm>
+          <a:prstGeom prst="rect">
+            <a:avLst/>
+          </a:prstGeom>
+          <a:solidFill>
+            <a:schemeClr val="bg2">
+              <a:lumMod val="60000"/>
+              <a:lumOff val="40000"/>
+              <a:alpha val="60000"/>
+            </a:schemeClr>
+          </a:solidFill>
+          <a:ln>
+            <a:noFill/>
+          </a:ln>
+        </p:spPr>
+        <p:style>
+          <a:lnRef idx="2">
+            <a:schemeClr val="accent1">
+              <a:shade val="50000"/>
+            </a:schemeClr>
+          </a:lnRef>
+          <a:fillRef idx="1">
+            <a:schemeClr val="accent1"/>
+          </a:fillRef>
+          <a:effectRef idx="0">
+            <a:schemeClr val="accent1"/>
+          </a:effectRef>
+          <a:fontRef idx="minor">
+            <a:schemeClr val="lt1"/>
+          </a:fontRef>
+        </p:style>
+        <p:txBody>
+          <a:bodyPr/>
+          <a:lstStyle/>
+          <a:p>
+            <a:endParaRPr lang="en-US" dirty="0"/>
+          </a:p>
+        </p:txBody>
+      </p:sp>
+      <p:sp>
+        <p:nvSpPr>
+          <p:cNvPr id="10" name="TextBox 9">
+            <a:extLst>
+              <a:ext uri="{FF2B5EF4-FFF2-40B4-BE49-F238E27FC236}">
+                <a16:creationId xmlns:a16="http://schemas.microsoft.com/office/drawing/2014/main" id="{E7E1857B-DD12-4EAA-A375-66DFDDF0CACF}"/>
+              </a:ext>
+            </a:extLst>
+          </p:cNvPr>
+          <p:cNvSpPr txBox="1"/>
+          <p:nvPr/>
+        </p:nvSpPr>
+        <p:spPr>
+          <a:xfrm>
+            <a:off x="1273834" y="2567797"/>
+            <a:ext cx="9888746" cy="523220"/>
+          </a:xfrm>
+          <a:prstGeom prst="rect">
+            <a:avLst/>
+          </a:prstGeom>
+          <a:noFill/>
+        </p:spPr>
+        <p:txBody>
+          <a:bodyPr rot="0" spcFirstLastPara="0" vertOverflow="overflow" horzOverflow="overflow" vert="horz" wrap="square" lIns="91440" tIns="45720" rIns="91440" bIns="45720" numCol="1" spcCol="0" rtlCol="0" fromWordArt="0" anchor="t" anchorCtr="0" forceAA="0" compatLnSpc="1">
+            <a:prstTxWarp prst="textNoShape">
+              <a:avLst/>
+            </a:prstTxWarp>
+            <a:spAutoFit/>
+          </a:bodyPr>
+          <a:lstStyle/>
+          <a:p>
+            <a:r>
+              <a:rPr lang="en-GB" sz="2800" b="1" dirty="0">
+                <a:solidFill>
+                  <a:schemeClr val="accent1">
+                    <a:lumMod val="50000"/>
+                  </a:schemeClr>
+                </a:solidFill>
+              </a:rPr>
+              <a:t> </a:t>
+            </a:r>
+            <a:r>
+              <a:rPr lang="en-GB" dirty="0">
+                <a:solidFill>
+                  <a:schemeClr val="accent1">
+                    <a:lumMod val="50000"/>
+                  </a:schemeClr>
+                </a:solidFill>
+              </a:rPr>
+              <a:t>                                                    </a:t>
+            </a:r>
+            <a:endParaRPr lang="en-GB" dirty="0">
+              <a:solidFill>
+                <a:schemeClr val="accent1">
+                  <a:lumMod val="50000"/>
+                </a:schemeClr>
+              </a:solidFill>
+              <a:latin typeface="Arial"/>
+              <a:cs typeface="Arial"/>
+            </a:endParaRPr>
+          </a:p>
+        </p:txBody>
+      </p:sp>
     </p:spTree>
     <p:extLst>
       <p:ext uri="{BB962C8B-B14F-4D97-AF65-F5344CB8AC3E}">
-        <p14:creationId xmlns:p14="http://schemas.microsoft.com/office/powerpoint/2010/main" val="3346105481"/>
+        <p14:creationId xmlns:p14="http://schemas.microsoft.com/office/powerpoint/2010/main" val="2116854974"/>
       </p:ext>
     </p:extLst>
   </p:cSld>
@@ -12613,6 +14499,66 @@
     <p:extLst>
       <p:ext uri="{BB962C8B-B14F-4D97-AF65-F5344CB8AC3E}">
         <p14:creationId xmlns:p14="http://schemas.microsoft.com/office/powerpoint/2010/main" val="2758617683"/>
+      </p:ext>
+    </p:extLst>
+  </p:cSld>
+  <p:clrMapOvr>
+    <a:masterClrMapping/>
+  </p:clrMapOvr>
+</p:sld>
+</file>
+
+<file path=ppt/slides/slide30.xml><?xml version="1.0" encoding="utf-8"?>
+<p:sld xmlns:a="http://schemas.openxmlformats.org/drawingml/2006/main" xmlns:r="http://schemas.openxmlformats.org/officeDocument/2006/relationships" xmlns:p="http://schemas.openxmlformats.org/presentationml/2006/main">
+  <p:cSld>
+    <p:spTree>
+      <p:nvGrpSpPr>
+        <p:cNvPr id="1" name=""/>
+        <p:cNvGrpSpPr/>
+        <p:nvPr/>
+      </p:nvGrpSpPr>
+      <p:grpSpPr>
+        <a:xfrm>
+          <a:off x="0" y="0"/>
+          <a:ext cx="0" cy="0"/>
+          <a:chOff x="0" y="0"/>
+          <a:chExt cx="0" cy="0"/>
+        </a:xfrm>
+      </p:grpSpPr>
+      <p:pic>
+        <p:nvPicPr>
+          <p:cNvPr id="4" name="Picture 4" descr="A picture containing toy&#10;&#10;Description generated with very high confidence">
+            <a:extLst>
+              <a:ext uri="{FF2B5EF4-FFF2-40B4-BE49-F238E27FC236}">
+                <a16:creationId xmlns:a16="http://schemas.microsoft.com/office/drawing/2014/main" id="{7F10DB16-F3F9-4137-A171-77D7CDDFA34A}"/>
+              </a:ext>
+            </a:extLst>
+          </p:cNvPr>
+          <p:cNvPicPr>
+            <a:picLocks noChangeAspect="1"/>
+          </p:cNvPicPr>
+          <p:nvPr/>
+        </p:nvPicPr>
+        <p:blipFill>
+          <a:blip r:embed="rId2"/>
+          <a:stretch>
+            <a:fillRect/>
+          </a:stretch>
+        </p:blipFill>
+        <p:spPr>
+          <a:xfrm>
+            <a:off x="2294626" y="1020074"/>
+            <a:ext cx="7113916" cy="5349815"/>
+          </a:xfrm>
+          <a:prstGeom prst="rect">
+            <a:avLst/>
+          </a:prstGeom>
+        </p:spPr>
+      </p:pic>
+    </p:spTree>
+    <p:extLst>
+      <p:ext uri="{BB962C8B-B14F-4D97-AF65-F5344CB8AC3E}">
+        <p14:creationId xmlns:p14="http://schemas.microsoft.com/office/powerpoint/2010/main" val="3346105481"/>
       </p:ext>
     </p:extLst>
   </p:cSld>
@@ -12668,12 +14614,9 @@
   <p:cSld>
     <p:bg>
       <p:bgPr>
-        <a:blipFill>
-          <a:blip r:embed="rId2"/>
-          <a:stretch>
-            <a:fillRect t="-17000" b="-17000"/>
-          </a:stretch>
-        </a:blipFill>
+        <a:solidFill>
+          <a:schemeClr val="bg1"/>
+        </a:solidFill>
         <a:effectLst/>
       </p:bgPr>
     </p:bg>
@@ -12691,10 +14634,410 @@
           <a:chExt cx="0" cy="0"/>
         </a:xfrm>
       </p:grpSpPr>
+      <p:sp>
+        <p:nvSpPr>
+          <p:cNvPr id="7" name="Rectangle 6">
+            <a:extLst>
+              <a:ext uri="{FF2B5EF4-FFF2-40B4-BE49-F238E27FC236}">
+                <a16:creationId xmlns:a16="http://schemas.microsoft.com/office/drawing/2014/main" id="{C162DF2A-64D1-4AA9-BA42-8A4063EADE09}"/>
+              </a:ext>
+              <a:ext uri="{C183D7F6-B498-43B3-948B-1728B52AA6E4}">
+                <adec:decorative xmlns:adec="http://schemas.microsoft.com/office/drawing/2017/decorative" val="1"/>
+              </a:ext>
+            </a:extLst>
+          </p:cNvPr>
+          <p:cNvSpPr>
+            <a:spLocks noGrp="1" noRot="1" noChangeAspect="1" noMove="1" noResize="1" noEditPoints="1" noAdjustHandles="1" noChangeArrowheads="1" noChangeShapeType="1" noTextEdit="1"/>
+          </p:cNvSpPr>
+          <p:nvPr>
+            <p:extLst>
+              <p:ext uri="{386F3935-93C4-4BCD-93E2-E3B085C9AB24}">
+                <p16:designElem xmlns:p16="http://schemas.microsoft.com/office/powerpoint/2015/main" val="1"/>
+              </p:ext>
+            </p:extLst>
+          </p:nvPr>
+        </p:nvSpPr>
+        <p:spPr>
+          <a:xfrm>
+            <a:off x="0" y="761999"/>
+            <a:ext cx="9141619" cy="5334001"/>
+          </a:xfrm>
+          <a:prstGeom prst="rect">
+            <a:avLst/>
+          </a:prstGeom>
+          <a:solidFill>
+            <a:schemeClr val="accent1"/>
+          </a:solidFill>
+          <a:ln>
+            <a:noFill/>
+          </a:ln>
+        </p:spPr>
+        <p:style>
+          <a:lnRef idx="2">
+            <a:schemeClr val="accent1">
+              <a:shade val="50000"/>
+            </a:schemeClr>
+          </a:lnRef>
+          <a:fillRef idx="1">
+            <a:schemeClr val="accent1"/>
+          </a:fillRef>
+          <a:effectRef idx="0">
+            <a:schemeClr val="accent1"/>
+          </a:effectRef>
+          <a:fontRef idx="minor">
+            <a:schemeClr val="lt1"/>
+          </a:fontRef>
+        </p:style>
+      </p:sp>
+      <p:sp>
+        <p:nvSpPr>
+          <p:cNvPr id="9" name="Rectangle 8">
+            <a:extLst>
+              <a:ext uri="{FF2B5EF4-FFF2-40B4-BE49-F238E27FC236}">
+                <a16:creationId xmlns:a16="http://schemas.microsoft.com/office/drawing/2014/main" id="{5D7C1373-63AF-4A75-909E-990E05356670}"/>
+              </a:ext>
+              <a:ext uri="{C183D7F6-B498-43B3-948B-1728B52AA6E4}">
+                <adec:decorative xmlns:adec="http://schemas.microsoft.com/office/drawing/2017/decorative" val="1"/>
+              </a:ext>
+            </a:extLst>
+          </p:cNvPr>
+          <p:cNvSpPr>
+            <a:spLocks noGrp="1" noRot="1" noChangeAspect="1" noMove="1" noResize="1" noEditPoints="1" noAdjustHandles="1" noChangeArrowheads="1" noChangeShapeType="1" noTextEdit="1"/>
+          </p:cNvSpPr>
+          <p:nvPr>
+            <p:extLst>
+              <p:ext uri="{386F3935-93C4-4BCD-93E2-E3B085C9AB24}">
+                <p16:designElem xmlns:p16="http://schemas.microsoft.com/office/powerpoint/2015/main" val="1"/>
+              </p:ext>
+            </p:extLst>
+          </p:nvPr>
+        </p:nvSpPr>
+        <p:spPr>
+          <a:xfrm>
+            <a:off x="9270263" y="761999"/>
+            <a:ext cx="2925318" cy="5334001"/>
+          </a:xfrm>
+          <a:prstGeom prst="rect">
+            <a:avLst/>
+          </a:prstGeom>
+          <a:solidFill>
+            <a:srgbClr val="C8C8C8">
+              <a:alpha val="49804"/>
+            </a:srgbClr>
+          </a:solidFill>
+          <a:ln>
+            <a:noFill/>
+          </a:ln>
+        </p:spPr>
+        <p:style>
+          <a:lnRef idx="2">
+            <a:schemeClr val="accent1">
+              <a:shade val="50000"/>
+            </a:schemeClr>
+          </a:lnRef>
+          <a:fillRef idx="1">
+            <a:schemeClr val="accent1"/>
+          </a:fillRef>
+          <a:effectRef idx="0">
+            <a:schemeClr val="accent1"/>
+          </a:effectRef>
+          <a:fontRef idx="minor">
+            <a:schemeClr val="lt1"/>
+          </a:fontRef>
+        </p:style>
+      </p:sp>
+      <p:sp useBgFill="1">
+        <p:nvSpPr>
+          <p:cNvPr id="11" name="Rectangle 10">
+            <a:extLst>
+              <a:ext uri="{FF2B5EF4-FFF2-40B4-BE49-F238E27FC236}">
+                <a16:creationId xmlns:a16="http://schemas.microsoft.com/office/drawing/2014/main" id="{2F4AD318-2FB6-4C6E-931E-58E404FA18CD}"/>
+              </a:ext>
+              <a:ext uri="{C183D7F6-B498-43B3-948B-1728B52AA6E4}">
+                <adec:decorative xmlns:adec="http://schemas.microsoft.com/office/drawing/2017/decorative" val="1"/>
+              </a:ext>
+            </a:extLst>
+          </p:cNvPr>
+          <p:cNvSpPr>
+            <a:spLocks noGrp="1" noRot="1" noChangeAspect="1" noMove="1" noResize="1" noEditPoints="1" noAdjustHandles="1" noChangeArrowheads="1" noChangeShapeType="1" noTextEdit="1"/>
+          </p:cNvSpPr>
+          <p:nvPr>
+            <p:extLst>
+              <p:ext uri="{386F3935-93C4-4BCD-93E2-E3B085C9AB24}">
+                <p16:designElem xmlns:p16="http://schemas.microsoft.com/office/powerpoint/2015/main" val="1"/>
+              </p:ext>
+            </p:extLst>
+          </p:nvPr>
+        </p:nvSpPr>
+        <p:spPr>
+          <a:xfrm>
+            <a:off x="0" y="0"/>
+            <a:ext cx="12192000" cy="6858000"/>
+          </a:xfrm>
+          <a:prstGeom prst="rect">
+            <a:avLst/>
+          </a:prstGeom>
+          <a:ln>
+            <a:noFill/>
+          </a:ln>
+        </p:spPr>
+        <p:style>
+          <a:lnRef idx="2">
+            <a:schemeClr val="accent1">
+              <a:shade val="50000"/>
+            </a:schemeClr>
+          </a:lnRef>
+          <a:fillRef idx="1">
+            <a:schemeClr val="accent1"/>
+          </a:fillRef>
+          <a:effectRef idx="0">
+            <a:schemeClr val="accent1"/>
+          </a:effectRef>
+          <a:fontRef idx="minor">
+            <a:schemeClr val="lt1"/>
+          </a:fontRef>
+        </p:style>
+        <p:txBody>
+          <a:bodyPr rtlCol="0" anchor="ctr"/>
+          <a:lstStyle/>
+          <a:p>
+            <a:pPr algn="ctr"/>
+            <a:endParaRPr lang="en-US"/>
+          </a:p>
+        </p:txBody>
+      </p:sp>
+      <p:sp>
+        <p:nvSpPr>
+          <p:cNvPr id="13" name="Freeform: Shape 12">
+            <a:extLst>
+              <a:ext uri="{FF2B5EF4-FFF2-40B4-BE49-F238E27FC236}">
+                <a16:creationId xmlns:a16="http://schemas.microsoft.com/office/drawing/2014/main" id="{1A118E35-1CBF-4863-8497-F4DF1A166D2D}"/>
+              </a:ext>
+              <a:ext uri="{C183D7F6-B498-43B3-948B-1728B52AA6E4}">
+                <adec:decorative xmlns:adec="http://schemas.microsoft.com/office/drawing/2017/decorative" val="1"/>
+              </a:ext>
+            </a:extLst>
+          </p:cNvPr>
+          <p:cNvSpPr>
+            <a:spLocks noGrp="1" noRot="1" noChangeAspect="1" noMove="1" noResize="1" noEditPoints="1" noAdjustHandles="1" noChangeArrowheads="1" noChangeShapeType="1" noTextEdit="1"/>
+          </p:cNvSpPr>
+          <p:nvPr>
+            <p:extLst>
+              <p:ext uri="{386F3935-93C4-4BCD-93E2-E3B085C9AB24}">
+                <p16:designElem xmlns:p16="http://schemas.microsoft.com/office/powerpoint/2015/main" val="1"/>
+              </p:ext>
+            </p:extLst>
+          </p:nvPr>
+        </p:nvSpPr>
+        <p:spPr>
+          <a:xfrm>
+            <a:off x="-3582" y="752748"/>
+            <a:ext cx="1001483" cy="4744251"/>
+          </a:xfrm>
+          <a:custGeom>
+            <a:avLst/>
+            <a:gdLst>
+              <a:gd name="connsiteX0" fmla="*/ 0 w 1001483"/>
+              <a:gd name="connsiteY0" fmla="*/ 0 h 4744251"/>
+              <a:gd name="connsiteX1" fmla="*/ 1001483 w 1001483"/>
+              <a:gd name="connsiteY1" fmla="*/ 0 h 4744251"/>
+              <a:gd name="connsiteX2" fmla="*/ 0 w 1001483"/>
+              <a:gd name="connsiteY2" fmla="*/ 4744251 h 4744251"/>
+            </a:gdLst>
+            <a:ahLst/>
+            <a:cxnLst>
+              <a:cxn ang="0">
+                <a:pos x="connsiteX0" y="connsiteY0"/>
+              </a:cxn>
+              <a:cxn ang="0">
+                <a:pos x="connsiteX1" y="connsiteY1"/>
+              </a:cxn>
+              <a:cxn ang="0">
+                <a:pos x="connsiteX2" y="connsiteY2"/>
+              </a:cxn>
+            </a:cxnLst>
+            <a:rect l="l" t="t" r="r" b="b"/>
+            <a:pathLst>
+              <a:path w="1001483" h="4744251">
+                <a:moveTo>
+                  <a:pt x="0" y="0"/>
+                </a:moveTo>
+                <a:lnTo>
+                  <a:pt x="1001483" y="0"/>
+                </a:lnTo>
+                <a:lnTo>
+                  <a:pt x="0" y="4744251"/>
+                </a:lnTo>
+                <a:close/>
+              </a:path>
+            </a:pathLst>
+          </a:custGeom>
+          <a:solidFill>
+            <a:schemeClr val="accent1"/>
+          </a:solidFill>
+          <a:ln>
+            <a:noFill/>
+          </a:ln>
+        </p:spPr>
+        <p:style>
+          <a:lnRef idx="2">
+            <a:schemeClr val="accent1">
+              <a:shade val="50000"/>
+            </a:schemeClr>
+          </a:lnRef>
+          <a:fillRef idx="1">
+            <a:schemeClr val="accent1"/>
+          </a:fillRef>
+          <a:effectRef idx="0">
+            <a:schemeClr val="accent1"/>
+          </a:effectRef>
+          <a:fontRef idx="minor">
+            <a:schemeClr val="lt1"/>
+          </a:fontRef>
+        </p:style>
+      </p:sp>
+      <p:sp>
+        <p:nvSpPr>
+          <p:cNvPr id="15" name="Freeform: Shape 14">
+            <a:extLst>
+              <a:ext uri="{FF2B5EF4-FFF2-40B4-BE49-F238E27FC236}">
+                <a16:creationId xmlns:a16="http://schemas.microsoft.com/office/drawing/2014/main" id="{6E187274-5DC2-4BE0-AF99-925D6D973550}"/>
+              </a:ext>
+              <a:ext uri="{C183D7F6-B498-43B3-948B-1728B52AA6E4}">
+                <adec:decorative xmlns:adec="http://schemas.microsoft.com/office/drawing/2017/decorative" val="1"/>
+              </a:ext>
+            </a:extLst>
+          </p:cNvPr>
+          <p:cNvSpPr>
+            <a:spLocks noGrp="1" noRot="1" noChangeAspect="1" noMove="1" noResize="1" noEditPoints="1" noAdjustHandles="1" noChangeArrowheads="1" noChangeShapeType="1" noTextEdit="1"/>
+          </p:cNvSpPr>
+          <p:nvPr>
+            <p:extLst>
+              <p:ext uri="{386F3935-93C4-4BCD-93E2-E3B085C9AB24}">
+                <p16:designElem xmlns:p16="http://schemas.microsoft.com/office/powerpoint/2015/main" val="1"/>
+              </p:ext>
+            </p:extLst>
+          </p:nvPr>
+        </p:nvSpPr>
+        <p:spPr>
+          <a:xfrm>
+            <a:off x="7987094" y="761999"/>
+            <a:ext cx="4208489" cy="5334001"/>
+          </a:xfrm>
+          <a:custGeom>
+            <a:avLst/>
+            <a:gdLst>
+              <a:gd name="connsiteX0" fmla="*/ 1015642 w 4208489"/>
+              <a:gd name="connsiteY0" fmla="*/ 0 h 5334001"/>
+              <a:gd name="connsiteX1" fmla="*/ 4208489 w 4208489"/>
+              <a:gd name="connsiteY1" fmla="*/ 0 h 5334001"/>
+              <a:gd name="connsiteX2" fmla="*/ 4208489 w 4208489"/>
+              <a:gd name="connsiteY2" fmla="*/ 5334001 h 5334001"/>
+              <a:gd name="connsiteX3" fmla="*/ 0 w 4208489"/>
+              <a:gd name="connsiteY3" fmla="*/ 5334001 h 5334001"/>
+            </a:gdLst>
+            <a:ahLst/>
+            <a:cxnLst>
+              <a:cxn ang="0">
+                <a:pos x="connsiteX0" y="connsiteY0"/>
+              </a:cxn>
+              <a:cxn ang="0">
+                <a:pos x="connsiteX1" y="connsiteY1"/>
+              </a:cxn>
+              <a:cxn ang="0">
+                <a:pos x="connsiteX2" y="connsiteY2"/>
+              </a:cxn>
+              <a:cxn ang="0">
+                <a:pos x="connsiteX3" y="connsiteY3"/>
+              </a:cxn>
+            </a:cxnLst>
+            <a:rect l="l" t="t" r="r" b="b"/>
+            <a:pathLst>
+              <a:path w="4208489" h="5334001">
+                <a:moveTo>
+                  <a:pt x="1015642" y="0"/>
+                </a:moveTo>
+                <a:lnTo>
+                  <a:pt x="4208489" y="0"/>
+                </a:lnTo>
+                <a:lnTo>
+                  <a:pt x="4208489" y="5334001"/>
+                </a:lnTo>
+                <a:lnTo>
+                  <a:pt x="0" y="5334001"/>
+                </a:lnTo>
+                <a:close/>
+              </a:path>
+            </a:pathLst>
+          </a:custGeom>
+          <a:solidFill>
+            <a:schemeClr val="accent1"/>
+          </a:solidFill>
+          <a:ln>
+            <a:noFill/>
+          </a:ln>
+        </p:spPr>
+        <p:style>
+          <a:lnRef idx="2">
+            <a:schemeClr val="accent1">
+              <a:shade val="50000"/>
+            </a:schemeClr>
+          </a:lnRef>
+          <a:fillRef idx="1">
+            <a:schemeClr val="accent1"/>
+          </a:fillRef>
+          <a:effectRef idx="0">
+            <a:schemeClr val="accent1"/>
+          </a:effectRef>
+          <a:fontRef idx="minor">
+            <a:schemeClr val="lt1"/>
+          </a:fontRef>
+        </p:style>
+      </p:sp>
+      <p:sp>
+        <p:nvSpPr>
+          <p:cNvPr id="2" name="Title 1">
+            <a:extLst>
+              <a:ext uri="{FF2B5EF4-FFF2-40B4-BE49-F238E27FC236}">
+                <a16:creationId xmlns:a16="http://schemas.microsoft.com/office/drawing/2014/main" id="{A3D8773C-2C46-4FB5-B625-2900809E2707}"/>
+              </a:ext>
+            </a:extLst>
+          </p:cNvPr>
+          <p:cNvSpPr>
+            <a:spLocks noGrp="1"/>
+          </p:cNvSpPr>
+          <p:nvPr>
+            <p:ph type="title"/>
+          </p:nvPr>
+        </p:nvSpPr>
+        <p:spPr>
+          <a:xfrm>
+            <a:off x="1069849" y="1298448"/>
+            <a:ext cx="7056444" cy="3255264"/>
+          </a:xfrm>
+        </p:spPr>
+        <p:txBody>
+          <a:bodyPr vert="horz" lIns="91440" tIns="45720" rIns="91440" bIns="45720" rtlCol="0" anchor="b">
+            <a:normAutofit/>
+          </a:bodyPr>
+          <a:lstStyle/>
+          <a:p>
+            <a:pPr algn="r"/>
+            <a:r>
+              <a:rPr lang="en-US" sz="5900" b="1" spc="-100" dirty="0">
+                <a:solidFill>
+                  <a:srgbClr val="C00000"/>
+                </a:solidFill>
+              </a:rPr>
+              <a:t>FRAMEWORKS</a:t>
+            </a:r>
+          </a:p>
+        </p:txBody>
+      </p:sp>
     </p:spTree>
     <p:extLst>
       <p:ext uri="{BB962C8B-B14F-4D97-AF65-F5344CB8AC3E}">
-        <p14:creationId xmlns:p14="http://schemas.microsoft.com/office/powerpoint/2010/main" val="3794573930"/>
+        <p14:creationId xmlns:p14="http://schemas.microsoft.com/office/powerpoint/2010/main" val="2919161643"/>
       </p:ext>
     </p:extLst>
   </p:cSld>
@@ -12707,14 +15050,88 @@
 <file path=ppt/slides/slide6.xml><?xml version="1.0" encoding="utf-8"?>
 <p:sld xmlns:a="http://schemas.openxmlformats.org/drawingml/2006/main" xmlns:r="http://schemas.openxmlformats.org/officeDocument/2006/relationships" xmlns:p="http://schemas.openxmlformats.org/presentationml/2006/main">
   <p:cSld>
+    <p:spTree>
+      <p:nvGrpSpPr>
+        <p:cNvPr id="1" name=""/>
+        <p:cNvGrpSpPr/>
+        <p:nvPr/>
+      </p:nvGrpSpPr>
+      <p:grpSpPr>
+        <a:xfrm>
+          <a:off x="0" y="0"/>
+          <a:ext cx="0" cy="0"/>
+          <a:chOff x="0" y="0"/>
+          <a:chExt cx="0" cy="0"/>
+        </a:xfrm>
+      </p:grpSpPr>
+      <p:pic>
+        <p:nvPicPr>
+          <p:cNvPr id="2052" name="Picture 4" descr="Bootstrap Featured Image - Bootstrap 3 Logo Png - 1600x1331 PNG ...">
+            <a:extLst>
+              <a:ext uri="{FF2B5EF4-FFF2-40B4-BE49-F238E27FC236}">
+                <a16:creationId xmlns:a16="http://schemas.microsoft.com/office/drawing/2014/main" id="{8443B81B-341F-42DC-9213-B56EC72D7885}"/>
+              </a:ext>
+            </a:extLst>
+          </p:cNvPr>
+          <p:cNvPicPr>
+            <a:picLocks noChangeAspect="1" noChangeArrowheads="1"/>
+          </p:cNvPicPr>
+          <p:nvPr/>
+        </p:nvPicPr>
+        <p:blipFill>
+          <a:blip r:embed="rId2">
+            <a:extLst>
+              <a:ext uri="{28A0092B-C50C-407E-A947-70E740481C1C}">
+                <a14:useLocalDpi xmlns:a14="http://schemas.microsoft.com/office/drawing/2010/main" val="0"/>
+              </a:ext>
+            </a:extLst>
+          </a:blip>
+          <a:srcRect/>
+          <a:stretch>
+            <a:fillRect/>
+          </a:stretch>
+        </p:blipFill>
+        <p:spPr bwMode="auto">
+          <a:xfrm>
+            <a:off x="3686359" y="1301660"/>
+            <a:ext cx="4819282" cy="4254680"/>
+          </a:xfrm>
+          <a:prstGeom prst="rect">
+            <a:avLst/>
+          </a:prstGeom>
+          <a:noFill/>
+          <a:extLst>
+            <a:ext uri="{909E8E84-426E-40DD-AFC4-6F175D3DCCD1}">
+              <a14:hiddenFill xmlns:a14="http://schemas.microsoft.com/office/drawing/2010/main">
+                <a:solidFill>
+                  <a:srgbClr val="FFFFFF"/>
+                </a:solidFill>
+              </a14:hiddenFill>
+            </a:ext>
+          </a:extLst>
+        </p:spPr>
+      </p:pic>
+    </p:spTree>
+    <p:extLst>
+      <p:ext uri="{BB962C8B-B14F-4D97-AF65-F5344CB8AC3E}">
+        <p14:creationId xmlns:p14="http://schemas.microsoft.com/office/powerpoint/2010/main" val="1828339671"/>
+      </p:ext>
+    </p:extLst>
+  </p:cSld>
+  <p:clrMapOvr>
+    <a:masterClrMapping/>
+  </p:clrMapOvr>
+</p:sld>
+</file>
+
+<file path=ppt/slides/slide7.xml><?xml version="1.0" encoding="utf-8"?>
+<p:sld xmlns:a="http://schemas.openxmlformats.org/drawingml/2006/main" xmlns:r="http://schemas.openxmlformats.org/officeDocument/2006/relationships" xmlns:p="http://schemas.openxmlformats.org/presentationml/2006/main">
+  <p:cSld>
     <p:bg>
       <p:bgPr>
-        <a:blipFill>
-          <a:blip r:embed="rId2"/>
-          <a:stretch>
-            <a:fillRect t="-17000" b="-17000"/>
-          </a:stretch>
-        </a:blipFill>
+        <a:solidFill>
+          <a:schemeClr val="bg1"/>
+        </a:solidFill>
         <a:effectLst/>
       </p:bgPr>
     </p:bg>
@@ -12732,10 +15149,411 @@
           <a:chExt cx="0" cy="0"/>
         </a:xfrm>
       </p:grpSpPr>
+      <p:sp>
+        <p:nvSpPr>
+          <p:cNvPr id="7" name="Rectangle 6">
+            <a:extLst>
+              <a:ext uri="{FF2B5EF4-FFF2-40B4-BE49-F238E27FC236}">
+                <a16:creationId xmlns:a16="http://schemas.microsoft.com/office/drawing/2014/main" id="{C162DF2A-64D1-4AA9-BA42-8A4063EADE09}"/>
+              </a:ext>
+              <a:ext uri="{C183D7F6-B498-43B3-948B-1728B52AA6E4}">
+                <adec:decorative xmlns:adec="http://schemas.microsoft.com/office/drawing/2017/decorative" val="1"/>
+              </a:ext>
+            </a:extLst>
+          </p:cNvPr>
+          <p:cNvSpPr>
+            <a:spLocks noGrp="1" noRot="1" noChangeAspect="1" noMove="1" noResize="1" noEditPoints="1" noAdjustHandles="1" noChangeArrowheads="1" noChangeShapeType="1" noTextEdit="1"/>
+          </p:cNvSpPr>
+          <p:nvPr>
+            <p:extLst>
+              <p:ext uri="{386F3935-93C4-4BCD-93E2-E3B085C9AB24}">
+                <p16:designElem xmlns:p16="http://schemas.microsoft.com/office/powerpoint/2015/main" val="1"/>
+              </p:ext>
+            </p:extLst>
+          </p:nvPr>
+        </p:nvSpPr>
+        <p:spPr>
+          <a:xfrm>
+            <a:off x="0" y="761999"/>
+            <a:ext cx="9141619" cy="5334001"/>
+          </a:xfrm>
+          <a:prstGeom prst="rect">
+            <a:avLst/>
+          </a:prstGeom>
+          <a:solidFill>
+            <a:schemeClr val="accent1"/>
+          </a:solidFill>
+          <a:ln>
+            <a:noFill/>
+          </a:ln>
+        </p:spPr>
+        <p:style>
+          <a:lnRef idx="2">
+            <a:schemeClr val="accent1">
+              <a:shade val="50000"/>
+            </a:schemeClr>
+          </a:lnRef>
+          <a:fillRef idx="1">
+            <a:schemeClr val="accent1"/>
+          </a:fillRef>
+          <a:effectRef idx="0">
+            <a:schemeClr val="accent1"/>
+          </a:effectRef>
+          <a:fontRef idx="minor">
+            <a:schemeClr val="lt1"/>
+          </a:fontRef>
+        </p:style>
+      </p:sp>
+      <p:sp>
+        <p:nvSpPr>
+          <p:cNvPr id="9" name="Rectangle 8">
+            <a:extLst>
+              <a:ext uri="{FF2B5EF4-FFF2-40B4-BE49-F238E27FC236}">
+                <a16:creationId xmlns:a16="http://schemas.microsoft.com/office/drawing/2014/main" id="{5D7C1373-63AF-4A75-909E-990E05356670}"/>
+              </a:ext>
+              <a:ext uri="{C183D7F6-B498-43B3-948B-1728B52AA6E4}">
+                <adec:decorative xmlns:adec="http://schemas.microsoft.com/office/drawing/2017/decorative" val="1"/>
+              </a:ext>
+            </a:extLst>
+          </p:cNvPr>
+          <p:cNvSpPr>
+            <a:spLocks noGrp="1" noRot="1" noChangeAspect="1" noMove="1" noResize="1" noEditPoints="1" noAdjustHandles="1" noChangeArrowheads="1" noChangeShapeType="1" noTextEdit="1"/>
+          </p:cNvSpPr>
+          <p:nvPr>
+            <p:extLst>
+              <p:ext uri="{386F3935-93C4-4BCD-93E2-E3B085C9AB24}">
+                <p16:designElem xmlns:p16="http://schemas.microsoft.com/office/powerpoint/2015/main" val="1"/>
+              </p:ext>
+            </p:extLst>
+          </p:nvPr>
+        </p:nvSpPr>
+        <p:spPr>
+          <a:xfrm>
+            <a:off x="9270263" y="761999"/>
+            <a:ext cx="2925318" cy="5334001"/>
+          </a:xfrm>
+          <a:prstGeom prst="rect">
+            <a:avLst/>
+          </a:prstGeom>
+          <a:solidFill>
+            <a:srgbClr val="C8C8C8">
+              <a:alpha val="49804"/>
+            </a:srgbClr>
+          </a:solidFill>
+          <a:ln>
+            <a:noFill/>
+          </a:ln>
+        </p:spPr>
+        <p:style>
+          <a:lnRef idx="2">
+            <a:schemeClr val="accent1">
+              <a:shade val="50000"/>
+            </a:schemeClr>
+          </a:lnRef>
+          <a:fillRef idx="1">
+            <a:schemeClr val="accent1"/>
+          </a:fillRef>
+          <a:effectRef idx="0">
+            <a:schemeClr val="accent1"/>
+          </a:effectRef>
+          <a:fontRef idx="minor">
+            <a:schemeClr val="lt1"/>
+          </a:fontRef>
+        </p:style>
+      </p:sp>
+      <p:sp useBgFill="1">
+        <p:nvSpPr>
+          <p:cNvPr id="11" name="Rectangle 10">
+            <a:extLst>
+              <a:ext uri="{FF2B5EF4-FFF2-40B4-BE49-F238E27FC236}">
+                <a16:creationId xmlns:a16="http://schemas.microsoft.com/office/drawing/2014/main" id="{2F4AD318-2FB6-4C6E-931E-58E404FA18CD}"/>
+              </a:ext>
+              <a:ext uri="{C183D7F6-B498-43B3-948B-1728B52AA6E4}">
+                <adec:decorative xmlns:adec="http://schemas.microsoft.com/office/drawing/2017/decorative" val="1"/>
+              </a:ext>
+            </a:extLst>
+          </p:cNvPr>
+          <p:cNvSpPr>
+            <a:spLocks noGrp="1" noRot="1" noChangeAspect="1" noMove="1" noResize="1" noEditPoints="1" noAdjustHandles="1" noChangeArrowheads="1" noChangeShapeType="1" noTextEdit="1"/>
+          </p:cNvSpPr>
+          <p:nvPr>
+            <p:extLst>
+              <p:ext uri="{386F3935-93C4-4BCD-93E2-E3B085C9AB24}">
+                <p16:designElem xmlns:p16="http://schemas.microsoft.com/office/powerpoint/2015/main" val="1"/>
+              </p:ext>
+            </p:extLst>
+          </p:nvPr>
+        </p:nvSpPr>
+        <p:spPr>
+          <a:xfrm>
+            <a:off x="0" y="0"/>
+            <a:ext cx="12192000" cy="6858000"/>
+          </a:xfrm>
+          <a:prstGeom prst="rect">
+            <a:avLst/>
+          </a:prstGeom>
+          <a:ln>
+            <a:noFill/>
+          </a:ln>
+        </p:spPr>
+        <p:style>
+          <a:lnRef idx="2">
+            <a:schemeClr val="accent1">
+              <a:shade val="50000"/>
+            </a:schemeClr>
+          </a:lnRef>
+          <a:fillRef idx="1">
+            <a:schemeClr val="accent1"/>
+          </a:fillRef>
+          <a:effectRef idx="0">
+            <a:schemeClr val="accent1"/>
+          </a:effectRef>
+          <a:fontRef idx="minor">
+            <a:schemeClr val="lt1"/>
+          </a:fontRef>
+        </p:style>
+        <p:txBody>
+          <a:bodyPr rtlCol="0" anchor="ctr"/>
+          <a:lstStyle/>
+          <a:p>
+            <a:pPr algn="ctr"/>
+            <a:endParaRPr lang="en-US"/>
+          </a:p>
+        </p:txBody>
+      </p:sp>
+      <p:sp>
+        <p:nvSpPr>
+          <p:cNvPr id="13" name="Freeform: Shape 12">
+            <a:extLst>
+              <a:ext uri="{FF2B5EF4-FFF2-40B4-BE49-F238E27FC236}">
+                <a16:creationId xmlns:a16="http://schemas.microsoft.com/office/drawing/2014/main" id="{1A118E35-1CBF-4863-8497-F4DF1A166D2D}"/>
+              </a:ext>
+              <a:ext uri="{C183D7F6-B498-43B3-948B-1728B52AA6E4}">
+                <adec:decorative xmlns:adec="http://schemas.microsoft.com/office/drawing/2017/decorative" val="1"/>
+              </a:ext>
+            </a:extLst>
+          </p:cNvPr>
+          <p:cNvSpPr>
+            <a:spLocks noGrp="1" noRot="1" noChangeAspect="1" noMove="1" noResize="1" noEditPoints="1" noAdjustHandles="1" noChangeArrowheads="1" noChangeShapeType="1" noTextEdit="1"/>
+          </p:cNvSpPr>
+          <p:nvPr>
+            <p:extLst>
+              <p:ext uri="{386F3935-93C4-4BCD-93E2-E3B085C9AB24}">
+                <p16:designElem xmlns:p16="http://schemas.microsoft.com/office/powerpoint/2015/main" val="1"/>
+              </p:ext>
+            </p:extLst>
+          </p:nvPr>
+        </p:nvSpPr>
+        <p:spPr>
+          <a:xfrm>
+            <a:off x="-3582" y="752748"/>
+            <a:ext cx="1001483" cy="4744251"/>
+          </a:xfrm>
+          <a:custGeom>
+            <a:avLst/>
+            <a:gdLst>
+              <a:gd name="connsiteX0" fmla="*/ 0 w 1001483"/>
+              <a:gd name="connsiteY0" fmla="*/ 0 h 4744251"/>
+              <a:gd name="connsiteX1" fmla="*/ 1001483 w 1001483"/>
+              <a:gd name="connsiteY1" fmla="*/ 0 h 4744251"/>
+              <a:gd name="connsiteX2" fmla="*/ 0 w 1001483"/>
+              <a:gd name="connsiteY2" fmla="*/ 4744251 h 4744251"/>
+            </a:gdLst>
+            <a:ahLst/>
+            <a:cxnLst>
+              <a:cxn ang="0">
+                <a:pos x="connsiteX0" y="connsiteY0"/>
+              </a:cxn>
+              <a:cxn ang="0">
+                <a:pos x="connsiteX1" y="connsiteY1"/>
+              </a:cxn>
+              <a:cxn ang="0">
+                <a:pos x="connsiteX2" y="connsiteY2"/>
+              </a:cxn>
+            </a:cxnLst>
+            <a:rect l="l" t="t" r="r" b="b"/>
+            <a:pathLst>
+              <a:path w="1001483" h="4744251">
+                <a:moveTo>
+                  <a:pt x="0" y="0"/>
+                </a:moveTo>
+                <a:lnTo>
+                  <a:pt x="1001483" y="0"/>
+                </a:lnTo>
+                <a:lnTo>
+                  <a:pt x="0" y="4744251"/>
+                </a:lnTo>
+                <a:close/>
+              </a:path>
+            </a:pathLst>
+          </a:custGeom>
+          <a:solidFill>
+            <a:schemeClr val="accent1"/>
+          </a:solidFill>
+          <a:ln>
+            <a:noFill/>
+          </a:ln>
+        </p:spPr>
+        <p:style>
+          <a:lnRef idx="2">
+            <a:schemeClr val="accent1">
+              <a:shade val="50000"/>
+            </a:schemeClr>
+          </a:lnRef>
+          <a:fillRef idx="1">
+            <a:schemeClr val="accent1"/>
+          </a:fillRef>
+          <a:effectRef idx="0">
+            <a:schemeClr val="accent1"/>
+          </a:effectRef>
+          <a:fontRef idx="minor">
+            <a:schemeClr val="lt1"/>
+          </a:fontRef>
+        </p:style>
+      </p:sp>
+      <p:sp>
+        <p:nvSpPr>
+          <p:cNvPr id="15" name="Freeform: Shape 14">
+            <a:extLst>
+              <a:ext uri="{FF2B5EF4-FFF2-40B4-BE49-F238E27FC236}">
+                <a16:creationId xmlns:a16="http://schemas.microsoft.com/office/drawing/2014/main" id="{6E187274-5DC2-4BE0-AF99-925D6D973550}"/>
+              </a:ext>
+              <a:ext uri="{C183D7F6-B498-43B3-948B-1728B52AA6E4}">
+                <adec:decorative xmlns:adec="http://schemas.microsoft.com/office/drawing/2017/decorative" val="1"/>
+              </a:ext>
+            </a:extLst>
+          </p:cNvPr>
+          <p:cNvSpPr>
+            <a:spLocks noGrp="1" noRot="1" noChangeAspect="1" noMove="1" noResize="1" noEditPoints="1" noAdjustHandles="1" noChangeArrowheads="1" noChangeShapeType="1" noTextEdit="1"/>
+          </p:cNvSpPr>
+          <p:nvPr>
+            <p:extLst>
+              <p:ext uri="{386F3935-93C4-4BCD-93E2-E3B085C9AB24}">
+                <p16:designElem xmlns:p16="http://schemas.microsoft.com/office/powerpoint/2015/main" val="1"/>
+              </p:ext>
+            </p:extLst>
+          </p:nvPr>
+        </p:nvSpPr>
+        <p:spPr>
+          <a:xfrm>
+            <a:off x="7987094" y="761999"/>
+            <a:ext cx="4208489" cy="5334001"/>
+          </a:xfrm>
+          <a:custGeom>
+            <a:avLst/>
+            <a:gdLst>
+              <a:gd name="connsiteX0" fmla="*/ 1015642 w 4208489"/>
+              <a:gd name="connsiteY0" fmla="*/ 0 h 5334001"/>
+              <a:gd name="connsiteX1" fmla="*/ 4208489 w 4208489"/>
+              <a:gd name="connsiteY1" fmla="*/ 0 h 5334001"/>
+              <a:gd name="connsiteX2" fmla="*/ 4208489 w 4208489"/>
+              <a:gd name="connsiteY2" fmla="*/ 5334001 h 5334001"/>
+              <a:gd name="connsiteX3" fmla="*/ 0 w 4208489"/>
+              <a:gd name="connsiteY3" fmla="*/ 5334001 h 5334001"/>
+            </a:gdLst>
+            <a:ahLst/>
+            <a:cxnLst>
+              <a:cxn ang="0">
+                <a:pos x="connsiteX0" y="connsiteY0"/>
+              </a:cxn>
+              <a:cxn ang="0">
+                <a:pos x="connsiteX1" y="connsiteY1"/>
+              </a:cxn>
+              <a:cxn ang="0">
+                <a:pos x="connsiteX2" y="connsiteY2"/>
+              </a:cxn>
+              <a:cxn ang="0">
+                <a:pos x="connsiteX3" y="connsiteY3"/>
+              </a:cxn>
+            </a:cxnLst>
+            <a:rect l="l" t="t" r="r" b="b"/>
+            <a:pathLst>
+              <a:path w="4208489" h="5334001">
+                <a:moveTo>
+                  <a:pt x="1015642" y="0"/>
+                </a:moveTo>
+                <a:lnTo>
+                  <a:pt x="4208489" y="0"/>
+                </a:lnTo>
+                <a:lnTo>
+                  <a:pt x="4208489" y="5334001"/>
+                </a:lnTo>
+                <a:lnTo>
+                  <a:pt x="0" y="5334001"/>
+                </a:lnTo>
+                <a:close/>
+              </a:path>
+            </a:pathLst>
+          </a:custGeom>
+          <a:solidFill>
+            <a:schemeClr val="accent1"/>
+          </a:solidFill>
+          <a:ln>
+            <a:noFill/>
+          </a:ln>
+        </p:spPr>
+        <p:style>
+          <a:lnRef idx="2">
+            <a:schemeClr val="accent1">
+              <a:shade val="50000"/>
+            </a:schemeClr>
+          </a:lnRef>
+          <a:fillRef idx="1">
+            <a:schemeClr val="accent1"/>
+          </a:fillRef>
+          <a:effectRef idx="0">
+            <a:schemeClr val="accent1"/>
+          </a:effectRef>
+          <a:fontRef idx="minor">
+            <a:schemeClr val="lt1"/>
+          </a:fontRef>
+        </p:style>
+      </p:sp>
+      <p:sp>
+        <p:nvSpPr>
+          <p:cNvPr id="2" name="Title 1">
+            <a:extLst>
+              <a:ext uri="{FF2B5EF4-FFF2-40B4-BE49-F238E27FC236}">
+                <a16:creationId xmlns:a16="http://schemas.microsoft.com/office/drawing/2014/main" id="{A3D8773C-2C46-4FB5-B625-2900809E2707}"/>
+              </a:ext>
+            </a:extLst>
+          </p:cNvPr>
+          <p:cNvSpPr>
+            <a:spLocks noGrp="1"/>
+          </p:cNvSpPr>
+          <p:nvPr>
+            <p:ph type="title"/>
+          </p:nvPr>
+        </p:nvSpPr>
+        <p:spPr>
+          <a:xfrm>
+            <a:off x="1069849" y="1298448"/>
+            <a:ext cx="7056444" cy="3255264"/>
+          </a:xfrm>
+        </p:spPr>
+        <p:txBody>
+          <a:bodyPr vert="horz" lIns="91440" tIns="45720" rIns="91440" bIns="45720" rtlCol="0" anchor="b">
+            <a:normAutofit/>
+          </a:bodyPr>
+          <a:lstStyle/>
+          <a:p>
+            <a:pPr algn="r"/>
+            <a:r>
+              <a:rPr lang="en-US" sz="5900" b="1" spc="-100">
+                <a:solidFill>
+                  <a:srgbClr val="C00000"/>
+                </a:solidFill>
+              </a:rPr>
+              <a:t>BACK END</a:t>
+            </a:r>
+            <a:endParaRPr lang="en-US"/>
+          </a:p>
+        </p:txBody>
+      </p:sp>
     </p:spTree>
     <p:extLst>
       <p:ext uri="{BB962C8B-B14F-4D97-AF65-F5344CB8AC3E}">
-        <p14:creationId xmlns:p14="http://schemas.microsoft.com/office/powerpoint/2010/main" val="2376243182"/>
+        <p14:creationId xmlns:p14="http://schemas.microsoft.com/office/powerpoint/2010/main" val="2306954017"/>
       </p:ext>
     </p:extLst>
   </p:cSld>
@@ -12745,17 +15563,74 @@
 </p:sld>
 </file>
 
-<file path=ppt/slides/slide7.xml><?xml version="1.0" encoding="utf-8"?>
+<file path=ppt/slides/slide8.xml><?xml version="1.0" encoding="utf-8"?>
+<p:sld xmlns:a="http://schemas.openxmlformats.org/drawingml/2006/main" xmlns:r="http://schemas.openxmlformats.org/officeDocument/2006/relationships" xmlns:p="http://schemas.openxmlformats.org/presentationml/2006/main">
+  <p:cSld>
+    <p:spTree>
+      <p:nvGrpSpPr>
+        <p:cNvPr id="1" name=""/>
+        <p:cNvGrpSpPr/>
+        <p:nvPr/>
+      </p:nvGrpSpPr>
+      <p:grpSpPr>
+        <a:xfrm>
+          <a:off x="0" y="0"/>
+          <a:ext cx="0" cy="0"/>
+          <a:chOff x="0" y="0"/>
+          <a:chExt cx="0" cy="0"/>
+        </a:xfrm>
+      </p:grpSpPr>
+      <p:pic>
+        <p:nvPicPr>
+          <p:cNvPr id="2" name="Picture 2" descr="A picture containing table&#10;&#10;Description generated with very high confidence">
+            <a:extLst>
+              <a:ext uri="{FF2B5EF4-FFF2-40B4-BE49-F238E27FC236}">
+                <a16:creationId xmlns:a16="http://schemas.microsoft.com/office/drawing/2014/main" id="{0819182D-280D-4D69-A0C7-B6228BEE8279}"/>
+              </a:ext>
+            </a:extLst>
+          </p:cNvPr>
+          <p:cNvPicPr>
+            <a:picLocks noChangeAspect="1"/>
+          </p:cNvPicPr>
+          <p:nvPr/>
+        </p:nvPicPr>
+        <p:blipFill>
+          <a:blip r:embed="rId2"/>
+          <a:stretch>
+            <a:fillRect/>
+          </a:stretch>
+        </p:blipFill>
+        <p:spPr>
+          <a:xfrm>
+            <a:off x="2882212" y="-449"/>
+            <a:ext cx="6226294" cy="6197540"/>
+          </a:xfrm>
+          <a:prstGeom prst="rect">
+            <a:avLst/>
+          </a:prstGeom>
+        </p:spPr>
+      </p:pic>
+    </p:spTree>
+    <p:extLst>
+      <p:ext uri="{BB962C8B-B14F-4D97-AF65-F5344CB8AC3E}">
+        <p14:creationId xmlns:p14="http://schemas.microsoft.com/office/powerpoint/2010/main" val="2095531909"/>
+      </p:ext>
+    </p:extLst>
+  </p:cSld>
+  <p:clrMapOvr>
+    <a:masterClrMapping/>
+  </p:clrMapOvr>
+</p:sld>
+</file>
+
+<file path=ppt/slides/slide9.xml><?xml version="1.0" encoding="utf-8"?>
 <p:sld xmlns:a="http://schemas.openxmlformats.org/drawingml/2006/main" xmlns:r="http://schemas.openxmlformats.org/officeDocument/2006/relationships" xmlns:p="http://schemas.openxmlformats.org/presentationml/2006/main">
   <p:cSld>
     <p:bg>
       <p:bgPr>
-        <a:blipFill>
-          <a:blip r:embed="rId2"/>
-          <a:stretch>
-            <a:fillRect t="-17000" b="-17000"/>
-          </a:stretch>
-        </a:blipFill>
+        <a:solidFill>
+          <a:schemeClr val="bg1"/>
+        </a:solidFill>
         <a:effectLst/>
       </p:bgPr>
     </p:bg>
@@ -12773,92 +15648,415 @@
           <a:chExt cx="0" cy="0"/>
         </a:xfrm>
       </p:grpSpPr>
+      <p:sp>
+        <p:nvSpPr>
+          <p:cNvPr id="7" name="Rectangle 6">
+            <a:extLst>
+              <a:ext uri="{FF2B5EF4-FFF2-40B4-BE49-F238E27FC236}">
+                <a16:creationId xmlns:a16="http://schemas.microsoft.com/office/drawing/2014/main" id="{C162DF2A-64D1-4AA9-BA42-8A4063EADE09}"/>
+              </a:ext>
+              <a:ext uri="{C183D7F6-B498-43B3-948B-1728B52AA6E4}">
+                <adec:decorative xmlns:adec="http://schemas.microsoft.com/office/drawing/2017/decorative" val="1"/>
+              </a:ext>
+            </a:extLst>
+          </p:cNvPr>
+          <p:cNvSpPr>
+            <a:spLocks noGrp="1" noRot="1" noChangeAspect="1" noMove="1" noResize="1" noEditPoints="1" noAdjustHandles="1" noChangeArrowheads="1" noChangeShapeType="1" noTextEdit="1"/>
+          </p:cNvSpPr>
+          <p:nvPr>
+            <p:extLst>
+              <p:ext uri="{386F3935-93C4-4BCD-93E2-E3B085C9AB24}">
+                <p16:designElem xmlns:p16="http://schemas.microsoft.com/office/powerpoint/2015/main" val="1"/>
+              </p:ext>
+            </p:extLst>
+          </p:nvPr>
+        </p:nvSpPr>
+        <p:spPr>
+          <a:xfrm>
+            <a:off x="0" y="761999"/>
+            <a:ext cx="9141619" cy="5334001"/>
+          </a:xfrm>
+          <a:prstGeom prst="rect">
+            <a:avLst/>
+          </a:prstGeom>
+          <a:solidFill>
+            <a:schemeClr val="accent1"/>
+          </a:solidFill>
+          <a:ln>
+            <a:noFill/>
+          </a:ln>
+        </p:spPr>
+        <p:style>
+          <a:lnRef idx="2">
+            <a:schemeClr val="accent1">
+              <a:shade val="50000"/>
+            </a:schemeClr>
+          </a:lnRef>
+          <a:fillRef idx="1">
+            <a:schemeClr val="accent1"/>
+          </a:fillRef>
+          <a:effectRef idx="0">
+            <a:schemeClr val="accent1"/>
+          </a:effectRef>
+          <a:fontRef idx="minor">
+            <a:schemeClr val="lt1"/>
+          </a:fontRef>
+        </p:style>
+      </p:sp>
+      <p:sp>
+        <p:nvSpPr>
+          <p:cNvPr id="9" name="Rectangle 8">
+            <a:extLst>
+              <a:ext uri="{FF2B5EF4-FFF2-40B4-BE49-F238E27FC236}">
+                <a16:creationId xmlns:a16="http://schemas.microsoft.com/office/drawing/2014/main" id="{5D7C1373-63AF-4A75-909E-990E05356670}"/>
+              </a:ext>
+              <a:ext uri="{C183D7F6-B498-43B3-948B-1728B52AA6E4}">
+                <adec:decorative xmlns:adec="http://schemas.microsoft.com/office/drawing/2017/decorative" val="1"/>
+              </a:ext>
+            </a:extLst>
+          </p:cNvPr>
+          <p:cNvSpPr>
+            <a:spLocks noGrp="1" noRot="1" noChangeAspect="1" noMove="1" noResize="1" noEditPoints="1" noAdjustHandles="1" noChangeArrowheads="1" noChangeShapeType="1" noTextEdit="1"/>
+          </p:cNvSpPr>
+          <p:nvPr>
+            <p:extLst>
+              <p:ext uri="{386F3935-93C4-4BCD-93E2-E3B085C9AB24}">
+                <p16:designElem xmlns:p16="http://schemas.microsoft.com/office/powerpoint/2015/main" val="1"/>
+              </p:ext>
+            </p:extLst>
+          </p:nvPr>
+        </p:nvSpPr>
+        <p:spPr>
+          <a:xfrm>
+            <a:off x="9270263" y="761999"/>
+            <a:ext cx="2925318" cy="5334001"/>
+          </a:xfrm>
+          <a:prstGeom prst="rect">
+            <a:avLst/>
+          </a:prstGeom>
+          <a:solidFill>
+            <a:srgbClr val="C8C8C8">
+              <a:alpha val="49804"/>
+            </a:srgbClr>
+          </a:solidFill>
+          <a:ln>
+            <a:noFill/>
+          </a:ln>
+        </p:spPr>
+        <p:style>
+          <a:lnRef idx="2">
+            <a:schemeClr val="accent1">
+              <a:shade val="50000"/>
+            </a:schemeClr>
+          </a:lnRef>
+          <a:fillRef idx="1">
+            <a:schemeClr val="accent1"/>
+          </a:fillRef>
+          <a:effectRef idx="0">
+            <a:schemeClr val="accent1"/>
+          </a:effectRef>
+          <a:fontRef idx="minor">
+            <a:schemeClr val="lt1"/>
+          </a:fontRef>
+        </p:style>
+      </p:sp>
+      <p:sp useBgFill="1">
+        <p:nvSpPr>
+          <p:cNvPr id="11" name="Rectangle 10">
+            <a:extLst>
+              <a:ext uri="{FF2B5EF4-FFF2-40B4-BE49-F238E27FC236}">
+                <a16:creationId xmlns:a16="http://schemas.microsoft.com/office/drawing/2014/main" id="{2F4AD318-2FB6-4C6E-931E-58E404FA18CD}"/>
+              </a:ext>
+              <a:ext uri="{C183D7F6-B498-43B3-948B-1728B52AA6E4}">
+                <adec:decorative xmlns:adec="http://schemas.microsoft.com/office/drawing/2017/decorative" val="1"/>
+              </a:ext>
+            </a:extLst>
+          </p:cNvPr>
+          <p:cNvSpPr>
+            <a:spLocks noGrp="1" noRot="1" noChangeAspect="1" noMove="1" noResize="1" noEditPoints="1" noAdjustHandles="1" noChangeArrowheads="1" noChangeShapeType="1" noTextEdit="1"/>
+          </p:cNvSpPr>
+          <p:nvPr>
+            <p:extLst>
+              <p:ext uri="{386F3935-93C4-4BCD-93E2-E3B085C9AB24}">
+                <p16:designElem xmlns:p16="http://schemas.microsoft.com/office/powerpoint/2015/main" val="1"/>
+              </p:ext>
+            </p:extLst>
+          </p:nvPr>
+        </p:nvSpPr>
+        <p:spPr>
+          <a:xfrm>
+            <a:off x="0" y="0"/>
+            <a:ext cx="12192000" cy="6858000"/>
+          </a:xfrm>
+          <a:prstGeom prst="rect">
+            <a:avLst/>
+          </a:prstGeom>
+          <a:ln>
+            <a:noFill/>
+          </a:ln>
+        </p:spPr>
+        <p:style>
+          <a:lnRef idx="2">
+            <a:schemeClr val="accent1">
+              <a:shade val="50000"/>
+            </a:schemeClr>
+          </a:lnRef>
+          <a:fillRef idx="1">
+            <a:schemeClr val="accent1"/>
+          </a:fillRef>
+          <a:effectRef idx="0">
+            <a:schemeClr val="accent1"/>
+          </a:effectRef>
+          <a:fontRef idx="minor">
+            <a:schemeClr val="lt1"/>
+          </a:fontRef>
+        </p:style>
+        <p:txBody>
+          <a:bodyPr rtlCol="0" anchor="ctr"/>
+          <a:lstStyle/>
+          <a:p>
+            <a:pPr algn="ctr"/>
+            <a:endParaRPr lang="en-US"/>
+          </a:p>
+        </p:txBody>
+      </p:sp>
+      <p:sp>
+        <p:nvSpPr>
+          <p:cNvPr id="13" name="Freeform: Shape 12">
+            <a:extLst>
+              <a:ext uri="{FF2B5EF4-FFF2-40B4-BE49-F238E27FC236}">
+                <a16:creationId xmlns:a16="http://schemas.microsoft.com/office/drawing/2014/main" id="{1A118E35-1CBF-4863-8497-F4DF1A166D2D}"/>
+              </a:ext>
+              <a:ext uri="{C183D7F6-B498-43B3-948B-1728B52AA6E4}">
+                <adec:decorative xmlns:adec="http://schemas.microsoft.com/office/drawing/2017/decorative" val="1"/>
+              </a:ext>
+            </a:extLst>
+          </p:cNvPr>
+          <p:cNvSpPr>
+            <a:spLocks noGrp="1" noRot="1" noChangeAspect="1" noMove="1" noResize="1" noEditPoints="1" noAdjustHandles="1" noChangeArrowheads="1" noChangeShapeType="1" noTextEdit="1"/>
+          </p:cNvSpPr>
+          <p:nvPr>
+            <p:extLst>
+              <p:ext uri="{386F3935-93C4-4BCD-93E2-E3B085C9AB24}">
+                <p16:designElem xmlns:p16="http://schemas.microsoft.com/office/powerpoint/2015/main" val="1"/>
+              </p:ext>
+            </p:extLst>
+          </p:nvPr>
+        </p:nvSpPr>
+        <p:spPr>
+          <a:xfrm>
+            <a:off x="-3582" y="752748"/>
+            <a:ext cx="1001483" cy="4744251"/>
+          </a:xfrm>
+          <a:custGeom>
+            <a:avLst/>
+            <a:gdLst>
+              <a:gd name="connsiteX0" fmla="*/ 0 w 1001483"/>
+              <a:gd name="connsiteY0" fmla="*/ 0 h 4744251"/>
+              <a:gd name="connsiteX1" fmla="*/ 1001483 w 1001483"/>
+              <a:gd name="connsiteY1" fmla="*/ 0 h 4744251"/>
+              <a:gd name="connsiteX2" fmla="*/ 0 w 1001483"/>
+              <a:gd name="connsiteY2" fmla="*/ 4744251 h 4744251"/>
+            </a:gdLst>
+            <a:ahLst/>
+            <a:cxnLst>
+              <a:cxn ang="0">
+                <a:pos x="connsiteX0" y="connsiteY0"/>
+              </a:cxn>
+              <a:cxn ang="0">
+                <a:pos x="connsiteX1" y="connsiteY1"/>
+              </a:cxn>
+              <a:cxn ang="0">
+                <a:pos x="connsiteX2" y="connsiteY2"/>
+              </a:cxn>
+            </a:cxnLst>
+            <a:rect l="l" t="t" r="r" b="b"/>
+            <a:pathLst>
+              <a:path w="1001483" h="4744251">
+                <a:moveTo>
+                  <a:pt x="0" y="0"/>
+                </a:moveTo>
+                <a:lnTo>
+                  <a:pt x="1001483" y="0"/>
+                </a:lnTo>
+                <a:lnTo>
+                  <a:pt x="0" y="4744251"/>
+                </a:lnTo>
+                <a:close/>
+              </a:path>
+            </a:pathLst>
+          </a:custGeom>
+          <a:solidFill>
+            <a:schemeClr val="accent1"/>
+          </a:solidFill>
+          <a:ln>
+            <a:noFill/>
+          </a:ln>
+        </p:spPr>
+        <p:style>
+          <a:lnRef idx="2">
+            <a:schemeClr val="accent1">
+              <a:shade val="50000"/>
+            </a:schemeClr>
+          </a:lnRef>
+          <a:fillRef idx="1">
+            <a:schemeClr val="accent1"/>
+          </a:fillRef>
+          <a:effectRef idx="0">
+            <a:schemeClr val="accent1"/>
+          </a:effectRef>
+          <a:fontRef idx="minor">
+            <a:schemeClr val="lt1"/>
+          </a:fontRef>
+        </p:style>
+      </p:sp>
+      <p:sp>
+        <p:nvSpPr>
+          <p:cNvPr id="15" name="Freeform: Shape 14">
+            <a:extLst>
+              <a:ext uri="{FF2B5EF4-FFF2-40B4-BE49-F238E27FC236}">
+                <a16:creationId xmlns:a16="http://schemas.microsoft.com/office/drawing/2014/main" id="{6E187274-5DC2-4BE0-AF99-925D6D973550}"/>
+              </a:ext>
+              <a:ext uri="{C183D7F6-B498-43B3-948B-1728B52AA6E4}">
+                <adec:decorative xmlns:adec="http://schemas.microsoft.com/office/drawing/2017/decorative" val="1"/>
+              </a:ext>
+            </a:extLst>
+          </p:cNvPr>
+          <p:cNvSpPr>
+            <a:spLocks noGrp="1" noRot="1" noChangeAspect="1" noMove="1" noResize="1" noEditPoints="1" noAdjustHandles="1" noChangeArrowheads="1" noChangeShapeType="1" noTextEdit="1"/>
+          </p:cNvSpPr>
+          <p:nvPr>
+            <p:extLst>
+              <p:ext uri="{386F3935-93C4-4BCD-93E2-E3B085C9AB24}">
+                <p16:designElem xmlns:p16="http://schemas.microsoft.com/office/powerpoint/2015/main" val="1"/>
+              </p:ext>
+            </p:extLst>
+          </p:nvPr>
+        </p:nvSpPr>
+        <p:spPr>
+          <a:xfrm>
+            <a:off x="7987094" y="761999"/>
+            <a:ext cx="4208489" cy="5334001"/>
+          </a:xfrm>
+          <a:custGeom>
+            <a:avLst/>
+            <a:gdLst>
+              <a:gd name="connsiteX0" fmla="*/ 1015642 w 4208489"/>
+              <a:gd name="connsiteY0" fmla="*/ 0 h 5334001"/>
+              <a:gd name="connsiteX1" fmla="*/ 4208489 w 4208489"/>
+              <a:gd name="connsiteY1" fmla="*/ 0 h 5334001"/>
+              <a:gd name="connsiteX2" fmla="*/ 4208489 w 4208489"/>
+              <a:gd name="connsiteY2" fmla="*/ 5334001 h 5334001"/>
+              <a:gd name="connsiteX3" fmla="*/ 0 w 4208489"/>
+              <a:gd name="connsiteY3" fmla="*/ 5334001 h 5334001"/>
+            </a:gdLst>
+            <a:ahLst/>
+            <a:cxnLst>
+              <a:cxn ang="0">
+                <a:pos x="connsiteX0" y="connsiteY0"/>
+              </a:cxn>
+              <a:cxn ang="0">
+                <a:pos x="connsiteX1" y="connsiteY1"/>
+              </a:cxn>
+              <a:cxn ang="0">
+                <a:pos x="connsiteX2" y="connsiteY2"/>
+              </a:cxn>
+              <a:cxn ang="0">
+                <a:pos x="connsiteX3" y="connsiteY3"/>
+              </a:cxn>
+            </a:cxnLst>
+            <a:rect l="l" t="t" r="r" b="b"/>
+            <a:pathLst>
+              <a:path w="4208489" h="5334001">
+                <a:moveTo>
+                  <a:pt x="1015642" y="0"/>
+                </a:moveTo>
+                <a:lnTo>
+                  <a:pt x="4208489" y="0"/>
+                </a:lnTo>
+                <a:lnTo>
+                  <a:pt x="4208489" y="5334001"/>
+                </a:lnTo>
+                <a:lnTo>
+                  <a:pt x="0" y="5334001"/>
+                </a:lnTo>
+                <a:close/>
+              </a:path>
+            </a:pathLst>
+          </a:custGeom>
+          <a:solidFill>
+            <a:schemeClr val="accent1"/>
+          </a:solidFill>
+          <a:ln>
+            <a:noFill/>
+          </a:ln>
+        </p:spPr>
+        <p:style>
+          <a:lnRef idx="2">
+            <a:schemeClr val="accent1">
+              <a:shade val="50000"/>
+            </a:schemeClr>
+          </a:lnRef>
+          <a:fillRef idx="1">
+            <a:schemeClr val="accent1"/>
+          </a:fillRef>
+          <a:effectRef idx="0">
+            <a:schemeClr val="accent1"/>
+          </a:effectRef>
+          <a:fontRef idx="minor">
+            <a:schemeClr val="lt1"/>
+          </a:fontRef>
+        </p:style>
+      </p:sp>
+      <p:sp>
+        <p:nvSpPr>
+          <p:cNvPr id="2" name="Title 1">
+            <a:extLst>
+              <a:ext uri="{FF2B5EF4-FFF2-40B4-BE49-F238E27FC236}">
+                <a16:creationId xmlns:a16="http://schemas.microsoft.com/office/drawing/2014/main" id="{A3D8773C-2C46-4FB5-B625-2900809E2707}"/>
+              </a:ext>
+            </a:extLst>
+          </p:cNvPr>
+          <p:cNvSpPr>
+            <a:spLocks noGrp="1"/>
+          </p:cNvSpPr>
+          <p:nvPr>
+            <p:ph type="title"/>
+          </p:nvPr>
+        </p:nvSpPr>
+        <p:spPr>
+          <a:xfrm>
+            <a:off x="1069849" y="1298448"/>
+            <a:ext cx="7056444" cy="3255264"/>
+          </a:xfrm>
+        </p:spPr>
+        <p:txBody>
+          <a:bodyPr vert="horz" lIns="91440" tIns="45720" rIns="91440" bIns="45720" rtlCol="0" anchor="b">
+            <a:normAutofit/>
+          </a:bodyPr>
+          <a:lstStyle/>
+          <a:p>
+            <a:pPr algn="r"/>
+            <a:r>
+              <a:rPr lang="en-US" sz="5900" b="1" spc="-100">
+                <a:solidFill>
+                  <a:srgbClr val="C00000"/>
+                </a:solidFill>
+              </a:rPr>
+              <a:t>DATABASE</a:t>
+            </a:r>
+            <a:endParaRPr lang="en-US" sz="5900" b="1" spc="-100" dirty="0">
+              <a:solidFill>
+                <a:srgbClr val="C00000"/>
+              </a:solidFill>
+            </a:endParaRPr>
+          </a:p>
+        </p:txBody>
+      </p:sp>
     </p:spTree>
     <p:extLst>
       <p:ext uri="{BB962C8B-B14F-4D97-AF65-F5344CB8AC3E}">
-        <p14:creationId xmlns:p14="http://schemas.microsoft.com/office/powerpoint/2010/main" val="1936218112"/>
-      </p:ext>
-    </p:extLst>
-  </p:cSld>
-  <p:clrMapOvr>
-    <a:masterClrMapping/>
-  </p:clrMapOvr>
-</p:sld>
-</file>
-
-<file path=ppt/slides/slide8.xml><?xml version="1.0" encoding="utf-8"?>
-<p:sld xmlns:a="http://schemas.openxmlformats.org/drawingml/2006/main" xmlns:r="http://schemas.openxmlformats.org/officeDocument/2006/relationships" xmlns:p="http://schemas.openxmlformats.org/presentationml/2006/main">
-  <p:cSld>
-    <p:bg>
-      <p:bgPr>
-        <a:blipFill>
-          <a:blip r:embed="rId2"/>
-          <a:stretch>
-            <a:fillRect t="-17000" b="-17000"/>
-          </a:stretch>
-        </a:blipFill>
-        <a:effectLst/>
-      </p:bgPr>
-    </p:bg>
-    <p:spTree>
-      <p:nvGrpSpPr>
-        <p:cNvPr id="1" name=""/>
-        <p:cNvGrpSpPr/>
-        <p:nvPr/>
-      </p:nvGrpSpPr>
-      <p:grpSpPr>
-        <a:xfrm>
-          <a:off x="0" y="0"/>
-          <a:ext cx="0" cy="0"/>
-          <a:chOff x="0" y="0"/>
-          <a:chExt cx="0" cy="0"/>
-        </a:xfrm>
-      </p:grpSpPr>
-    </p:spTree>
-    <p:extLst>
-      <p:ext uri="{BB962C8B-B14F-4D97-AF65-F5344CB8AC3E}">
-        <p14:creationId xmlns:p14="http://schemas.microsoft.com/office/powerpoint/2010/main" val="507717331"/>
-      </p:ext>
-    </p:extLst>
-  </p:cSld>
-  <p:clrMapOvr>
-    <a:masterClrMapping/>
-  </p:clrMapOvr>
-</p:sld>
-</file>
-
-<file path=ppt/slides/slide9.xml><?xml version="1.0" encoding="utf-8"?>
-<p:sld xmlns:a="http://schemas.openxmlformats.org/drawingml/2006/main" xmlns:r="http://schemas.openxmlformats.org/officeDocument/2006/relationships" xmlns:p="http://schemas.openxmlformats.org/presentationml/2006/main">
-  <p:cSld>
-    <p:bg>
-      <p:bgPr>
-        <a:blipFill>
-          <a:blip r:embed="rId2"/>
-          <a:stretch>
-            <a:fillRect t="-17000" b="-17000"/>
-          </a:stretch>
-        </a:blipFill>
-        <a:effectLst/>
-      </p:bgPr>
-    </p:bg>
-    <p:spTree>
-      <p:nvGrpSpPr>
-        <p:cNvPr id="1" name=""/>
-        <p:cNvGrpSpPr/>
-        <p:nvPr/>
-      </p:nvGrpSpPr>
-      <p:grpSpPr>
-        <a:xfrm>
-          <a:off x="0" y="0"/>
-          <a:ext cx="0" cy="0"/>
-          <a:chOff x="0" y="0"/>
-          <a:chExt cx="0" cy="0"/>
-        </a:xfrm>
-      </p:grpSpPr>
-    </p:spTree>
-    <p:extLst>
-      <p:ext uri="{BB962C8B-B14F-4D97-AF65-F5344CB8AC3E}">
-        <p14:creationId xmlns:p14="http://schemas.microsoft.com/office/powerpoint/2010/main" val="990231408"/>
+        <p14:creationId xmlns:p14="http://schemas.microsoft.com/office/powerpoint/2010/main" val="4265504952"/>
       </p:ext>
     </p:extLst>
   </p:cSld>
